--- a/23_Sort.pptx
+++ b/23_Sort.pptx
@@ -5,12 +5,30 @@
     <p:sldMasterId id="2147483648" r:id="rId1"/>
   </p:sldMasterIdLst>
   <p:notesMasterIdLst>
-    <p:notesMasterId r:id="rId5"/>
+    <p:notesMasterId r:id="rId23"/>
   </p:notesMasterIdLst>
   <p:sldIdLst>
     <p:sldId id="256" r:id="rId2"/>
     <p:sldId id="265" r:id="rId3"/>
-    <p:sldId id="259" r:id="rId4"/>
+    <p:sldId id="270" r:id="rId4"/>
+    <p:sldId id="267" r:id="rId5"/>
+    <p:sldId id="266" r:id="rId6"/>
+    <p:sldId id="271" r:id="rId7"/>
+    <p:sldId id="268" r:id="rId8"/>
+    <p:sldId id="269" r:id="rId9"/>
+    <p:sldId id="272" r:id="rId10"/>
+    <p:sldId id="273" r:id="rId11"/>
+    <p:sldId id="274" r:id="rId12"/>
+    <p:sldId id="275" r:id="rId13"/>
+    <p:sldId id="276" r:id="rId14"/>
+    <p:sldId id="277" r:id="rId15"/>
+    <p:sldId id="278" r:id="rId16"/>
+    <p:sldId id="279" r:id="rId17"/>
+    <p:sldId id="280" r:id="rId18"/>
+    <p:sldId id="281" r:id="rId19"/>
+    <p:sldId id="282" r:id="rId20"/>
+    <p:sldId id="283" r:id="rId21"/>
+    <p:sldId id="259" r:id="rId22"/>
   </p:sldIdLst>
   <p:sldSz cx="9144000" cy="6858000" type="screen4x3"/>
   <p:notesSz cx="6858000" cy="9144000"/>
@@ -211,7 +229,7 @@
             <a:fld id="{6837EDA8-41C8-4B24-A206-13C08A65A6D7}" type="datetimeFigureOut">
               <a:rPr lang="zh-TW" altLang="en-US" smtClean="0"/>
               <a:pPr/>
-              <a:t>2022/9/29</a:t>
+              <a:t>2022/9/30</a:t>
             </a:fld>
             <a:endParaRPr lang="zh-TW" altLang="en-US"/>
           </a:p>
@@ -664,7 +682,7 @@
             <a:fld id="{8B85509C-BD4F-47BF-9B1E-FC2E949B3621}" type="datetime1">
               <a:rPr lang="zh-TW" altLang="en-US" smtClean="0"/>
               <a:pPr/>
-              <a:t>2022/9/29</a:t>
+              <a:t>2022/9/30</a:t>
             </a:fld>
             <a:endParaRPr lang="zh-TW" altLang="en-US"/>
           </a:p>
@@ -837,7 +855,7 @@
             <a:fld id="{42251B24-F787-4C15-8A0F-7AEC20C70069}" type="datetime1">
               <a:rPr lang="zh-TW" altLang="en-US" smtClean="0"/>
               <a:pPr/>
-              <a:t>2022/9/29</a:t>
+              <a:t>2022/9/30</a:t>
             </a:fld>
             <a:endParaRPr lang="zh-TW" altLang="en-US"/>
           </a:p>
@@ -1012,7 +1030,7 @@
             <a:fld id="{9CA0D33C-CE2B-45F1-B8D4-FFD1F131F331}" type="datetime1">
               <a:rPr lang="zh-TW" altLang="en-US" smtClean="0"/>
               <a:pPr/>
-              <a:t>2022/9/29</a:t>
+              <a:t>2022/9/30</a:t>
             </a:fld>
             <a:endParaRPr lang="zh-TW" altLang="en-US"/>
           </a:p>
@@ -1177,7 +1195,7 @@
             <a:fld id="{50B99440-D9EF-40CC-9B52-F6428D9B2C76}" type="datetime1">
               <a:rPr lang="zh-TW" altLang="en-US" smtClean="0"/>
               <a:pPr/>
-              <a:t>2022/9/29</a:t>
+              <a:t>2022/9/30</a:t>
             </a:fld>
             <a:endParaRPr lang="zh-TW" altLang="en-US"/>
           </a:p>
@@ -1419,7 +1437,7 @@
             <a:fld id="{0871BF52-5C6C-4959-8E27-CECB68D39FE4}" type="datetime1">
               <a:rPr lang="zh-TW" altLang="en-US" smtClean="0"/>
               <a:pPr/>
-              <a:t>2022/9/29</a:t>
+              <a:t>2022/9/30</a:t>
             </a:fld>
             <a:endParaRPr lang="zh-TW" altLang="en-US"/>
           </a:p>
@@ -1701,7 +1719,7 @@
             <a:fld id="{DF863F05-2DD9-4EB1-A827-12FD992DE9DC}" type="datetime1">
               <a:rPr lang="zh-TW" altLang="en-US" smtClean="0"/>
               <a:pPr/>
-              <a:t>2022/9/29</a:t>
+              <a:t>2022/9/30</a:t>
             </a:fld>
             <a:endParaRPr lang="zh-TW" altLang="en-US"/>
           </a:p>
@@ -2117,7 +2135,7 @@
             <a:fld id="{6339AF51-4491-4873-A096-75DB6CE47516}" type="datetime1">
               <a:rPr lang="zh-TW" altLang="en-US" smtClean="0"/>
               <a:pPr/>
-              <a:t>2022/9/29</a:t>
+              <a:t>2022/9/30</a:t>
             </a:fld>
             <a:endParaRPr lang="zh-TW" altLang="en-US"/>
           </a:p>
@@ -2231,7 +2249,7 @@
             <a:fld id="{EE4AD9C8-8B9E-40FF-ABE2-858AC2057BBB}" type="datetime1">
               <a:rPr lang="zh-TW" altLang="en-US" smtClean="0"/>
               <a:pPr/>
-              <a:t>2022/9/29</a:t>
+              <a:t>2022/9/30</a:t>
             </a:fld>
             <a:endParaRPr lang="zh-TW" altLang="en-US"/>
           </a:p>
@@ -2323,7 +2341,7 @@
             <a:fld id="{B4784999-BBBE-4BE4-A8D0-877E7D1D66CC}" type="datetime1">
               <a:rPr lang="zh-TW" altLang="en-US" smtClean="0"/>
               <a:pPr/>
-              <a:t>2022/9/29</a:t>
+              <a:t>2022/9/30</a:t>
             </a:fld>
             <a:endParaRPr lang="zh-TW" altLang="en-US"/>
           </a:p>
@@ -2595,7 +2613,7 @@
             <a:fld id="{E88D17E6-02BD-4944-B9FE-7BFCCBF83D48}" type="datetime1">
               <a:rPr lang="zh-TW" altLang="en-US" smtClean="0"/>
               <a:pPr/>
-              <a:t>2022/9/29</a:t>
+              <a:t>2022/9/30</a:t>
             </a:fld>
             <a:endParaRPr lang="zh-TW" altLang="en-US"/>
           </a:p>
@@ -2844,7 +2862,7 @@
             <a:fld id="{3C13E23D-1FEF-4D78-A3A3-3D6F2BB31954}" type="datetime1">
               <a:rPr lang="zh-TW" altLang="en-US" smtClean="0"/>
               <a:pPr/>
-              <a:t>2022/9/29</a:t>
+              <a:t>2022/9/30</a:t>
             </a:fld>
             <a:endParaRPr lang="zh-TW" altLang="en-US"/>
           </a:p>
@@ -3052,7 +3070,7 @@
             <a:fld id="{06197F35-AD6F-4594-8B50-334492D2E7E8}" type="datetime1">
               <a:rPr lang="zh-TW" altLang="en-US" smtClean="0"/>
               <a:pPr/>
-              <a:t>2022/9/29</a:t>
+              <a:t>2022/9/30</a:t>
             </a:fld>
             <a:endParaRPr lang="zh-TW" altLang="en-US"/>
           </a:p>
@@ -3513,7 +3531,7 @@
             <a:fld id="{C389EDC9-19E3-47AC-9C57-C6A24DEA81AD}" type="datetime1">
               <a:rPr lang="zh-TW" altLang="en-US" smtClean="0"/>
               <a:pPr/>
-              <a:t>2022/9/29</a:t>
+              <a:t>2022/9/30</a:t>
             </a:fld>
             <a:endParaRPr lang="zh-TW" altLang="en-US"/>
           </a:p>
@@ -3598,7 +3616,7 @@
 </p:sld>
 </file>
 
-<file path=ppt/slides/slide2.xml><?xml version="1.0" encoding="utf-8"?>
+<file path=ppt/slides/slide10.xml><?xml version="1.0" encoding="utf-8"?>
 <p:sld xmlns:a="http://schemas.openxmlformats.org/drawingml/2006/main" xmlns:r="http://schemas.openxmlformats.org/officeDocument/2006/relationships" xmlns:p="http://schemas.openxmlformats.org/presentationml/2006/main">
   <p:cSld>
     <p:spTree>
@@ -3615,6 +3633,74 @@
           <a:chExt cx="0" cy="0"/>
         </a:xfrm>
       </p:grpSpPr>
+      <p:graphicFrame>
+        <p:nvGraphicFramePr>
+          <p:cNvPr id="7" name="Object 6">
+            <a:extLst>
+              <a:ext uri="{FF2B5EF4-FFF2-40B4-BE49-F238E27FC236}">
+                <a16:creationId xmlns:a16="http://schemas.microsoft.com/office/drawing/2014/main" id="{E1048345-32DB-7E07-C75E-91FA95FD1E67}"/>
+              </a:ext>
+            </a:extLst>
+          </p:cNvPr>
+          <p:cNvGraphicFramePr>
+            <a:graphicFrameLocks noChangeAspect="1"/>
+          </p:cNvGraphicFramePr>
+          <p:nvPr>
+            <p:extLst>
+              <p:ext uri="{D42A27DB-BD31-4B8C-83A1-F6EECF244321}">
+                <p14:modId xmlns:p14="http://schemas.microsoft.com/office/powerpoint/2010/main" val="320505667"/>
+              </p:ext>
+            </p:extLst>
+          </p:nvPr>
+        </p:nvGraphicFramePr>
+        <p:xfrm>
+          <a:off x="1043608" y="1988840"/>
+          <a:ext cx="3543300" cy="2705100"/>
+        </p:xfrm>
+        <a:graphic>
+          <a:graphicData uri="http://schemas.openxmlformats.org/presentationml/2006/ole">
+            <mc:AlternateContent xmlns:mc="http://schemas.openxmlformats.org/markup-compatibility/2006">
+              <mc:Choice xmlns:v="urn:schemas-microsoft-com:vml" Requires="v">
+                <p:oleObj name="Bitmap Image" r:id="rId2" imgW="3543480" imgH="2705040" progId="PBrush">
+                  <p:embed/>
+                </p:oleObj>
+              </mc:Choice>
+              <mc:Fallback>
+                <p:oleObj name="Bitmap Image" r:id="rId2" imgW="3543480" imgH="2705040" progId="PBrush">
+                  <p:embed/>
+                  <p:pic>
+                    <p:nvPicPr>
+                      <p:cNvPr id="0" name=""/>
+                      <p:cNvPicPr/>
+                      <p:nvPr/>
+                    </p:nvPicPr>
+                    <p:blipFill>
+                      <a:blip r:embed="rId3"/>
+                      <a:stretch>
+                        <a:fillRect/>
+                      </a:stretch>
+                    </p:blipFill>
+                    <p:spPr>
+                      <a:xfrm>
+                        <a:off x="1043608" y="1988840"/>
+                        <a:ext cx="3543300" cy="2705100"/>
+                      </a:xfrm>
+                      <a:prstGeom prst="rect">
+                        <a:avLst/>
+                      </a:prstGeom>
+                      <a:ln>
+                        <a:solidFill>
+                          <a:srgbClr val="C00000"/>
+                        </a:solidFill>
+                      </a:ln>
+                    </p:spPr>
+                  </p:pic>
+                </p:oleObj>
+              </mc:Fallback>
+            </mc:AlternateContent>
+          </a:graphicData>
+        </a:graphic>
+      </p:graphicFrame>
       <p:sp>
         <p:nvSpPr>
           <p:cNvPr id="2" name="標題 1"/>
@@ -3670,7 +3756,7 @@
                   <a:srgbClr val="FFFF00"/>
                 </a:solidFill>
               </a:rPr>
-              <a:t>23 STL: Sort</a:t>
+              <a:t>23.3 Sort Using Functional Object</a:t>
             </a:r>
             <a:endParaRPr lang="zh-TW" altLang="en-US" sz="4000" b="1" dirty="0">
               <a:solidFill>
@@ -3721,7 +3807,7 @@
                   <a:schemeClr val="tx1"/>
                 </a:solidFill>
               </a:rPr>
-              <a:t>STL: Sort</a:t>
+              <a:t>Sort Using Functional Object</a:t>
             </a:r>
             <a:endParaRPr lang="en-US" sz="1800" dirty="0">
               <a:solidFill>
@@ -3824,7 +3910,7 @@
             <a:fld id="{A4F910E6-8D00-4BAF-8C48-9688E0B449D3}" type="datetime1">
               <a:rPr lang="zh-TW" altLang="en-US" smtClean="0"/>
               <a:pPr/>
-              <a:t>2022/9/29</a:t>
+              <a:t>2022/9/30</a:t>
             </a:fld>
             <a:endParaRPr lang="zh-TW" altLang="en-US"/>
           </a:p>
@@ -3848,7 +3934,7 @@
             <a:fld id="{E4D7E63D-91F2-4366-A2C4-1B00C9E2590E}" type="slidenum">
               <a:rPr lang="zh-TW" altLang="en-US" smtClean="0"/>
               <a:pPr/>
-              <a:t>2</a:t>
+              <a:t>10</a:t>
             </a:fld>
             <a:endParaRPr lang="zh-TW" altLang="en-US"/>
           </a:p>
@@ -3856,10 +3942,10 @@
       </p:sp>
       <p:sp>
         <p:nvSpPr>
-          <p:cNvPr id="12" name="TextBox 11">
+          <p:cNvPr id="17" name="TextBox 16">
             <a:extLst>
               <a:ext uri="{FF2B5EF4-FFF2-40B4-BE49-F238E27FC236}">
-                <a16:creationId xmlns:a16="http://schemas.microsoft.com/office/drawing/2014/main" id="{FB771622-E49F-2119-20E3-C00159C42675}"/>
+                <a16:creationId xmlns:a16="http://schemas.microsoft.com/office/drawing/2014/main" id="{35768E4A-7362-9ED7-00A9-A5F00377166F}"/>
               </a:ext>
             </a:extLst>
           </p:cNvPr>
@@ -3868,8 +3954,8 @@
         </p:nvSpPr>
         <p:spPr>
           <a:xfrm>
-            <a:off x="5915447" y="3573016"/>
-            <a:ext cx="3203848" cy="1384995"/>
+            <a:off x="4499992" y="3356992"/>
+            <a:ext cx="2880320" cy="276999"/>
           </a:xfrm>
           <a:prstGeom prst="rect">
             <a:avLst/>
@@ -3891,39 +3977,67 @@
           <a:p>
             <a:r>
               <a:rPr lang="en-US" sz="1200" dirty="0"/>
-              <a:t>STL (Standard Template Library) is composed of: </a:t>
-            </a:r>
-          </a:p>
-          <a:p>
-            <a:r>
-              <a:rPr lang="en-US" sz="1200" dirty="0"/>
-              <a:t>1. I (Iterator): Iterator is used to iterate over all containers.</a:t>
-            </a:r>
-          </a:p>
-          <a:p>
-            <a:r>
-              <a:rPr lang="en-US" sz="1200" dirty="0"/>
-              <a:t>2. C (Container): There are so many contains:</a:t>
-            </a:r>
-          </a:p>
-          <a:p>
-            <a:r>
-              <a:rPr lang="en-US" sz="1200" dirty="0"/>
-              <a:t>V (Vector), A (Array), S (Set), M (Multi-Set), M (map), MM (Multi-Map), and etc.</a:t>
-            </a:r>
-          </a:p>
-          <a:p>
-            <a:r>
-              <a:rPr lang="en-US" sz="1200" dirty="0"/>
-              <a:t>3. A (Algorithm)</a:t>
-            </a:r>
+              <a:t>Pass customLess pointer to sort.</a:t>
+            </a:r>
+          </a:p>
+        </p:txBody>
+      </p:sp>
+      <p:sp>
+        <p:nvSpPr>
+          <p:cNvPr id="8" name="Rectangle 7">
+            <a:extLst>
+              <a:ext uri="{FF2B5EF4-FFF2-40B4-BE49-F238E27FC236}">
+                <a16:creationId xmlns:a16="http://schemas.microsoft.com/office/drawing/2014/main" id="{7D0F266F-42B7-26CC-7529-1E5F42665B48}"/>
+              </a:ext>
+            </a:extLst>
+          </p:cNvPr>
+          <p:cNvSpPr/>
+          <p:nvPr/>
+        </p:nvSpPr>
+        <p:spPr>
+          <a:xfrm>
+            <a:off x="3635896" y="3789040"/>
+            <a:ext cx="792088" cy="216024"/>
+          </a:xfrm>
+          <a:prstGeom prst="rect">
+            <a:avLst/>
+          </a:prstGeom>
+          <a:noFill/>
+          <a:ln>
+            <a:solidFill>
+              <a:srgbClr val="C00000"/>
+            </a:solidFill>
+          </a:ln>
+        </p:spPr>
+        <p:style>
+          <a:lnRef idx="2">
+            <a:schemeClr val="accent1">
+              <a:shade val="50000"/>
+            </a:schemeClr>
+          </a:lnRef>
+          <a:fillRef idx="1">
+            <a:schemeClr val="accent1"/>
+          </a:fillRef>
+          <a:effectRef idx="0">
+            <a:schemeClr val="accent1"/>
+          </a:effectRef>
+          <a:fontRef idx="minor">
+            <a:schemeClr val="lt1"/>
+          </a:fontRef>
+        </p:style>
+        <p:txBody>
+          <a:bodyPr rtlCol="0" anchor="ctr"/>
+          <a:lstStyle/>
+          <a:p>
+            <a:pPr algn="ctr"/>
+            <a:endParaRPr lang="en-US"/>
           </a:p>
         </p:txBody>
       </p:sp>
     </p:spTree>
     <p:extLst>
       <p:ext uri="{BB962C8B-B14F-4D97-AF65-F5344CB8AC3E}">
-        <p14:creationId xmlns:p14="http://schemas.microsoft.com/office/powerpoint/2010/main" val="3382712547"/>
+        <p14:creationId xmlns:p14="http://schemas.microsoft.com/office/powerpoint/2010/main" val="2901751622"/>
       </p:ext>
     </p:extLst>
   </p:cSld>
@@ -3933,7 +4047,7 @@
 </p:sld>
 </file>
 
-<file path=ppt/slides/slide3.xml><?xml version="1.0" encoding="utf-8"?>
+<file path=ppt/slides/slide11.xml><?xml version="1.0" encoding="utf-8"?>
 <p:sld xmlns:a="http://schemas.openxmlformats.org/drawingml/2006/main" xmlns:r="http://schemas.openxmlformats.org/officeDocument/2006/relationships" xmlns:p="http://schemas.openxmlformats.org/presentationml/2006/main">
   <p:cSld>
     <p:spTree>
@@ -3950,6 +4064,74 @@
           <a:chExt cx="0" cy="0"/>
         </a:xfrm>
       </p:grpSpPr>
+      <p:graphicFrame>
+        <p:nvGraphicFramePr>
+          <p:cNvPr id="8" name="Object 7">
+            <a:extLst>
+              <a:ext uri="{FF2B5EF4-FFF2-40B4-BE49-F238E27FC236}">
+                <a16:creationId xmlns:a16="http://schemas.microsoft.com/office/drawing/2014/main" id="{82F5BAC4-BA03-E35A-23AD-794CC68A9495}"/>
+              </a:ext>
+            </a:extLst>
+          </p:cNvPr>
+          <p:cNvGraphicFramePr>
+            <a:graphicFrameLocks noChangeAspect="1"/>
+          </p:cNvGraphicFramePr>
+          <p:nvPr>
+            <p:extLst>
+              <p:ext uri="{D42A27DB-BD31-4B8C-83A1-F6EECF244321}">
+                <p14:modId xmlns:p14="http://schemas.microsoft.com/office/powerpoint/2010/main" val="4258854723"/>
+              </p:ext>
+            </p:extLst>
+          </p:nvPr>
+        </p:nvGraphicFramePr>
+        <p:xfrm>
+          <a:off x="683568" y="1916832"/>
+          <a:ext cx="6096000" cy="3738563"/>
+        </p:xfrm>
+        <a:graphic>
+          <a:graphicData uri="http://schemas.openxmlformats.org/presentationml/2006/ole">
+            <mc:AlternateContent xmlns:mc="http://schemas.openxmlformats.org/markup-compatibility/2006">
+              <mc:Choice xmlns:v="urn:schemas-microsoft-com:vml" Requires="v">
+                <p:oleObj name="Bitmap Image" r:id="rId2" imgW="9753480" imgH="5981760" progId="PBrush">
+                  <p:embed/>
+                </p:oleObj>
+              </mc:Choice>
+              <mc:Fallback>
+                <p:oleObj name="Bitmap Image" r:id="rId2" imgW="9753480" imgH="5981760" progId="PBrush">
+                  <p:embed/>
+                  <p:pic>
+                    <p:nvPicPr>
+                      <p:cNvPr id="0" name=""/>
+                      <p:cNvPicPr/>
+                      <p:nvPr/>
+                    </p:nvPicPr>
+                    <p:blipFill>
+                      <a:blip r:embed="rId3"/>
+                      <a:stretch>
+                        <a:fillRect/>
+                      </a:stretch>
+                    </p:blipFill>
+                    <p:spPr>
+                      <a:xfrm>
+                        <a:off x="683568" y="1916832"/>
+                        <a:ext cx="6096000" cy="3738563"/>
+                      </a:xfrm>
+                      <a:prstGeom prst="rect">
+                        <a:avLst/>
+                      </a:prstGeom>
+                      <a:ln>
+                        <a:solidFill>
+                          <a:srgbClr val="C00000"/>
+                        </a:solidFill>
+                      </a:ln>
+                    </p:spPr>
+                  </p:pic>
+                </p:oleObj>
+              </mc:Fallback>
+            </mc:AlternateContent>
+          </a:graphicData>
+        </a:graphic>
+      </p:graphicFrame>
       <p:sp>
         <p:nvSpPr>
           <p:cNvPr id="2" name="標題 1"/>
@@ -3962,9 +4144,126 @@
         </p:nvSpPr>
         <p:spPr>
           <a:xfrm>
-            <a:off x="0" y="2130425"/>
-            <a:ext cx="9144000" cy="1470025"/>
-          </a:xfrm>
+            <a:off x="0" y="1"/>
+            <a:ext cx="9144000" cy="764704"/>
+          </a:xfrm>
+          <a:gradFill flip="none" rotWithShape="1">
+            <a:gsLst>
+              <a:gs pos="0">
+                <a:srgbClr val="C00000">
+                  <a:shade val="30000"/>
+                  <a:satMod val="115000"/>
+                </a:srgbClr>
+              </a:gs>
+              <a:gs pos="50000">
+                <a:srgbClr val="C00000">
+                  <a:shade val="67500"/>
+                  <a:satMod val="115000"/>
+                </a:srgbClr>
+              </a:gs>
+              <a:gs pos="100000">
+                <a:srgbClr val="C00000">
+                  <a:shade val="100000"/>
+                  <a:satMod val="115000"/>
+                </a:srgbClr>
+              </a:gs>
+            </a:gsLst>
+            <a:path path="circle">
+              <a:fillToRect t="100000" r="100000"/>
+            </a:path>
+            <a:tileRect l="-100000" b="-100000"/>
+          </a:gradFill>
+        </p:spPr>
+        <p:txBody>
+          <a:bodyPr>
+            <a:normAutofit/>
+          </a:bodyPr>
+          <a:lstStyle/>
+          <a:p>
+            <a:pPr algn="l"/>
+            <a:r>
+              <a:rPr lang="en-US" altLang="zh-TW" sz="4000" b="1" dirty="0">
+                <a:solidFill>
+                  <a:srgbClr val="FFFF00"/>
+                </a:solidFill>
+              </a:rPr>
+              <a:t>23.3 Sort Using Functional Object</a:t>
+            </a:r>
+            <a:endParaRPr lang="zh-TW" altLang="en-US" sz="4000" b="1" dirty="0">
+              <a:solidFill>
+                <a:srgbClr val="FFFF00"/>
+              </a:solidFill>
+            </a:endParaRPr>
+          </a:p>
+        </p:txBody>
+      </p:sp>
+      <p:sp>
+        <p:nvSpPr>
+          <p:cNvPr id="3" name="副標題 2"/>
+          <p:cNvSpPr>
+            <a:spLocks noGrp="1"/>
+          </p:cNvSpPr>
+          <p:nvPr>
+            <p:ph type="subTitle" idx="1"/>
+          </p:nvPr>
+        </p:nvSpPr>
+        <p:spPr>
+          <a:xfrm>
+            <a:off x="467543" y="1268758"/>
+            <a:ext cx="8241831" cy="360042"/>
+          </a:xfrm>
+          <a:ln>
+            <a:solidFill>
+              <a:srgbClr val="C00000"/>
+            </a:solidFill>
+          </a:ln>
+        </p:spPr>
+        <p:txBody>
+          <a:bodyPr>
+            <a:noAutofit/>
+          </a:bodyPr>
+          <a:lstStyle/>
+          <a:p>
+            <a:pPr marL="342900" indent="-342900" algn="l">
+              <a:buClr>
+                <a:srgbClr val="0070C0"/>
+              </a:buClr>
+              <a:buSzPct val="80000"/>
+              <a:buFont typeface="Wingdings" pitchFamily="2" charset="2"/>
+              <a:buChar char="u"/>
+            </a:pPr>
+            <a:r>
+              <a:rPr lang="en-US" sz="1800" b="1" dirty="0">
+                <a:solidFill>
+                  <a:schemeClr val="tx1"/>
+                </a:solidFill>
+              </a:rPr>
+              <a:t>Sort Using Functional Object</a:t>
+            </a:r>
+            <a:endParaRPr lang="en-US" sz="1800" dirty="0">
+              <a:solidFill>
+                <a:schemeClr val="tx1"/>
+              </a:solidFill>
+            </a:endParaRPr>
+          </a:p>
+        </p:txBody>
+      </p:sp>
+      <p:sp>
+        <p:nvSpPr>
+          <p:cNvPr id="4" name="標題 1"/>
+          <p:cNvSpPr txBox="1">
+            <a:spLocks/>
+          </p:cNvSpPr>
+          <p:nvPr/>
+        </p:nvSpPr>
+        <p:spPr>
+          <a:xfrm>
+            <a:off x="0" y="764704"/>
+            <a:ext cx="9144000" cy="360040"/>
+          </a:xfrm>
+          <a:prstGeom prst="rect">
+            <a:avLst/>
+          </a:prstGeom>
           <a:gradFill flip="none" rotWithShape="1">
             <a:gsLst>
               <a:gs pos="0">
@@ -3993,6 +4292,4144 @@
           </a:gradFill>
         </p:spPr>
         <p:txBody>
+          <a:bodyPr vert="horz" lIns="91440" tIns="45720" rIns="91440" bIns="45720" rtlCol="0" anchor="ctr">
+            <a:normAutofit/>
+          </a:bodyPr>
+          <a:lstStyle/>
+          <a:p>
+            <a:pPr lvl="0">
+              <a:spcBef>
+                <a:spcPct val="0"/>
+              </a:spcBef>
+            </a:pPr>
+            <a:r>
+              <a:rPr lang="en-US" sz="1600" dirty="0"/>
+              <a:t>https://www.youtube.com/watch?v=1j0GqsX2S1I&amp;list=PLk6CEY9XxSIA-xo3HRYC3M0Aitzdut7AA&amp;index=23</a:t>
+            </a:r>
+            <a:endParaRPr kumimoji="0" lang="zh-TW" altLang="en-US" sz="1600" b="0" i="0" u="none" strike="noStrike" kern="1200" cap="none" spc="0" normalizeH="0" baseline="0" noProof="0" dirty="0">
+              <a:ln>
+                <a:noFill/>
+              </a:ln>
+              <a:solidFill>
+                <a:schemeClr val="tx1"/>
+              </a:solidFill>
+              <a:effectLst/>
+              <a:uLnTx/>
+              <a:uFillTx/>
+              <a:latin typeface="+mj-lt"/>
+              <a:ea typeface="+mj-ea"/>
+              <a:cs typeface="+mj-cs"/>
+            </a:endParaRPr>
+          </a:p>
+        </p:txBody>
+      </p:sp>
+      <p:sp>
+        <p:nvSpPr>
+          <p:cNvPr id="5" name="日期版面配置區 4"/>
+          <p:cNvSpPr>
+            <a:spLocks noGrp="1"/>
+          </p:cNvSpPr>
+          <p:nvPr>
+            <p:ph type="dt" sz="half" idx="10"/>
+          </p:nvPr>
+        </p:nvSpPr>
+        <p:spPr/>
+        <p:txBody>
+          <a:bodyPr/>
+          <a:lstStyle/>
+          <a:p>
+            <a:fld id="{A4F910E6-8D00-4BAF-8C48-9688E0B449D3}" type="datetime1">
+              <a:rPr lang="zh-TW" altLang="en-US" smtClean="0"/>
+              <a:pPr/>
+              <a:t>2022/9/30</a:t>
+            </a:fld>
+            <a:endParaRPr lang="zh-TW" altLang="en-US"/>
+          </a:p>
+        </p:txBody>
+      </p:sp>
+      <p:sp>
+        <p:nvSpPr>
+          <p:cNvPr id="6" name="投影片編號版面配置區 5"/>
+          <p:cNvSpPr>
+            <a:spLocks noGrp="1"/>
+          </p:cNvSpPr>
+          <p:nvPr>
+            <p:ph type="sldNum" sz="quarter" idx="12"/>
+          </p:nvPr>
+        </p:nvSpPr>
+        <p:spPr/>
+        <p:txBody>
+          <a:bodyPr/>
+          <a:lstStyle/>
+          <a:p>
+            <a:fld id="{E4D7E63D-91F2-4366-A2C4-1B00C9E2590E}" type="slidenum">
+              <a:rPr lang="zh-TW" altLang="en-US" smtClean="0"/>
+              <a:pPr/>
+              <a:t>11</a:t>
+            </a:fld>
+            <a:endParaRPr lang="zh-TW" altLang="en-US"/>
+          </a:p>
+        </p:txBody>
+      </p:sp>
+      <p:sp>
+        <p:nvSpPr>
+          <p:cNvPr id="9" name="Rectangle 8">
+            <a:extLst>
+              <a:ext uri="{FF2B5EF4-FFF2-40B4-BE49-F238E27FC236}">
+                <a16:creationId xmlns:a16="http://schemas.microsoft.com/office/drawing/2014/main" id="{24671C29-9B2D-54BA-636B-173916AA9365}"/>
+              </a:ext>
+            </a:extLst>
+          </p:cNvPr>
+          <p:cNvSpPr/>
+          <p:nvPr/>
+        </p:nvSpPr>
+        <p:spPr>
+          <a:xfrm>
+            <a:off x="3635896" y="1916832"/>
+            <a:ext cx="3024336" cy="792088"/>
+          </a:xfrm>
+          <a:prstGeom prst="rect">
+            <a:avLst/>
+          </a:prstGeom>
+          <a:noFill/>
+          <a:ln>
+            <a:solidFill>
+              <a:srgbClr val="C00000"/>
+            </a:solidFill>
+          </a:ln>
+        </p:spPr>
+        <p:style>
+          <a:lnRef idx="2">
+            <a:schemeClr val="accent1">
+              <a:shade val="50000"/>
+            </a:schemeClr>
+          </a:lnRef>
+          <a:fillRef idx="1">
+            <a:schemeClr val="accent1"/>
+          </a:fillRef>
+          <a:effectRef idx="0">
+            <a:schemeClr val="accent1"/>
+          </a:effectRef>
+          <a:fontRef idx="minor">
+            <a:schemeClr val="lt1"/>
+          </a:fontRef>
+        </p:style>
+        <p:txBody>
+          <a:bodyPr rtlCol="0" anchor="ctr"/>
+          <a:lstStyle/>
+          <a:p>
+            <a:pPr algn="ctr"/>
+            <a:endParaRPr lang="en-US"/>
+          </a:p>
+        </p:txBody>
+      </p:sp>
+      <p:sp>
+        <p:nvSpPr>
+          <p:cNvPr id="10" name="Rectangle 9">
+            <a:extLst>
+              <a:ext uri="{FF2B5EF4-FFF2-40B4-BE49-F238E27FC236}">
+                <a16:creationId xmlns:a16="http://schemas.microsoft.com/office/drawing/2014/main" id="{381403C9-847C-3FD2-7EC8-09E19D2176DF}"/>
+              </a:ext>
+            </a:extLst>
+          </p:cNvPr>
+          <p:cNvSpPr/>
+          <p:nvPr/>
+        </p:nvSpPr>
+        <p:spPr>
+          <a:xfrm>
+            <a:off x="3889093" y="4653135"/>
+            <a:ext cx="2736304" cy="892255"/>
+          </a:xfrm>
+          <a:prstGeom prst="rect">
+            <a:avLst/>
+          </a:prstGeom>
+          <a:noFill/>
+          <a:ln>
+            <a:solidFill>
+              <a:srgbClr val="C00000"/>
+            </a:solidFill>
+          </a:ln>
+        </p:spPr>
+        <p:style>
+          <a:lnRef idx="2">
+            <a:schemeClr val="accent1">
+              <a:shade val="50000"/>
+            </a:schemeClr>
+          </a:lnRef>
+          <a:fillRef idx="1">
+            <a:schemeClr val="accent1"/>
+          </a:fillRef>
+          <a:effectRef idx="0">
+            <a:schemeClr val="accent1"/>
+          </a:effectRef>
+          <a:fontRef idx="minor">
+            <a:schemeClr val="lt1"/>
+          </a:fontRef>
+        </p:style>
+        <p:txBody>
+          <a:bodyPr rtlCol="0" anchor="ctr"/>
+          <a:lstStyle/>
+          <a:p>
+            <a:pPr algn="ctr"/>
+            <a:endParaRPr lang="en-US"/>
+          </a:p>
+        </p:txBody>
+      </p:sp>
+      <p:sp>
+        <p:nvSpPr>
+          <p:cNvPr id="11" name="Rectangle 10">
+            <a:extLst>
+              <a:ext uri="{FF2B5EF4-FFF2-40B4-BE49-F238E27FC236}">
+                <a16:creationId xmlns:a16="http://schemas.microsoft.com/office/drawing/2014/main" id="{2A3EB549-B081-DA4E-35F4-CFD867BA6731}"/>
+              </a:ext>
+            </a:extLst>
+          </p:cNvPr>
+          <p:cNvSpPr/>
+          <p:nvPr/>
+        </p:nvSpPr>
+        <p:spPr>
+          <a:xfrm>
+            <a:off x="707269" y="4653136"/>
+            <a:ext cx="936104" cy="432048"/>
+          </a:xfrm>
+          <a:prstGeom prst="rect">
+            <a:avLst/>
+          </a:prstGeom>
+          <a:noFill/>
+          <a:ln>
+            <a:solidFill>
+              <a:srgbClr val="C00000"/>
+            </a:solidFill>
+          </a:ln>
+        </p:spPr>
+        <p:style>
+          <a:lnRef idx="2">
+            <a:schemeClr val="accent1">
+              <a:shade val="50000"/>
+            </a:schemeClr>
+          </a:lnRef>
+          <a:fillRef idx="1">
+            <a:schemeClr val="accent1"/>
+          </a:fillRef>
+          <a:effectRef idx="0">
+            <a:schemeClr val="accent1"/>
+          </a:effectRef>
+          <a:fontRef idx="minor">
+            <a:schemeClr val="lt1"/>
+          </a:fontRef>
+        </p:style>
+        <p:txBody>
+          <a:bodyPr rtlCol="0" anchor="ctr"/>
+          <a:lstStyle/>
+          <a:p>
+            <a:pPr algn="ctr"/>
+            <a:endParaRPr lang="en-US"/>
+          </a:p>
+        </p:txBody>
+      </p:sp>
+      <p:cxnSp>
+        <p:nvCxnSpPr>
+          <p:cNvPr id="13" name="Straight Arrow Connector 12">
+            <a:extLst>
+              <a:ext uri="{FF2B5EF4-FFF2-40B4-BE49-F238E27FC236}">
+                <a16:creationId xmlns:a16="http://schemas.microsoft.com/office/drawing/2014/main" id="{8F7FFC19-448B-D8FB-7F82-B1A37E25BCB4}"/>
+              </a:ext>
+            </a:extLst>
+          </p:cNvPr>
+          <p:cNvCxnSpPr>
+            <a:cxnSpLocks/>
+            <a:stCxn id="9" idx="1"/>
+            <a:endCxn id="11" idx="3"/>
+          </p:cNvCxnSpPr>
+          <p:nvPr/>
+        </p:nvCxnSpPr>
+        <p:spPr>
+          <a:xfrm flipH="1">
+            <a:off x="1643373" y="2312876"/>
+            <a:ext cx="1992523" cy="2556284"/>
+          </a:xfrm>
+          <a:prstGeom prst="straightConnector1">
+            <a:avLst/>
+          </a:prstGeom>
+          <a:ln>
+            <a:tailEnd type="triangle"/>
+          </a:ln>
+        </p:spPr>
+        <p:style>
+          <a:lnRef idx="1">
+            <a:schemeClr val="accent2"/>
+          </a:lnRef>
+          <a:fillRef idx="0">
+            <a:schemeClr val="accent2"/>
+          </a:fillRef>
+          <a:effectRef idx="0">
+            <a:schemeClr val="accent2"/>
+          </a:effectRef>
+          <a:fontRef idx="minor">
+            <a:schemeClr val="tx1"/>
+          </a:fontRef>
+        </p:style>
+      </p:cxnSp>
+      <p:cxnSp>
+        <p:nvCxnSpPr>
+          <p:cNvPr id="15" name="Straight Arrow Connector 14">
+            <a:extLst>
+              <a:ext uri="{FF2B5EF4-FFF2-40B4-BE49-F238E27FC236}">
+                <a16:creationId xmlns:a16="http://schemas.microsoft.com/office/drawing/2014/main" id="{EB74A029-9278-7E82-D516-3462FA970B09}"/>
+              </a:ext>
+            </a:extLst>
+          </p:cNvPr>
+          <p:cNvCxnSpPr>
+            <a:cxnSpLocks/>
+            <a:stCxn id="10" idx="1"/>
+            <a:endCxn id="11" idx="3"/>
+          </p:cNvCxnSpPr>
+          <p:nvPr/>
+        </p:nvCxnSpPr>
+        <p:spPr>
+          <a:xfrm flipH="1" flipV="1">
+            <a:off x="1643373" y="4869160"/>
+            <a:ext cx="2245720" cy="230103"/>
+          </a:xfrm>
+          <a:prstGeom prst="straightConnector1">
+            <a:avLst/>
+          </a:prstGeom>
+          <a:ln>
+            <a:tailEnd type="triangle"/>
+          </a:ln>
+        </p:spPr>
+        <p:style>
+          <a:lnRef idx="1">
+            <a:schemeClr val="accent2"/>
+          </a:lnRef>
+          <a:fillRef idx="0">
+            <a:schemeClr val="accent2"/>
+          </a:fillRef>
+          <a:effectRef idx="0">
+            <a:schemeClr val="accent2"/>
+          </a:effectRef>
+          <a:fontRef idx="minor">
+            <a:schemeClr val="tx1"/>
+          </a:fontRef>
+        </p:style>
+      </p:cxnSp>
+      <p:sp>
+        <p:nvSpPr>
+          <p:cNvPr id="22" name="TextBox 21">
+            <a:extLst>
+              <a:ext uri="{FF2B5EF4-FFF2-40B4-BE49-F238E27FC236}">
+                <a16:creationId xmlns:a16="http://schemas.microsoft.com/office/drawing/2014/main" id="{CEFF3533-7800-1555-7F7B-0710C7FAC409}"/>
+              </a:ext>
+            </a:extLst>
+          </p:cNvPr>
+          <p:cNvSpPr txBox="1"/>
+          <p:nvPr/>
+        </p:nvSpPr>
+        <p:spPr>
+          <a:xfrm>
+            <a:off x="6372200" y="2276872"/>
+            <a:ext cx="2486560" cy="646331"/>
+          </a:xfrm>
+          <a:prstGeom prst="rect">
+            <a:avLst/>
+          </a:prstGeom>
+          <a:solidFill>
+            <a:srgbClr val="FFFF00"/>
+          </a:solidFill>
+          <a:ln>
+            <a:solidFill>
+              <a:srgbClr val="C00000"/>
+            </a:solidFill>
+          </a:ln>
+        </p:spPr>
+        <p:txBody>
+          <a:bodyPr wrap="square" rtlCol="0">
+            <a:spAutoFit/>
+          </a:bodyPr>
+          <a:lstStyle/>
+          <a:p>
+            <a:r>
+              <a:rPr lang="en-US" sz="1200" dirty="0"/>
+              <a:t>Note:</a:t>
+            </a:r>
+          </a:p>
+          <a:p>
+            <a:r>
+              <a:rPr lang="en-US" sz="1200" dirty="0"/>
+              <a:t>C++ keyword “const” function put before function body {}.</a:t>
+            </a:r>
+          </a:p>
+        </p:txBody>
+      </p:sp>
+    </p:spTree>
+    <p:extLst>
+      <p:ext uri="{BB962C8B-B14F-4D97-AF65-F5344CB8AC3E}">
+        <p14:creationId xmlns:p14="http://schemas.microsoft.com/office/powerpoint/2010/main" val="605033459"/>
+      </p:ext>
+    </p:extLst>
+  </p:cSld>
+  <p:clrMapOvr>
+    <a:masterClrMapping/>
+  </p:clrMapOvr>
+</p:sld>
+</file>
+
+<file path=ppt/slides/slide12.xml><?xml version="1.0" encoding="utf-8"?>
+<p:sld xmlns:a="http://schemas.openxmlformats.org/drawingml/2006/main" xmlns:r="http://schemas.openxmlformats.org/officeDocument/2006/relationships" xmlns:p="http://schemas.openxmlformats.org/presentationml/2006/main">
+  <p:cSld>
+    <p:spTree>
+      <p:nvGrpSpPr>
+        <p:cNvPr id="1" name=""/>
+        <p:cNvGrpSpPr/>
+        <p:nvPr/>
+      </p:nvGrpSpPr>
+      <p:grpSpPr>
+        <a:xfrm>
+          <a:off x="0" y="0"/>
+          <a:ext cx="0" cy="0"/>
+          <a:chOff x="0" y="0"/>
+          <a:chExt cx="0" cy="0"/>
+        </a:xfrm>
+      </p:grpSpPr>
+      <p:sp>
+        <p:nvSpPr>
+          <p:cNvPr id="2" name="標題 1"/>
+          <p:cNvSpPr>
+            <a:spLocks noGrp="1"/>
+          </p:cNvSpPr>
+          <p:nvPr>
+            <p:ph type="ctrTitle"/>
+          </p:nvPr>
+        </p:nvSpPr>
+        <p:spPr>
+          <a:xfrm>
+            <a:off x="0" y="2130425"/>
+            <a:ext cx="9144000" cy="1470025"/>
+          </a:xfrm>
+          <a:solidFill>
+            <a:srgbClr val="00B0F0"/>
+          </a:solidFill>
+        </p:spPr>
+        <p:txBody>
+          <a:bodyPr>
+            <a:normAutofit/>
+          </a:bodyPr>
+          <a:lstStyle/>
+          <a:p>
+            <a:r>
+              <a:rPr lang="en-US" altLang="zh-TW" sz="4000" b="1" dirty="0">
+                <a:solidFill>
+                  <a:srgbClr val="FFFF00"/>
+                </a:solidFill>
+              </a:rPr>
+              <a:t>23.4 Sort Using Lambda Expression</a:t>
+            </a:r>
+            <a:endParaRPr lang="zh-TW" altLang="en-US" sz="4000" b="1" dirty="0">
+              <a:solidFill>
+                <a:srgbClr val="FFFF00"/>
+              </a:solidFill>
+            </a:endParaRPr>
+          </a:p>
+        </p:txBody>
+      </p:sp>
+      <p:sp>
+        <p:nvSpPr>
+          <p:cNvPr id="5" name="日期版面配置區 4"/>
+          <p:cNvSpPr>
+            <a:spLocks noGrp="1"/>
+          </p:cNvSpPr>
+          <p:nvPr>
+            <p:ph type="dt" sz="half" idx="10"/>
+          </p:nvPr>
+        </p:nvSpPr>
+        <p:spPr/>
+        <p:txBody>
+          <a:bodyPr/>
+          <a:lstStyle/>
+          <a:p>
+            <a:fld id="{C389EDC9-19E3-47AC-9C57-C6A24DEA81AD}" type="datetime1">
+              <a:rPr lang="zh-TW" altLang="en-US" smtClean="0"/>
+              <a:pPr/>
+              <a:t>2022/9/30</a:t>
+            </a:fld>
+            <a:endParaRPr lang="zh-TW" altLang="en-US"/>
+          </a:p>
+        </p:txBody>
+      </p:sp>
+      <p:sp>
+        <p:nvSpPr>
+          <p:cNvPr id="6" name="投影片編號版面配置區 5"/>
+          <p:cNvSpPr>
+            <a:spLocks noGrp="1"/>
+          </p:cNvSpPr>
+          <p:nvPr>
+            <p:ph type="sldNum" sz="quarter" idx="12"/>
+          </p:nvPr>
+        </p:nvSpPr>
+        <p:spPr/>
+        <p:txBody>
+          <a:bodyPr/>
+          <a:lstStyle/>
+          <a:p>
+            <a:fld id="{E4D7E63D-91F2-4366-A2C4-1B00C9E2590E}" type="slidenum">
+              <a:rPr lang="zh-TW" altLang="en-US" smtClean="0"/>
+              <a:pPr/>
+              <a:t>12</a:t>
+            </a:fld>
+            <a:endParaRPr lang="zh-TW" altLang="en-US"/>
+          </a:p>
+        </p:txBody>
+      </p:sp>
+      <p:pic>
+        <p:nvPicPr>
+          <p:cNvPr id="4" name="Picture 2" descr="C/C++ Development Company - ScienceSoft">
+            <a:extLst>
+              <a:ext uri="{FF2B5EF4-FFF2-40B4-BE49-F238E27FC236}">
+                <a16:creationId xmlns:a16="http://schemas.microsoft.com/office/drawing/2014/main" id="{8E9DE243-CE6E-577A-2ABF-18A237D84C20}"/>
+              </a:ext>
+            </a:extLst>
+          </p:cNvPr>
+          <p:cNvPicPr>
+            <a:picLocks noChangeAspect="1" noChangeArrowheads="1"/>
+          </p:cNvPicPr>
+          <p:nvPr/>
+        </p:nvPicPr>
+        <p:blipFill>
+          <a:blip r:embed="rId2">
+            <a:extLst>
+              <a:ext uri="{28A0092B-C50C-407E-A947-70E740481C1C}">
+                <a14:useLocalDpi xmlns:a14="http://schemas.microsoft.com/office/drawing/2010/main" val="0"/>
+              </a:ext>
+            </a:extLst>
+          </a:blip>
+          <a:srcRect/>
+          <a:stretch>
+            <a:fillRect/>
+          </a:stretch>
+        </p:blipFill>
+        <p:spPr bwMode="auto">
+          <a:xfrm>
+            <a:off x="3563888" y="3861048"/>
+            <a:ext cx="1656184" cy="690077"/>
+          </a:xfrm>
+          <a:prstGeom prst="rect">
+            <a:avLst/>
+          </a:prstGeom>
+          <a:noFill/>
+          <a:extLst>
+            <a:ext uri="{909E8E84-426E-40DD-AFC4-6F175D3DCCD1}">
+              <a14:hiddenFill xmlns:a14="http://schemas.microsoft.com/office/drawing/2010/main">
+                <a:solidFill>
+                  <a:srgbClr val="FFFFFF"/>
+                </a:solidFill>
+              </a14:hiddenFill>
+            </a:ext>
+          </a:extLst>
+        </p:spPr>
+      </p:pic>
+    </p:spTree>
+    <p:extLst>
+      <p:ext uri="{BB962C8B-B14F-4D97-AF65-F5344CB8AC3E}">
+        <p14:creationId xmlns:p14="http://schemas.microsoft.com/office/powerpoint/2010/main" val="2707520128"/>
+      </p:ext>
+    </p:extLst>
+  </p:cSld>
+  <p:clrMapOvr>
+    <a:masterClrMapping/>
+  </p:clrMapOvr>
+</p:sld>
+</file>
+
+<file path=ppt/slides/slide13.xml><?xml version="1.0" encoding="utf-8"?>
+<p:sld xmlns:a="http://schemas.openxmlformats.org/drawingml/2006/main" xmlns:r="http://schemas.openxmlformats.org/officeDocument/2006/relationships" xmlns:p="http://schemas.openxmlformats.org/presentationml/2006/main">
+  <p:cSld>
+    <p:spTree>
+      <p:nvGrpSpPr>
+        <p:cNvPr id="1" name=""/>
+        <p:cNvGrpSpPr/>
+        <p:nvPr/>
+      </p:nvGrpSpPr>
+      <p:grpSpPr>
+        <a:xfrm>
+          <a:off x="0" y="0"/>
+          <a:ext cx="0" cy="0"/>
+          <a:chOff x="0" y="0"/>
+          <a:chExt cx="0" cy="0"/>
+        </a:xfrm>
+      </p:grpSpPr>
+      <p:graphicFrame>
+        <p:nvGraphicFramePr>
+          <p:cNvPr id="9" name="Object 8">
+            <a:extLst>
+              <a:ext uri="{FF2B5EF4-FFF2-40B4-BE49-F238E27FC236}">
+                <a16:creationId xmlns:a16="http://schemas.microsoft.com/office/drawing/2014/main" id="{1933CDB1-B750-F538-4D0E-DC830F98EA53}"/>
+              </a:ext>
+            </a:extLst>
+          </p:cNvPr>
+          <p:cNvGraphicFramePr>
+            <a:graphicFrameLocks noChangeAspect="1"/>
+          </p:cNvGraphicFramePr>
+          <p:nvPr>
+            <p:extLst>
+              <p:ext uri="{D42A27DB-BD31-4B8C-83A1-F6EECF244321}">
+                <p14:modId xmlns:p14="http://schemas.microsoft.com/office/powerpoint/2010/main" val="2833558484"/>
+              </p:ext>
+            </p:extLst>
+          </p:nvPr>
+        </p:nvGraphicFramePr>
+        <p:xfrm>
+          <a:off x="971600" y="2060848"/>
+          <a:ext cx="4810125" cy="2466975"/>
+        </p:xfrm>
+        <a:graphic>
+          <a:graphicData uri="http://schemas.openxmlformats.org/presentationml/2006/ole">
+            <mc:AlternateContent xmlns:mc="http://schemas.openxmlformats.org/markup-compatibility/2006">
+              <mc:Choice xmlns:v="urn:schemas-microsoft-com:vml" Requires="v">
+                <p:oleObj name="Bitmap Image" r:id="rId2" imgW="4809960" imgH="2467080" progId="PBrush">
+                  <p:embed/>
+                </p:oleObj>
+              </mc:Choice>
+              <mc:Fallback>
+                <p:oleObj name="Bitmap Image" r:id="rId2" imgW="4809960" imgH="2467080" progId="PBrush">
+                  <p:embed/>
+                  <p:pic>
+                    <p:nvPicPr>
+                      <p:cNvPr id="0" name=""/>
+                      <p:cNvPicPr/>
+                      <p:nvPr/>
+                    </p:nvPicPr>
+                    <p:blipFill>
+                      <a:blip r:embed="rId3"/>
+                      <a:stretch>
+                        <a:fillRect/>
+                      </a:stretch>
+                    </p:blipFill>
+                    <p:spPr>
+                      <a:xfrm>
+                        <a:off x="971600" y="2060848"/>
+                        <a:ext cx="4810125" cy="2466975"/>
+                      </a:xfrm>
+                      <a:prstGeom prst="rect">
+                        <a:avLst/>
+                      </a:prstGeom>
+                      <a:ln>
+                        <a:solidFill>
+                          <a:srgbClr val="C00000"/>
+                        </a:solidFill>
+                      </a:ln>
+                    </p:spPr>
+                  </p:pic>
+                </p:oleObj>
+              </mc:Fallback>
+            </mc:AlternateContent>
+          </a:graphicData>
+        </a:graphic>
+      </p:graphicFrame>
+      <p:sp>
+        <p:nvSpPr>
+          <p:cNvPr id="2" name="標題 1"/>
+          <p:cNvSpPr>
+            <a:spLocks noGrp="1"/>
+          </p:cNvSpPr>
+          <p:nvPr>
+            <p:ph type="ctrTitle"/>
+          </p:nvPr>
+        </p:nvSpPr>
+        <p:spPr>
+          <a:xfrm>
+            <a:off x="0" y="1"/>
+            <a:ext cx="9144000" cy="764704"/>
+          </a:xfrm>
+          <a:gradFill flip="none" rotWithShape="1">
+            <a:gsLst>
+              <a:gs pos="0">
+                <a:srgbClr val="C00000">
+                  <a:shade val="30000"/>
+                  <a:satMod val="115000"/>
+                </a:srgbClr>
+              </a:gs>
+              <a:gs pos="50000">
+                <a:srgbClr val="C00000">
+                  <a:shade val="67500"/>
+                  <a:satMod val="115000"/>
+                </a:srgbClr>
+              </a:gs>
+              <a:gs pos="100000">
+                <a:srgbClr val="C00000">
+                  <a:shade val="100000"/>
+                  <a:satMod val="115000"/>
+                </a:srgbClr>
+              </a:gs>
+            </a:gsLst>
+            <a:path path="circle">
+              <a:fillToRect t="100000" r="100000"/>
+            </a:path>
+            <a:tileRect l="-100000" b="-100000"/>
+          </a:gradFill>
+        </p:spPr>
+        <p:txBody>
+          <a:bodyPr>
+            <a:normAutofit/>
+          </a:bodyPr>
+          <a:lstStyle/>
+          <a:p>
+            <a:pPr algn="l"/>
+            <a:r>
+              <a:rPr lang="en-US" altLang="zh-TW" sz="4000" b="1" dirty="0">
+                <a:solidFill>
+                  <a:srgbClr val="FFFF00"/>
+                </a:solidFill>
+              </a:rPr>
+              <a:t>23.4 Sort Using Lambda Expression</a:t>
+            </a:r>
+            <a:endParaRPr lang="zh-TW" altLang="en-US" sz="4000" b="1" dirty="0">
+              <a:solidFill>
+                <a:srgbClr val="FFFF00"/>
+              </a:solidFill>
+            </a:endParaRPr>
+          </a:p>
+        </p:txBody>
+      </p:sp>
+      <p:sp>
+        <p:nvSpPr>
+          <p:cNvPr id="3" name="副標題 2"/>
+          <p:cNvSpPr>
+            <a:spLocks noGrp="1"/>
+          </p:cNvSpPr>
+          <p:nvPr>
+            <p:ph type="subTitle" idx="1"/>
+          </p:nvPr>
+        </p:nvSpPr>
+        <p:spPr>
+          <a:xfrm>
+            <a:off x="467543" y="1268758"/>
+            <a:ext cx="8241831" cy="360042"/>
+          </a:xfrm>
+          <a:ln>
+            <a:solidFill>
+              <a:srgbClr val="C00000"/>
+            </a:solidFill>
+          </a:ln>
+        </p:spPr>
+        <p:txBody>
+          <a:bodyPr>
+            <a:noAutofit/>
+          </a:bodyPr>
+          <a:lstStyle/>
+          <a:p>
+            <a:pPr marL="342900" indent="-342900" algn="l">
+              <a:buClr>
+                <a:srgbClr val="0070C0"/>
+              </a:buClr>
+              <a:buSzPct val="80000"/>
+              <a:buFont typeface="Wingdings" pitchFamily="2" charset="2"/>
+              <a:buChar char="u"/>
+            </a:pPr>
+            <a:r>
+              <a:rPr lang="en-US" sz="1800" b="1" dirty="0">
+                <a:solidFill>
+                  <a:schemeClr val="tx1"/>
+                </a:solidFill>
+              </a:rPr>
+              <a:t>Sort Using Lambda Function</a:t>
+            </a:r>
+            <a:endParaRPr lang="en-US" sz="1800" dirty="0">
+              <a:solidFill>
+                <a:schemeClr val="tx1"/>
+              </a:solidFill>
+            </a:endParaRPr>
+          </a:p>
+        </p:txBody>
+      </p:sp>
+      <p:sp>
+        <p:nvSpPr>
+          <p:cNvPr id="4" name="標題 1"/>
+          <p:cNvSpPr txBox="1">
+            <a:spLocks/>
+          </p:cNvSpPr>
+          <p:nvPr/>
+        </p:nvSpPr>
+        <p:spPr>
+          <a:xfrm>
+            <a:off x="0" y="764704"/>
+            <a:ext cx="9144000" cy="360040"/>
+          </a:xfrm>
+          <a:prstGeom prst="rect">
+            <a:avLst/>
+          </a:prstGeom>
+          <a:gradFill flip="none" rotWithShape="1">
+            <a:gsLst>
+              <a:gs pos="0">
+                <a:srgbClr val="00B0F0">
+                  <a:shade val="30000"/>
+                  <a:satMod val="115000"/>
+                </a:srgbClr>
+              </a:gs>
+              <a:gs pos="50000">
+                <a:srgbClr val="00B0F0">
+                  <a:shade val="67500"/>
+                  <a:satMod val="115000"/>
+                </a:srgbClr>
+              </a:gs>
+              <a:gs pos="100000">
+                <a:srgbClr val="00B0F0">
+                  <a:shade val="100000"/>
+                  <a:satMod val="115000"/>
+                </a:srgbClr>
+              </a:gs>
+            </a:gsLst>
+            <a:path path="circle">
+              <a:fillToRect t="100000" r="100000"/>
+            </a:path>
+            <a:tileRect l="-100000" b="-100000"/>
+          </a:gradFill>
+        </p:spPr>
+        <p:txBody>
+          <a:bodyPr vert="horz" lIns="91440" tIns="45720" rIns="91440" bIns="45720" rtlCol="0" anchor="ctr">
+            <a:normAutofit/>
+          </a:bodyPr>
+          <a:lstStyle/>
+          <a:p>
+            <a:pPr lvl="0">
+              <a:spcBef>
+                <a:spcPct val="0"/>
+              </a:spcBef>
+            </a:pPr>
+            <a:r>
+              <a:rPr lang="en-US" sz="1600" dirty="0"/>
+              <a:t>https://www.youtube.com/watch?v=1j0GqsX2S1I&amp;list=PLk6CEY9XxSIA-xo3HRYC3M0Aitzdut7AA&amp;index=23</a:t>
+            </a:r>
+            <a:endParaRPr kumimoji="0" lang="zh-TW" altLang="en-US" sz="1600" b="0" i="0" u="none" strike="noStrike" kern="1200" cap="none" spc="0" normalizeH="0" baseline="0" noProof="0" dirty="0">
+              <a:ln>
+                <a:noFill/>
+              </a:ln>
+              <a:solidFill>
+                <a:schemeClr val="tx1"/>
+              </a:solidFill>
+              <a:effectLst/>
+              <a:uLnTx/>
+              <a:uFillTx/>
+              <a:latin typeface="+mj-lt"/>
+              <a:ea typeface="+mj-ea"/>
+              <a:cs typeface="+mj-cs"/>
+            </a:endParaRPr>
+          </a:p>
+        </p:txBody>
+      </p:sp>
+      <p:sp>
+        <p:nvSpPr>
+          <p:cNvPr id="5" name="日期版面配置區 4"/>
+          <p:cNvSpPr>
+            <a:spLocks noGrp="1"/>
+          </p:cNvSpPr>
+          <p:nvPr>
+            <p:ph type="dt" sz="half" idx="10"/>
+          </p:nvPr>
+        </p:nvSpPr>
+        <p:spPr/>
+        <p:txBody>
+          <a:bodyPr/>
+          <a:lstStyle/>
+          <a:p>
+            <a:fld id="{A4F910E6-8D00-4BAF-8C48-9688E0B449D3}" type="datetime1">
+              <a:rPr lang="zh-TW" altLang="en-US" smtClean="0"/>
+              <a:pPr/>
+              <a:t>2022/9/30</a:t>
+            </a:fld>
+            <a:endParaRPr lang="zh-TW" altLang="en-US"/>
+          </a:p>
+        </p:txBody>
+      </p:sp>
+      <p:sp>
+        <p:nvSpPr>
+          <p:cNvPr id="6" name="投影片編號版面配置區 5"/>
+          <p:cNvSpPr>
+            <a:spLocks noGrp="1"/>
+          </p:cNvSpPr>
+          <p:nvPr>
+            <p:ph type="sldNum" sz="quarter" idx="12"/>
+          </p:nvPr>
+        </p:nvSpPr>
+        <p:spPr/>
+        <p:txBody>
+          <a:bodyPr/>
+          <a:lstStyle/>
+          <a:p>
+            <a:fld id="{E4D7E63D-91F2-4366-A2C4-1B00C9E2590E}" type="slidenum">
+              <a:rPr lang="zh-TW" altLang="en-US" smtClean="0"/>
+              <a:pPr/>
+              <a:t>13</a:t>
+            </a:fld>
+            <a:endParaRPr lang="zh-TW" altLang="en-US"/>
+          </a:p>
+        </p:txBody>
+      </p:sp>
+      <p:sp>
+        <p:nvSpPr>
+          <p:cNvPr id="17" name="TextBox 16">
+            <a:extLst>
+              <a:ext uri="{FF2B5EF4-FFF2-40B4-BE49-F238E27FC236}">
+                <a16:creationId xmlns:a16="http://schemas.microsoft.com/office/drawing/2014/main" id="{35768E4A-7362-9ED7-00A9-A5F00377166F}"/>
+              </a:ext>
+            </a:extLst>
+          </p:cNvPr>
+          <p:cNvSpPr txBox="1"/>
+          <p:nvPr/>
+        </p:nvSpPr>
+        <p:spPr>
+          <a:xfrm>
+            <a:off x="3779912" y="3933056"/>
+            <a:ext cx="2880320" cy="276999"/>
+          </a:xfrm>
+          <a:prstGeom prst="rect">
+            <a:avLst/>
+          </a:prstGeom>
+          <a:solidFill>
+            <a:srgbClr val="FFFF00"/>
+          </a:solidFill>
+          <a:ln>
+            <a:solidFill>
+              <a:srgbClr val="C00000"/>
+            </a:solidFill>
+          </a:ln>
+        </p:spPr>
+        <p:txBody>
+          <a:bodyPr wrap="square" rtlCol="0">
+            <a:spAutoFit/>
+          </a:bodyPr>
+          <a:lstStyle/>
+          <a:p>
+            <a:r>
+              <a:rPr lang="en-US" sz="1200" dirty="0"/>
+              <a:t>Lambda Expression.</a:t>
+            </a:r>
+          </a:p>
+        </p:txBody>
+      </p:sp>
+      <p:sp>
+        <p:nvSpPr>
+          <p:cNvPr id="10" name="Rectangle 9">
+            <a:extLst>
+              <a:ext uri="{FF2B5EF4-FFF2-40B4-BE49-F238E27FC236}">
+                <a16:creationId xmlns:a16="http://schemas.microsoft.com/office/drawing/2014/main" id="{D65CAFA3-B2AB-9DE6-272B-60706B8AA74A}"/>
+              </a:ext>
+            </a:extLst>
+          </p:cNvPr>
+          <p:cNvSpPr/>
+          <p:nvPr/>
+        </p:nvSpPr>
+        <p:spPr>
+          <a:xfrm>
+            <a:off x="3707904" y="3645024"/>
+            <a:ext cx="2016224" cy="216024"/>
+          </a:xfrm>
+          <a:prstGeom prst="rect">
+            <a:avLst/>
+          </a:prstGeom>
+          <a:noFill/>
+          <a:ln>
+            <a:solidFill>
+              <a:srgbClr val="C00000"/>
+            </a:solidFill>
+          </a:ln>
+        </p:spPr>
+        <p:style>
+          <a:lnRef idx="2">
+            <a:schemeClr val="accent1">
+              <a:shade val="50000"/>
+            </a:schemeClr>
+          </a:lnRef>
+          <a:fillRef idx="1">
+            <a:schemeClr val="accent1"/>
+          </a:fillRef>
+          <a:effectRef idx="0">
+            <a:schemeClr val="accent1"/>
+          </a:effectRef>
+          <a:fontRef idx="minor">
+            <a:schemeClr val="lt1"/>
+          </a:fontRef>
+        </p:style>
+        <p:txBody>
+          <a:bodyPr rtlCol="0" anchor="ctr"/>
+          <a:lstStyle/>
+          <a:p>
+            <a:pPr algn="ctr"/>
+            <a:endParaRPr lang="en-US"/>
+          </a:p>
+        </p:txBody>
+      </p:sp>
+    </p:spTree>
+    <p:extLst>
+      <p:ext uri="{BB962C8B-B14F-4D97-AF65-F5344CB8AC3E}">
+        <p14:creationId xmlns:p14="http://schemas.microsoft.com/office/powerpoint/2010/main" val="3161766671"/>
+      </p:ext>
+    </p:extLst>
+  </p:cSld>
+  <p:clrMapOvr>
+    <a:masterClrMapping/>
+  </p:clrMapOvr>
+</p:sld>
+</file>
+
+<file path=ppt/slides/slide14.xml><?xml version="1.0" encoding="utf-8"?>
+<p:sld xmlns:a="http://schemas.openxmlformats.org/drawingml/2006/main" xmlns:r="http://schemas.openxmlformats.org/officeDocument/2006/relationships" xmlns:p="http://schemas.openxmlformats.org/presentationml/2006/main">
+  <p:cSld>
+    <p:spTree>
+      <p:nvGrpSpPr>
+        <p:cNvPr id="1" name=""/>
+        <p:cNvGrpSpPr/>
+        <p:nvPr/>
+      </p:nvGrpSpPr>
+      <p:grpSpPr>
+        <a:xfrm>
+          <a:off x="0" y="0"/>
+          <a:ext cx="0" cy="0"/>
+          <a:chOff x="0" y="0"/>
+          <a:chExt cx="0" cy="0"/>
+        </a:xfrm>
+      </p:grpSpPr>
+      <p:graphicFrame>
+        <p:nvGraphicFramePr>
+          <p:cNvPr id="7" name="Object 6">
+            <a:extLst>
+              <a:ext uri="{FF2B5EF4-FFF2-40B4-BE49-F238E27FC236}">
+                <a16:creationId xmlns:a16="http://schemas.microsoft.com/office/drawing/2014/main" id="{9F615030-7569-A143-B10A-1ABE5394A4CF}"/>
+              </a:ext>
+            </a:extLst>
+          </p:cNvPr>
+          <p:cNvGraphicFramePr>
+            <a:graphicFrameLocks noChangeAspect="1"/>
+          </p:cNvGraphicFramePr>
+          <p:nvPr>
+            <p:extLst>
+              <p:ext uri="{D42A27DB-BD31-4B8C-83A1-F6EECF244321}">
+                <p14:modId xmlns:p14="http://schemas.microsoft.com/office/powerpoint/2010/main" val="336151168"/>
+              </p:ext>
+            </p:extLst>
+          </p:nvPr>
+        </p:nvGraphicFramePr>
+        <p:xfrm>
+          <a:off x="611560" y="2852936"/>
+          <a:ext cx="6096000" cy="2387600"/>
+        </p:xfrm>
+        <a:graphic>
+          <a:graphicData uri="http://schemas.openxmlformats.org/presentationml/2006/ole">
+            <mc:AlternateContent xmlns:mc="http://schemas.openxmlformats.org/markup-compatibility/2006">
+              <mc:Choice xmlns:v="urn:schemas-microsoft-com:vml" Requires="v">
+                <p:oleObj name="Bitmap Image" r:id="rId2" imgW="11210760" imgH="4390920" progId="PBrush">
+                  <p:embed/>
+                </p:oleObj>
+              </mc:Choice>
+              <mc:Fallback>
+                <p:oleObj name="Bitmap Image" r:id="rId2" imgW="11210760" imgH="4390920" progId="PBrush">
+                  <p:embed/>
+                  <p:pic>
+                    <p:nvPicPr>
+                      <p:cNvPr id="0" name=""/>
+                      <p:cNvPicPr/>
+                      <p:nvPr/>
+                    </p:nvPicPr>
+                    <p:blipFill>
+                      <a:blip r:embed="rId3"/>
+                      <a:stretch>
+                        <a:fillRect/>
+                      </a:stretch>
+                    </p:blipFill>
+                    <p:spPr>
+                      <a:xfrm>
+                        <a:off x="611560" y="2852936"/>
+                        <a:ext cx="6096000" cy="2387600"/>
+                      </a:xfrm>
+                      <a:prstGeom prst="rect">
+                        <a:avLst/>
+                      </a:prstGeom>
+                      <a:ln>
+                        <a:solidFill>
+                          <a:srgbClr val="C00000"/>
+                        </a:solidFill>
+                      </a:ln>
+                    </p:spPr>
+                  </p:pic>
+                </p:oleObj>
+              </mc:Fallback>
+            </mc:AlternateContent>
+          </a:graphicData>
+        </a:graphic>
+      </p:graphicFrame>
+      <p:sp>
+        <p:nvSpPr>
+          <p:cNvPr id="2" name="標題 1"/>
+          <p:cNvSpPr>
+            <a:spLocks noGrp="1"/>
+          </p:cNvSpPr>
+          <p:nvPr>
+            <p:ph type="ctrTitle"/>
+          </p:nvPr>
+        </p:nvSpPr>
+        <p:spPr>
+          <a:xfrm>
+            <a:off x="0" y="1"/>
+            <a:ext cx="9144000" cy="764704"/>
+          </a:xfrm>
+          <a:gradFill flip="none" rotWithShape="1">
+            <a:gsLst>
+              <a:gs pos="0">
+                <a:srgbClr val="C00000">
+                  <a:shade val="30000"/>
+                  <a:satMod val="115000"/>
+                </a:srgbClr>
+              </a:gs>
+              <a:gs pos="50000">
+                <a:srgbClr val="C00000">
+                  <a:shade val="67500"/>
+                  <a:satMod val="115000"/>
+                </a:srgbClr>
+              </a:gs>
+              <a:gs pos="100000">
+                <a:srgbClr val="C00000">
+                  <a:shade val="100000"/>
+                  <a:satMod val="115000"/>
+                </a:srgbClr>
+              </a:gs>
+            </a:gsLst>
+            <a:path path="circle">
+              <a:fillToRect t="100000" r="100000"/>
+            </a:path>
+            <a:tileRect l="-100000" b="-100000"/>
+          </a:gradFill>
+        </p:spPr>
+        <p:txBody>
+          <a:bodyPr>
+            <a:normAutofit/>
+          </a:bodyPr>
+          <a:lstStyle/>
+          <a:p>
+            <a:pPr algn="l"/>
+            <a:r>
+              <a:rPr lang="en-US" altLang="zh-TW" sz="4000" b="1" dirty="0">
+                <a:solidFill>
+                  <a:srgbClr val="FFFF00"/>
+                </a:solidFill>
+              </a:rPr>
+              <a:t>23.4 Sort Using Lambda Expression</a:t>
+            </a:r>
+            <a:endParaRPr lang="zh-TW" altLang="en-US" sz="4000" b="1" dirty="0">
+              <a:solidFill>
+                <a:srgbClr val="FFFF00"/>
+              </a:solidFill>
+            </a:endParaRPr>
+          </a:p>
+        </p:txBody>
+      </p:sp>
+      <p:sp>
+        <p:nvSpPr>
+          <p:cNvPr id="3" name="副標題 2"/>
+          <p:cNvSpPr>
+            <a:spLocks noGrp="1"/>
+          </p:cNvSpPr>
+          <p:nvPr>
+            <p:ph type="subTitle" idx="1"/>
+          </p:nvPr>
+        </p:nvSpPr>
+        <p:spPr>
+          <a:xfrm>
+            <a:off x="467543" y="1268758"/>
+            <a:ext cx="8241831" cy="360042"/>
+          </a:xfrm>
+          <a:ln>
+            <a:solidFill>
+              <a:srgbClr val="C00000"/>
+            </a:solidFill>
+          </a:ln>
+        </p:spPr>
+        <p:txBody>
+          <a:bodyPr>
+            <a:noAutofit/>
+          </a:bodyPr>
+          <a:lstStyle/>
+          <a:p>
+            <a:pPr marL="342900" indent="-342900" algn="l">
+              <a:buClr>
+                <a:srgbClr val="0070C0"/>
+              </a:buClr>
+              <a:buSzPct val="80000"/>
+              <a:buFont typeface="Wingdings" pitchFamily="2" charset="2"/>
+              <a:buChar char="u"/>
+            </a:pPr>
+            <a:r>
+              <a:rPr lang="en-US" sz="1800" b="1" dirty="0">
+                <a:solidFill>
+                  <a:schemeClr val="tx1"/>
+                </a:solidFill>
+              </a:rPr>
+              <a:t>Sort Using Lambda Function</a:t>
+            </a:r>
+            <a:endParaRPr lang="en-US" sz="1800" dirty="0">
+              <a:solidFill>
+                <a:schemeClr val="tx1"/>
+              </a:solidFill>
+            </a:endParaRPr>
+          </a:p>
+        </p:txBody>
+      </p:sp>
+      <p:sp>
+        <p:nvSpPr>
+          <p:cNvPr id="4" name="標題 1"/>
+          <p:cNvSpPr txBox="1">
+            <a:spLocks/>
+          </p:cNvSpPr>
+          <p:nvPr/>
+        </p:nvSpPr>
+        <p:spPr>
+          <a:xfrm>
+            <a:off x="0" y="764704"/>
+            <a:ext cx="9144000" cy="360040"/>
+          </a:xfrm>
+          <a:prstGeom prst="rect">
+            <a:avLst/>
+          </a:prstGeom>
+          <a:gradFill flip="none" rotWithShape="1">
+            <a:gsLst>
+              <a:gs pos="0">
+                <a:srgbClr val="00B0F0">
+                  <a:shade val="30000"/>
+                  <a:satMod val="115000"/>
+                </a:srgbClr>
+              </a:gs>
+              <a:gs pos="50000">
+                <a:srgbClr val="00B0F0">
+                  <a:shade val="67500"/>
+                  <a:satMod val="115000"/>
+                </a:srgbClr>
+              </a:gs>
+              <a:gs pos="100000">
+                <a:srgbClr val="00B0F0">
+                  <a:shade val="100000"/>
+                  <a:satMod val="115000"/>
+                </a:srgbClr>
+              </a:gs>
+            </a:gsLst>
+            <a:path path="circle">
+              <a:fillToRect t="100000" r="100000"/>
+            </a:path>
+            <a:tileRect l="-100000" b="-100000"/>
+          </a:gradFill>
+        </p:spPr>
+        <p:txBody>
+          <a:bodyPr vert="horz" lIns="91440" tIns="45720" rIns="91440" bIns="45720" rtlCol="0" anchor="ctr">
+            <a:normAutofit/>
+          </a:bodyPr>
+          <a:lstStyle/>
+          <a:p>
+            <a:pPr lvl="0">
+              <a:spcBef>
+                <a:spcPct val="0"/>
+              </a:spcBef>
+            </a:pPr>
+            <a:r>
+              <a:rPr lang="en-US" sz="1600" dirty="0"/>
+              <a:t>https://www.youtube.com/watch?v=1j0GqsX2S1I&amp;list=PLk6CEY9XxSIA-xo3HRYC3M0Aitzdut7AA&amp;index=23</a:t>
+            </a:r>
+            <a:endParaRPr kumimoji="0" lang="zh-TW" altLang="en-US" sz="1600" b="0" i="0" u="none" strike="noStrike" kern="1200" cap="none" spc="0" normalizeH="0" baseline="0" noProof="0" dirty="0">
+              <a:ln>
+                <a:noFill/>
+              </a:ln>
+              <a:solidFill>
+                <a:schemeClr val="tx1"/>
+              </a:solidFill>
+              <a:effectLst/>
+              <a:uLnTx/>
+              <a:uFillTx/>
+              <a:latin typeface="+mj-lt"/>
+              <a:ea typeface="+mj-ea"/>
+              <a:cs typeface="+mj-cs"/>
+            </a:endParaRPr>
+          </a:p>
+        </p:txBody>
+      </p:sp>
+      <p:sp>
+        <p:nvSpPr>
+          <p:cNvPr id="5" name="日期版面配置區 4"/>
+          <p:cNvSpPr>
+            <a:spLocks noGrp="1"/>
+          </p:cNvSpPr>
+          <p:nvPr>
+            <p:ph type="dt" sz="half" idx="10"/>
+          </p:nvPr>
+        </p:nvSpPr>
+        <p:spPr/>
+        <p:txBody>
+          <a:bodyPr/>
+          <a:lstStyle/>
+          <a:p>
+            <a:fld id="{A4F910E6-8D00-4BAF-8C48-9688E0B449D3}" type="datetime1">
+              <a:rPr lang="zh-TW" altLang="en-US" smtClean="0"/>
+              <a:pPr/>
+              <a:t>2022/9/30</a:t>
+            </a:fld>
+            <a:endParaRPr lang="zh-TW" altLang="en-US"/>
+          </a:p>
+        </p:txBody>
+      </p:sp>
+      <p:sp>
+        <p:nvSpPr>
+          <p:cNvPr id="6" name="投影片編號版面配置區 5"/>
+          <p:cNvSpPr>
+            <a:spLocks noGrp="1"/>
+          </p:cNvSpPr>
+          <p:nvPr>
+            <p:ph type="sldNum" sz="quarter" idx="12"/>
+          </p:nvPr>
+        </p:nvSpPr>
+        <p:spPr/>
+        <p:txBody>
+          <a:bodyPr/>
+          <a:lstStyle/>
+          <a:p>
+            <a:fld id="{E4D7E63D-91F2-4366-A2C4-1B00C9E2590E}" type="slidenum">
+              <a:rPr lang="zh-TW" altLang="en-US" smtClean="0"/>
+              <a:pPr/>
+              <a:t>14</a:t>
+            </a:fld>
+            <a:endParaRPr lang="zh-TW" altLang="en-US"/>
+          </a:p>
+        </p:txBody>
+      </p:sp>
+      <p:sp>
+        <p:nvSpPr>
+          <p:cNvPr id="10" name="Rectangle 9">
+            <a:extLst>
+              <a:ext uri="{FF2B5EF4-FFF2-40B4-BE49-F238E27FC236}">
+                <a16:creationId xmlns:a16="http://schemas.microsoft.com/office/drawing/2014/main" id="{381403C9-847C-3FD2-7EC8-09E19D2176DF}"/>
+              </a:ext>
+            </a:extLst>
+          </p:cNvPr>
+          <p:cNvSpPr/>
+          <p:nvPr/>
+        </p:nvSpPr>
+        <p:spPr>
+          <a:xfrm>
+            <a:off x="3419872" y="4437112"/>
+            <a:ext cx="3240360" cy="820247"/>
+          </a:xfrm>
+          <a:prstGeom prst="rect">
+            <a:avLst/>
+          </a:prstGeom>
+          <a:noFill/>
+          <a:ln>
+            <a:solidFill>
+              <a:srgbClr val="C00000"/>
+            </a:solidFill>
+          </a:ln>
+        </p:spPr>
+        <p:style>
+          <a:lnRef idx="2">
+            <a:schemeClr val="accent1">
+              <a:shade val="50000"/>
+            </a:schemeClr>
+          </a:lnRef>
+          <a:fillRef idx="1">
+            <a:schemeClr val="accent1"/>
+          </a:fillRef>
+          <a:effectRef idx="0">
+            <a:schemeClr val="accent1"/>
+          </a:effectRef>
+          <a:fontRef idx="minor">
+            <a:schemeClr val="lt1"/>
+          </a:fontRef>
+        </p:style>
+        <p:txBody>
+          <a:bodyPr rtlCol="0" anchor="ctr"/>
+          <a:lstStyle/>
+          <a:p>
+            <a:pPr algn="ctr"/>
+            <a:endParaRPr lang="en-US"/>
+          </a:p>
+        </p:txBody>
+      </p:sp>
+      <p:sp>
+        <p:nvSpPr>
+          <p:cNvPr id="11" name="Rectangle 10">
+            <a:extLst>
+              <a:ext uri="{FF2B5EF4-FFF2-40B4-BE49-F238E27FC236}">
+                <a16:creationId xmlns:a16="http://schemas.microsoft.com/office/drawing/2014/main" id="{2A3EB549-B081-DA4E-35F4-CFD867BA6731}"/>
+              </a:ext>
+            </a:extLst>
+          </p:cNvPr>
+          <p:cNvSpPr/>
+          <p:nvPr/>
+        </p:nvSpPr>
+        <p:spPr>
+          <a:xfrm>
+            <a:off x="635261" y="3933056"/>
+            <a:ext cx="936104" cy="360040"/>
+          </a:xfrm>
+          <a:prstGeom prst="rect">
+            <a:avLst/>
+          </a:prstGeom>
+          <a:noFill/>
+          <a:ln>
+            <a:solidFill>
+              <a:srgbClr val="C00000"/>
+            </a:solidFill>
+          </a:ln>
+        </p:spPr>
+        <p:style>
+          <a:lnRef idx="2">
+            <a:schemeClr val="accent1">
+              <a:shade val="50000"/>
+            </a:schemeClr>
+          </a:lnRef>
+          <a:fillRef idx="1">
+            <a:schemeClr val="accent1"/>
+          </a:fillRef>
+          <a:effectRef idx="0">
+            <a:schemeClr val="accent1"/>
+          </a:effectRef>
+          <a:fontRef idx="minor">
+            <a:schemeClr val="lt1"/>
+          </a:fontRef>
+        </p:style>
+        <p:txBody>
+          <a:bodyPr rtlCol="0" anchor="ctr"/>
+          <a:lstStyle/>
+          <a:p>
+            <a:pPr algn="ctr"/>
+            <a:endParaRPr lang="en-US"/>
+          </a:p>
+        </p:txBody>
+      </p:sp>
+      <p:cxnSp>
+        <p:nvCxnSpPr>
+          <p:cNvPr id="15" name="Straight Arrow Connector 14">
+            <a:extLst>
+              <a:ext uri="{FF2B5EF4-FFF2-40B4-BE49-F238E27FC236}">
+                <a16:creationId xmlns:a16="http://schemas.microsoft.com/office/drawing/2014/main" id="{EB74A029-9278-7E82-D516-3462FA970B09}"/>
+              </a:ext>
+            </a:extLst>
+          </p:cNvPr>
+          <p:cNvCxnSpPr>
+            <a:cxnSpLocks/>
+            <a:stCxn id="10" idx="1"/>
+            <a:endCxn id="11" idx="3"/>
+          </p:cNvCxnSpPr>
+          <p:nvPr/>
+        </p:nvCxnSpPr>
+        <p:spPr>
+          <a:xfrm flipH="1" flipV="1">
+            <a:off x="1571365" y="4113076"/>
+            <a:ext cx="1848507" cy="734160"/>
+          </a:xfrm>
+          <a:prstGeom prst="straightConnector1">
+            <a:avLst/>
+          </a:prstGeom>
+          <a:ln>
+            <a:tailEnd type="triangle"/>
+          </a:ln>
+        </p:spPr>
+        <p:style>
+          <a:lnRef idx="1">
+            <a:schemeClr val="accent2"/>
+          </a:lnRef>
+          <a:fillRef idx="0">
+            <a:schemeClr val="accent2"/>
+          </a:fillRef>
+          <a:effectRef idx="0">
+            <a:schemeClr val="accent2"/>
+          </a:effectRef>
+          <a:fontRef idx="minor">
+            <a:schemeClr val="tx1"/>
+          </a:fontRef>
+        </p:style>
+      </p:cxnSp>
+      <p:sp>
+        <p:nvSpPr>
+          <p:cNvPr id="22" name="TextBox 21">
+            <a:extLst>
+              <a:ext uri="{FF2B5EF4-FFF2-40B4-BE49-F238E27FC236}">
+                <a16:creationId xmlns:a16="http://schemas.microsoft.com/office/drawing/2014/main" id="{CEFF3533-7800-1555-7F7B-0710C7FAC409}"/>
+              </a:ext>
+            </a:extLst>
+          </p:cNvPr>
+          <p:cNvSpPr txBox="1"/>
+          <p:nvPr/>
+        </p:nvSpPr>
+        <p:spPr>
+          <a:xfrm>
+            <a:off x="5148064" y="4941168"/>
+            <a:ext cx="2486560" cy="276999"/>
+          </a:xfrm>
+          <a:prstGeom prst="rect">
+            <a:avLst/>
+          </a:prstGeom>
+          <a:solidFill>
+            <a:srgbClr val="FFFF00"/>
+          </a:solidFill>
+          <a:ln>
+            <a:solidFill>
+              <a:srgbClr val="C00000"/>
+            </a:solidFill>
+          </a:ln>
+        </p:spPr>
+        <p:txBody>
+          <a:bodyPr wrap="square" rtlCol="0">
+            <a:spAutoFit/>
+          </a:bodyPr>
+          <a:lstStyle/>
+          <a:p>
+            <a:r>
+              <a:rPr lang="en-US" sz="1200" dirty="0"/>
+              <a:t>Lambda Expression</a:t>
+            </a:r>
+          </a:p>
+        </p:txBody>
+      </p:sp>
+    </p:spTree>
+    <p:extLst>
+      <p:ext uri="{BB962C8B-B14F-4D97-AF65-F5344CB8AC3E}">
+        <p14:creationId xmlns:p14="http://schemas.microsoft.com/office/powerpoint/2010/main" val="3324862375"/>
+      </p:ext>
+    </p:extLst>
+  </p:cSld>
+  <p:clrMapOvr>
+    <a:masterClrMapping/>
+  </p:clrMapOvr>
+</p:sld>
+</file>
+
+<file path=ppt/slides/slide15.xml><?xml version="1.0" encoding="utf-8"?>
+<p:sld xmlns:a="http://schemas.openxmlformats.org/drawingml/2006/main" xmlns:r="http://schemas.openxmlformats.org/officeDocument/2006/relationships" xmlns:p="http://schemas.openxmlformats.org/presentationml/2006/main">
+  <p:cSld>
+    <p:spTree>
+      <p:nvGrpSpPr>
+        <p:cNvPr id="1" name=""/>
+        <p:cNvGrpSpPr/>
+        <p:nvPr/>
+      </p:nvGrpSpPr>
+      <p:grpSpPr>
+        <a:xfrm>
+          <a:off x="0" y="0"/>
+          <a:ext cx="0" cy="0"/>
+          <a:chOff x="0" y="0"/>
+          <a:chExt cx="0" cy="0"/>
+        </a:xfrm>
+      </p:grpSpPr>
+      <p:sp>
+        <p:nvSpPr>
+          <p:cNvPr id="2" name="標題 1"/>
+          <p:cNvSpPr>
+            <a:spLocks noGrp="1"/>
+          </p:cNvSpPr>
+          <p:nvPr>
+            <p:ph type="ctrTitle"/>
+          </p:nvPr>
+        </p:nvSpPr>
+        <p:spPr>
+          <a:xfrm>
+            <a:off x="0" y="2130425"/>
+            <a:ext cx="9144000" cy="1470025"/>
+          </a:xfrm>
+          <a:solidFill>
+            <a:srgbClr val="00B0F0"/>
+          </a:solidFill>
+        </p:spPr>
+        <p:txBody>
+          <a:bodyPr>
+            <a:normAutofit/>
+          </a:bodyPr>
+          <a:lstStyle/>
+          <a:p>
+            <a:r>
+              <a:rPr lang="en-US" altLang="zh-TW" sz="4000" b="1" dirty="0">
+                <a:solidFill>
+                  <a:srgbClr val="FFFF00"/>
+                </a:solidFill>
+              </a:rPr>
+              <a:t>23.5 Sort Using Descending Order</a:t>
+            </a:r>
+            <a:endParaRPr lang="zh-TW" altLang="en-US" sz="4000" b="1" dirty="0">
+              <a:solidFill>
+                <a:srgbClr val="FFFF00"/>
+              </a:solidFill>
+            </a:endParaRPr>
+          </a:p>
+        </p:txBody>
+      </p:sp>
+      <p:sp>
+        <p:nvSpPr>
+          <p:cNvPr id="5" name="日期版面配置區 4"/>
+          <p:cNvSpPr>
+            <a:spLocks noGrp="1"/>
+          </p:cNvSpPr>
+          <p:nvPr>
+            <p:ph type="dt" sz="half" idx="10"/>
+          </p:nvPr>
+        </p:nvSpPr>
+        <p:spPr/>
+        <p:txBody>
+          <a:bodyPr/>
+          <a:lstStyle/>
+          <a:p>
+            <a:fld id="{C389EDC9-19E3-47AC-9C57-C6A24DEA81AD}" type="datetime1">
+              <a:rPr lang="zh-TW" altLang="en-US" smtClean="0"/>
+              <a:pPr/>
+              <a:t>2022/9/30</a:t>
+            </a:fld>
+            <a:endParaRPr lang="zh-TW" altLang="en-US"/>
+          </a:p>
+        </p:txBody>
+      </p:sp>
+      <p:sp>
+        <p:nvSpPr>
+          <p:cNvPr id="6" name="投影片編號版面配置區 5"/>
+          <p:cNvSpPr>
+            <a:spLocks noGrp="1"/>
+          </p:cNvSpPr>
+          <p:nvPr>
+            <p:ph type="sldNum" sz="quarter" idx="12"/>
+          </p:nvPr>
+        </p:nvSpPr>
+        <p:spPr/>
+        <p:txBody>
+          <a:bodyPr/>
+          <a:lstStyle/>
+          <a:p>
+            <a:fld id="{E4D7E63D-91F2-4366-A2C4-1B00C9E2590E}" type="slidenum">
+              <a:rPr lang="zh-TW" altLang="en-US" smtClean="0"/>
+              <a:pPr/>
+              <a:t>15</a:t>
+            </a:fld>
+            <a:endParaRPr lang="zh-TW" altLang="en-US"/>
+          </a:p>
+        </p:txBody>
+      </p:sp>
+      <p:pic>
+        <p:nvPicPr>
+          <p:cNvPr id="4" name="Picture 2" descr="C/C++ Development Company - ScienceSoft">
+            <a:extLst>
+              <a:ext uri="{FF2B5EF4-FFF2-40B4-BE49-F238E27FC236}">
+                <a16:creationId xmlns:a16="http://schemas.microsoft.com/office/drawing/2014/main" id="{8E9DE243-CE6E-577A-2ABF-18A237D84C20}"/>
+              </a:ext>
+            </a:extLst>
+          </p:cNvPr>
+          <p:cNvPicPr>
+            <a:picLocks noChangeAspect="1" noChangeArrowheads="1"/>
+          </p:cNvPicPr>
+          <p:nvPr/>
+        </p:nvPicPr>
+        <p:blipFill>
+          <a:blip r:embed="rId2">
+            <a:extLst>
+              <a:ext uri="{28A0092B-C50C-407E-A947-70E740481C1C}">
+                <a14:useLocalDpi xmlns:a14="http://schemas.microsoft.com/office/drawing/2010/main" val="0"/>
+              </a:ext>
+            </a:extLst>
+          </a:blip>
+          <a:srcRect/>
+          <a:stretch>
+            <a:fillRect/>
+          </a:stretch>
+        </p:blipFill>
+        <p:spPr bwMode="auto">
+          <a:xfrm>
+            <a:off x="3563888" y="3861048"/>
+            <a:ext cx="1656184" cy="690077"/>
+          </a:xfrm>
+          <a:prstGeom prst="rect">
+            <a:avLst/>
+          </a:prstGeom>
+          <a:noFill/>
+          <a:extLst>
+            <a:ext uri="{909E8E84-426E-40DD-AFC4-6F175D3DCCD1}">
+              <a14:hiddenFill xmlns:a14="http://schemas.microsoft.com/office/drawing/2010/main">
+                <a:solidFill>
+                  <a:srgbClr val="FFFFFF"/>
+                </a:solidFill>
+              </a14:hiddenFill>
+            </a:ext>
+          </a:extLst>
+        </p:spPr>
+      </p:pic>
+    </p:spTree>
+    <p:extLst>
+      <p:ext uri="{BB962C8B-B14F-4D97-AF65-F5344CB8AC3E}">
+        <p14:creationId xmlns:p14="http://schemas.microsoft.com/office/powerpoint/2010/main" val="4010031228"/>
+      </p:ext>
+    </p:extLst>
+  </p:cSld>
+  <p:clrMapOvr>
+    <a:masterClrMapping/>
+  </p:clrMapOvr>
+</p:sld>
+</file>
+
+<file path=ppt/slides/slide16.xml><?xml version="1.0" encoding="utf-8"?>
+<p:sld xmlns:a="http://schemas.openxmlformats.org/drawingml/2006/main" xmlns:r="http://schemas.openxmlformats.org/officeDocument/2006/relationships" xmlns:p="http://schemas.openxmlformats.org/presentationml/2006/main">
+  <p:cSld>
+    <p:spTree>
+      <p:nvGrpSpPr>
+        <p:cNvPr id="1" name=""/>
+        <p:cNvGrpSpPr/>
+        <p:nvPr/>
+      </p:nvGrpSpPr>
+      <p:grpSpPr>
+        <a:xfrm>
+          <a:off x="0" y="0"/>
+          <a:ext cx="0" cy="0"/>
+          <a:chOff x="0" y="0"/>
+          <a:chExt cx="0" cy="0"/>
+        </a:xfrm>
+      </p:grpSpPr>
+      <p:graphicFrame>
+        <p:nvGraphicFramePr>
+          <p:cNvPr id="11" name="Object 10">
+            <a:extLst>
+              <a:ext uri="{FF2B5EF4-FFF2-40B4-BE49-F238E27FC236}">
+                <a16:creationId xmlns:a16="http://schemas.microsoft.com/office/drawing/2014/main" id="{D69B061A-1007-BCFA-B280-E73A995C0AC7}"/>
+              </a:ext>
+            </a:extLst>
+          </p:cNvPr>
+          <p:cNvGraphicFramePr>
+            <a:graphicFrameLocks noChangeAspect="1"/>
+          </p:cNvGraphicFramePr>
+          <p:nvPr>
+            <p:extLst>
+              <p:ext uri="{D42A27DB-BD31-4B8C-83A1-F6EECF244321}">
+                <p14:modId xmlns:p14="http://schemas.microsoft.com/office/powerpoint/2010/main" val="1139305091"/>
+              </p:ext>
+            </p:extLst>
+          </p:nvPr>
+        </p:nvGraphicFramePr>
+        <p:xfrm>
+          <a:off x="611560" y="1916832"/>
+          <a:ext cx="7705725" cy="3057525"/>
+        </p:xfrm>
+        <a:graphic>
+          <a:graphicData uri="http://schemas.openxmlformats.org/presentationml/2006/ole">
+            <mc:AlternateContent xmlns:mc="http://schemas.openxmlformats.org/markup-compatibility/2006">
+              <mc:Choice xmlns:v="urn:schemas-microsoft-com:vml" Requires="v">
+                <p:oleObj name="Bitmap Image" r:id="rId2" imgW="7705800" imgH="3057480" progId="PBrush">
+                  <p:embed/>
+                </p:oleObj>
+              </mc:Choice>
+              <mc:Fallback>
+                <p:oleObj name="Bitmap Image" r:id="rId2" imgW="7705800" imgH="3057480" progId="PBrush">
+                  <p:embed/>
+                  <p:pic>
+                    <p:nvPicPr>
+                      <p:cNvPr id="0" name=""/>
+                      <p:cNvPicPr/>
+                      <p:nvPr/>
+                    </p:nvPicPr>
+                    <p:blipFill>
+                      <a:blip r:embed="rId3"/>
+                      <a:stretch>
+                        <a:fillRect/>
+                      </a:stretch>
+                    </p:blipFill>
+                    <p:spPr>
+                      <a:xfrm>
+                        <a:off x="611560" y="1916832"/>
+                        <a:ext cx="7705725" cy="3057525"/>
+                      </a:xfrm>
+                      <a:prstGeom prst="rect">
+                        <a:avLst/>
+                      </a:prstGeom>
+                    </p:spPr>
+                  </p:pic>
+                </p:oleObj>
+              </mc:Fallback>
+            </mc:AlternateContent>
+          </a:graphicData>
+        </a:graphic>
+      </p:graphicFrame>
+      <p:sp>
+        <p:nvSpPr>
+          <p:cNvPr id="2" name="標題 1"/>
+          <p:cNvSpPr>
+            <a:spLocks noGrp="1"/>
+          </p:cNvSpPr>
+          <p:nvPr>
+            <p:ph type="ctrTitle"/>
+          </p:nvPr>
+        </p:nvSpPr>
+        <p:spPr>
+          <a:xfrm>
+            <a:off x="0" y="1"/>
+            <a:ext cx="9144000" cy="764704"/>
+          </a:xfrm>
+          <a:gradFill flip="none" rotWithShape="1">
+            <a:gsLst>
+              <a:gs pos="0">
+                <a:srgbClr val="C00000">
+                  <a:shade val="30000"/>
+                  <a:satMod val="115000"/>
+                </a:srgbClr>
+              </a:gs>
+              <a:gs pos="50000">
+                <a:srgbClr val="C00000">
+                  <a:shade val="67500"/>
+                  <a:satMod val="115000"/>
+                </a:srgbClr>
+              </a:gs>
+              <a:gs pos="100000">
+                <a:srgbClr val="C00000">
+                  <a:shade val="100000"/>
+                  <a:satMod val="115000"/>
+                </a:srgbClr>
+              </a:gs>
+            </a:gsLst>
+            <a:path path="circle">
+              <a:fillToRect t="100000" r="100000"/>
+            </a:path>
+            <a:tileRect l="-100000" b="-100000"/>
+          </a:gradFill>
+        </p:spPr>
+        <p:txBody>
+          <a:bodyPr>
+            <a:normAutofit/>
+          </a:bodyPr>
+          <a:lstStyle/>
+          <a:p>
+            <a:pPr algn="l"/>
+            <a:r>
+              <a:rPr lang="en-US" altLang="zh-TW" sz="4000" b="1" dirty="0">
+                <a:solidFill>
+                  <a:srgbClr val="FFFF00"/>
+                </a:solidFill>
+              </a:rPr>
+              <a:t>23.5 Sort Using Descending Order</a:t>
+            </a:r>
+            <a:endParaRPr lang="zh-TW" altLang="en-US" sz="4000" b="1" dirty="0">
+              <a:solidFill>
+                <a:srgbClr val="FFFF00"/>
+              </a:solidFill>
+            </a:endParaRPr>
+          </a:p>
+        </p:txBody>
+      </p:sp>
+      <p:sp>
+        <p:nvSpPr>
+          <p:cNvPr id="3" name="副標題 2"/>
+          <p:cNvSpPr>
+            <a:spLocks noGrp="1"/>
+          </p:cNvSpPr>
+          <p:nvPr>
+            <p:ph type="subTitle" idx="1"/>
+          </p:nvPr>
+        </p:nvSpPr>
+        <p:spPr>
+          <a:xfrm>
+            <a:off x="467543" y="1268758"/>
+            <a:ext cx="8241831" cy="360042"/>
+          </a:xfrm>
+          <a:ln>
+            <a:solidFill>
+              <a:srgbClr val="C00000"/>
+            </a:solidFill>
+          </a:ln>
+        </p:spPr>
+        <p:txBody>
+          <a:bodyPr>
+            <a:noAutofit/>
+          </a:bodyPr>
+          <a:lstStyle/>
+          <a:p>
+            <a:pPr marL="342900" indent="-342900" algn="l">
+              <a:buClr>
+                <a:srgbClr val="0070C0"/>
+              </a:buClr>
+              <a:buSzPct val="80000"/>
+              <a:buFont typeface="Wingdings" pitchFamily="2" charset="2"/>
+              <a:buChar char="u"/>
+            </a:pPr>
+            <a:r>
+              <a:rPr lang="en-US" sz="1800" b="1" dirty="0">
+                <a:solidFill>
+                  <a:schemeClr val="tx1"/>
+                </a:solidFill>
+              </a:rPr>
+              <a:t>Sort Using Descending Order</a:t>
+            </a:r>
+            <a:endParaRPr lang="en-US" sz="1800" dirty="0">
+              <a:solidFill>
+                <a:schemeClr val="tx1"/>
+              </a:solidFill>
+            </a:endParaRPr>
+          </a:p>
+        </p:txBody>
+      </p:sp>
+      <p:sp>
+        <p:nvSpPr>
+          <p:cNvPr id="4" name="標題 1"/>
+          <p:cNvSpPr txBox="1">
+            <a:spLocks/>
+          </p:cNvSpPr>
+          <p:nvPr/>
+        </p:nvSpPr>
+        <p:spPr>
+          <a:xfrm>
+            <a:off x="0" y="764704"/>
+            <a:ext cx="9144000" cy="360040"/>
+          </a:xfrm>
+          <a:prstGeom prst="rect">
+            <a:avLst/>
+          </a:prstGeom>
+          <a:gradFill flip="none" rotWithShape="1">
+            <a:gsLst>
+              <a:gs pos="0">
+                <a:srgbClr val="00B0F0">
+                  <a:shade val="30000"/>
+                  <a:satMod val="115000"/>
+                </a:srgbClr>
+              </a:gs>
+              <a:gs pos="50000">
+                <a:srgbClr val="00B0F0">
+                  <a:shade val="67500"/>
+                  <a:satMod val="115000"/>
+                </a:srgbClr>
+              </a:gs>
+              <a:gs pos="100000">
+                <a:srgbClr val="00B0F0">
+                  <a:shade val="100000"/>
+                  <a:satMod val="115000"/>
+                </a:srgbClr>
+              </a:gs>
+            </a:gsLst>
+            <a:path path="circle">
+              <a:fillToRect t="100000" r="100000"/>
+            </a:path>
+            <a:tileRect l="-100000" b="-100000"/>
+          </a:gradFill>
+        </p:spPr>
+        <p:txBody>
+          <a:bodyPr vert="horz" lIns="91440" tIns="45720" rIns="91440" bIns="45720" rtlCol="0" anchor="ctr">
+            <a:normAutofit/>
+          </a:bodyPr>
+          <a:lstStyle/>
+          <a:p>
+            <a:pPr lvl="0">
+              <a:spcBef>
+                <a:spcPct val="0"/>
+              </a:spcBef>
+            </a:pPr>
+            <a:r>
+              <a:rPr lang="en-US" sz="1600" dirty="0"/>
+              <a:t>https://www.youtube.com/watch?v=1j0GqsX2S1I&amp;list=PLk6CEY9XxSIA-xo3HRYC3M0Aitzdut7AA&amp;index=23</a:t>
+            </a:r>
+            <a:endParaRPr kumimoji="0" lang="zh-TW" altLang="en-US" sz="1600" b="0" i="0" u="none" strike="noStrike" kern="1200" cap="none" spc="0" normalizeH="0" baseline="0" noProof="0" dirty="0">
+              <a:ln>
+                <a:noFill/>
+              </a:ln>
+              <a:solidFill>
+                <a:schemeClr val="tx1"/>
+              </a:solidFill>
+              <a:effectLst/>
+              <a:uLnTx/>
+              <a:uFillTx/>
+              <a:latin typeface="+mj-lt"/>
+              <a:ea typeface="+mj-ea"/>
+              <a:cs typeface="+mj-cs"/>
+            </a:endParaRPr>
+          </a:p>
+        </p:txBody>
+      </p:sp>
+      <p:sp>
+        <p:nvSpPr>
+          <p:cNvPr id="5" name="日期版面配置區 4"/>
+          <p:cNvSpPr>
+            <a:spLocks noGrp="1"/>
+          </p:cNvSpPr>
+          <p:nvPr>
+            <p:ph type="dt" sz="half" idx="10"/>
+          </p:nvPr>
+        </p:nvSpPr>
+        <p:spPr/>
+        <p:txBody>
+          <a:bodyPr/>
+          <a:lstStyle/>
+          <a:p>
+            <a:fld id="{A4F910E6-8D00-4BAF-8C48-9688E0B449D3}" type="datetime1">
+              <a:rPr lang="zh-TW" altLang="en-US" smtClean="0"/>
+              <a:pPr/>
+              <a:t>2022/9/30</a:t>
+            </a:fld>
+            <a:endParaRPr lang="zh-TW" altLang="en-US"/>
+          </a:p>
+        </p:txBody>
+      </p:sp>
+      <p:sp>
+        <p:nvSpPr>
+          <p:cNvPr id="6" name="投影片編號版面配置區 5"/>
+          <p:cNvSpPr>
+            <a:spLocks noGrp="1"/>
+          </p:cNvSpPr>
+          <p:nvPr>
+            <p:ph type="sldNum" sz="quarter" idx="12"/>
+          </p:nvPr>
+        </p:nvSpPr>
+        <p:spPr/>
+        <p:txBody>
+          <a:bodyPr/>
+          <a:lstStyle/>
+          <a:p>
+            <a:fld id="{E4D7E63D-91F2-4366-A2C4-1B00C9E2590E}" type="slidenum">
+              <a:rPr lang="zh-TW" altLang="en-US" smtClean="0"/>
+              <a:pPr/>
+              <a:t>16</a:t>
+            </a:fld>
+            <a:endParaRPr lang="zh-TW" altLang="en-US"/>
+          </a:p>
+        </p:txBody>
+      </p:sp>
+      <p:sp>
+        <p:nvSpPr>
+          <p:cNvPr id="17" name="TextBox 16">
+            <a:extLst>
+              <a:ext uri="{FF2B5EF4-FFF2-40B4-BE49-F238E27FC236}">
+                <a16:creationId xmlns:a16="http://schemas.microsoft.com/office/drawing/2014/main" id="{35768E4A-7362-9ED7-00A9-A5F00377166F}"/>
+              </a:ext>
+            </a:extLst>
+          </p:cNvPr>
+          <p:cNvSpPr txBox="1"/>
+          <p:nvPr/>
+        </p:nvSpPr>
+        <p:spPr>
+          <a:xfrm>
+            <a:off x="3995936" y="2996952"/>
+            <a:ext cx="1944216" cy="276999"/>
+          </a:xfrm>
+          <a:prstGeom prst="rect">
+            <a:avLst/>
+          </a:prstGeom>
+          <a:solidFill>
+            <a:srgbClr val="FFFF00"/>
+          </a:solidFill>
+          <a:ln>
+            <a:solidFill>
+              <a:srgbClr val="C00000"/>
+            </a:solidFill>
+          </a:ln>
+        </p:spPr>
+        <p:txBody>
+          <a:bodyPr wrap="square" rtlCol="0">
+            <a:spAutoFit/>
+          </a:bodyPr>
+          <a:lstStyle/>
+          <a:p>
+            <a:r>
+              <a:rPr lang="en-US" sz="1200" dirty="0"/>
+              <a:t>Pass greater &lt;int&gt;</a:t>
+            </a:r>
+          </a:p>
+        </p:txBody>
+      </p:sp>
+      <p:sp>
+        <p:nvSpPr>
+          <p:cNvPr id="10" name="Rectangle 9">
+            <a:extLst>
+              <a:ext uri="{FF2B5EF4-FFF2-40B4-BE49-F238E27FC236}">
+                <a16:creationId xmlns:a16="http://schemas.microsoft.com/office/drawing/2014/main" id="{D65CAFA3-B2AB-9DE6-272B-60706B8AA74A}"/>
+              </a:ext>
+            </a:extLst>
+          </p:cNvPr>
+          <p:cNvSpPr/>
+          <p:nvPr/>
+        </p:nvSpPr>
+        <p:spPr>
+          <a:xfrm>
+            <a:off x="3707904" y="2564904"/>
+            <a:ext cx="2257847" cy="303835"/>
+          </a:xfrm>
+          <a:prstGeom prst="rect">
+            <a:avLst/>
+          </a:prstGeom>
+          <a:noFill/>
+          <a:ln>
+            <a:solidFill>
+              <a:srgbClr val="C00000"/>
+            </a:solidFill>
+          </a:ln>
+        </p:spPr>
+        <p:style>
+          <a:lnRef idx="2">
+            <a:schemeClr val="accent1">
+              <a:shade val="50000"/>
+            </a:schemeClr>
+          </a:lnRef>
+          <a:fillRef idx="1">
+            <a:schemeClr val="accent1"/>
+          </a:fillRef>
+          <a:effectRef idx="0">
+            <a:schemeClr val="accent1"/>
+          </a:effectRef>
+          <a:fontRef idx="minor">
+            <a:schemeClr val="lt1"/>
+          </a:fontRef>
+        </p:style>
+        <p:txBody>
+          <a:bodyPr rtlCol="0" anchor="ctr"/>
+          <a:lstStyle/>
+          <a:p>
+            <a:pPr algn="ctr"/>
+            <a:endParaRPr lang="en-US"/>
+          </a:p>
+        </p:txBody>
+      </p:sp>
+    </p:spTree>
+    <p:extLst>
+      <p:ext uri="{BB962C8B-B14F-4D97-AF65-F5344CB8AC3E}">
+        <p14:creationId xmlns:p14="http://schemas.microsoft.com/office/powerpoint/2010/main" val="4002199103"/>
+      </p:ext>
+    </p:extLst>
+  </p:cSld>
+  <p:clrMapOvr>
+    <a:masterClrMapping/>
+  </p:clrMapOvr>
+</p:sld>
+</file>
+
+<file path=ppt/slides/slide17.xml><?xml version="1.0" encoding="utf-8"?>
+<p:sld xmlns:a="http://schemas.openxmlformats.org/drawingml/2006/main" xmlns:r="http://schemas.openxmlformats.org/officeDocument/2006/relationships" xmlns:p="http://schemas.openxmlformats.org/presentationml/2006/main">
+  <p:cSld>
+    <p:spTree>
+      <p:nvGrpSpPr>
+        <p:cNvPr id="1" name=""/>
+        <p:cNvGrpSpPr/>
+        <p:nvPr/>
+      </p:nvGrpSpPr>
+      <p:grpSpPr>
+        <a:xfrm>
+          <a:off x="0" y="0"/>
+          <a:ext cx="0" cy="0"/>
+          <a:chOff x="0" y="0"/>
+          <a:chExt cx="0" cy="0"/>
+        </a:xfrm>
+      </p:grpSpPr>
+      <p:graphicFrame>
+        <p:nvGraphicFramePr>
+          <p:cNvPr id="8" name="Object 7">
+            <a:extLst>
+              <a:ext uri="{FF2B5EF4-FFF2-40B4-BE49-F238E27FC236}">
+                <a16:creationId xmlns:a16="http://schemas.microsoft.com/office/drawing/2014/main" id="{DC4CD710-B85D-BF82-4041-052FC5C22D1E}"/>
+              </a:ext>
+            </a:extLst>
+          </p:cNvPr>
+          <p:cNvGraphicFramePr>
+            <a:graphicFrameLocks noChangeAspect="1"/>
+          </p:cNvGraphicFramePr>
+          <p:nvPr>
+            <p:extLst>
+              <p:ext uri="{D42A27DB-BD31-4B8C-83A1-F6EECF244321}">
+                <p14:modId xmlns:p14="http://schemas.microsoft.com/office/powerpoint/2010/main" val="483023815"/>
+              </p:ext>
+            </p:extLst>
+          </p:nvPr>
+        </p:nvGraphicFramePr>
+        <p:xfrm>
+          <a:off x="683568" y="2708920"/>
+          <a:ext cx="6096000" cy="1220787"/>
+        </p:xfrm>
+        <a:graphic>
+          <a:graphicData uri="http://schemas.openxmlformats.org/presentationml/2006/ole">
+            <mc:AlternateContent xmlns:mc="http://schemas.openxmlformats.org/markup-compatibility/2006">
+              <mc:Choice xmlns:v="urn:schemas-microsoft-com:vml" Requires="v">
+                <p:oleObj name="Bitmap Image" r:id="rId2" imgW="10410840" imgH="2085840" progId="PBrush">
+                  <p:embed/>
+                </p:oleObj>
+              </mc:Choice>
+              <mc:Fallback>
+                <p:oleObj name="Bitmap Image" r:id="rId2" imgW="10410840" imgH="2085840" progId="PBrush">
+                  <p:embed/>
+                  <p:pic>
+                    <p:nvPicPr>
+                      <p:cNvPr id="0" name=""/>
+                      <p:cNvPicPr/>
+                      <p:nvPr/>
+                    </p:nvPicPr>
+                    <p:blipFill>
+                      <a:blip r:embed="rId3"/>
+                      <a:stretch>
+                        <a:fillRect/>
+                      </a:stretch>
+                    </p:blipFill>
+                    <p:spPr>
+                      <a:xfrm>
+                        <a:off x="683568" y="2708920"/>
+                        <a:ext cx="6096000" cy="1220787"/>
+                      </a:xfrm>
+                      <a:prstGeom prst="rect">
+                        <a:avLst/>
+                      </a:prstGeom>
+                      <a:ln>
+                        <a:solidFill>
+                          <a:srgbClr val="C00000"/>
+                        </a:solidFill>
+                      </a:ln>
+                    </p:spPr>
+                  </p:pic>
+                </p:oleObj>
+              </mc:Fallback>
+            </mc:AlternateContent>
+          </a:graphicData>
+        </a:graphic>
+      </p:graphicFrame>
+      <p:sp>
+        <p:nvSpPr>
+          <p:cNvPr id="2" name="標題 1"/>
+          <p:cNvSpPr>
+            <a:spLocks noGrp="1"/>
+          </p:cNvSpPr>
+          <p:nvPr>
+            <p:ph type="ctrTitle"/>
+          </p:nvPr>
+        </p:nvSpPr>
+        <p:spPr>
+          <a:xfrm>
+            <a:off x="0" y="1"/>
+            <a:ext cx="9144000" cy="764704"/>
+          </a:xfrm>
+          <a:gradFill flip="none" rotWithShape="1">
+            <a:gsLst>
+              <a:gs pos="0">
+                <a:srgbClr val="C00000">
+                  <a:shade val="30000"/>
+                  <a:satMod val="115000"/>
+                </a:srgbClr>
+              </a:gs>
+              <a:gs pos="50000">
+                <a:srgbClr val="C00000">
+                  <a:shade val="67500"/>
+                  <a:satMod val="115000"/>
+                </a:srgbClr>
+              </a:gs>
+              <a:gs pos="100000">
+                <a:srgbClr val="C00000">
+                  <a:shade val="100000"/>
+                  <a:satMod val="115000"/>
+                </a:srgbClr>
+              </a:gs>
+            </a:gsLst>
+            <a:path path="circle">
+              <a:fillToRect t="100000" r="100000"/>
+            </a:path>
+            <a:tileRect l="-100000" b="-100000"/>
+          </a:gradFill>
+        </p:spPr>
+        <p:txBody>
+          <a:bodyPr>
+            <a:normAutofit/>
+          </a:bodyPr>
+          <a:lstStyle/>
+          <a:p>
+            <a:pPr algn="l"/>
+            <a:r>
+              <a:rPr lang="en-US" altLang="zh-TW" sz="4000" b="1" dirty="0">
+                <a:solidFill>
+                  <a:srgbClr val="FFFF00"/>
+                </a:solidFill>
+              </a:rPr>
+              <a:t>23.5 Sort Using Descending Order</a:t>
+            </a:r>
+            <a:endParaRPr lang="zh-TW" altLang="en-US" sz="4000" b="1" dirty="0">
+              <a:solidFill>
+                <a:srgbClr val="FFFF00"/>
+              </a:solidFill>
+            </a:endParaRPr>
+          </a:p>
+        </p:txBody>
+      </p:sp>
+      <p:sp>
+        <p:nvSpPr>
+          <p:cNvPr id="3" name="副標題 2"/>
+          <p:cNvSpPr>
+            <a:spLocks noGrp="1"/>
+          </p:cNvSpPr>
+          <p:nvPr>
+            <p:ph type="subTitle" idx="1"/>
+          </p:nvPr>
+        </p:nvSpPr>
+        <p:spPr>
+          <a:xfrm>
+            <a:off x="467543" y="1268758"/>
+            <a:ext cx="8241831" cy="360042"/>
+          </a:xfrm>
+          <a:ln>
+            <a:solidFill>
+              <a:srgbClr val="C00000"/>
+            </a:solidFill>
+          </a:ln>
+        </p:spPr>
+        <p:txBody>
+          <a:bodyPr>
+            <a:noAutofit/>
+          </a:bodyPr>
+          <a:lstStyle/>
+          <a:p>
+            <a:pPr marL="342900" indent="-342900" algn="l">
+              <a:buClr>
+                <a:srgbClr val="0070C0"/>
+              </a:buClr>
+              <a:buSzPct val="80000"/>
+              <a:buFont typeface="Wingdings" pitchFamily="2" charset="2"/>
+              <a:buChar char="u"/>
+            </a:pPr>
+            <a:r>
+              <a:rPr lang="en-US" sz="1800" b="1" dirty="0">
+                <a:solidFill>
+                  <a:schemeClr val="tx1"/>
+                </a:solidFill>
+              </a:rPr>
+              <a:t>Sort Using Descending Order</a:t>
+            </a:r>
+            <a:endParaRPr lang="en-US" sz="1800" dirty="0">
+              <a:solidFill>
+                <a:schemeClr val="tx1"/>
+              </a:solidFill>
+            </a:endParaRPr>
+          </a:p>
+        </p:txBody>
+      </p:sp>
+      <p:sp>
+        <p:nvSpPr>
+          <p:cNvPr id="4" name="標題 1"/>
+          <p:cNvSpPr txBox="1">
+            <a:spLocks/>
+          </p:cNvSpPr>
+          <p:nvPr/>
+        </p:nvSpPr>
+        <p:spPr>
+          <a:xfrm>
+            <a:off x="0" y="764704"/>
+            <a:ext cx="9144000" cy="360040"/>
+          </a:xfrm>
+          <a:prstGeom prst="rect">
+            <a:avLst/>
+          </a:prstGeom>
+          <a:gradFill flip="none" rotWithShape="1">
+            <a:gsLst>
+              <a:gs pos="0">
+                <a:srgbClr val="00B0F0">
+                  <a:shade val="30000"/>
+                  <a:satMod val="115000"/>
+                </a:srgbClr>
+              </a:gs>
+              <a:gs pos="50000">
+                <a:srgbClr val="00B0F0">
+                  <a:shade val="67500"/>
+                  <a:satMod val="115000"/>
+                </a:srgbClr>
+              </a:gs>
+              <a:gs pos="100000">
+                <a:srgbClr val="00B0F0">
+                  <a:shade val="100000"/>
+                  <a:satMod val="115000"/>
+                </a:srgbClr>
+              </a:gs>
+            </a:gsLst>
+            <a:path path="circle">
+              <a:fillToRect t="100000" r="100000"/>
+            </a:path>
+            <a:tileRect l="-100000" b="-100000"/>
+          </a:gradFill>
+        </p:spPr>
+        <p:txBody>
+          <a:bodyPr vert="horz" lIns="91440" tIns="45720" rIns="91440" bIns="45720" rtlCol="0" anchor="ctr">
+            <a:normAutofit/>
+          </a:bodyPr>
+          <a:lstStyle/>
+          <a:p>
+            <a:pPr lvl="0">
+              <a:spcBef>
+                <a:spcPct val="0"/>
+              </a:spcBef>
+            </a:pPr>
+            <a:r>
+              <a:rPr lang="en-US" sz="1600" dirty="0"/>
+              <a:t>https://www.youtube.com/watch?v=1j0GqsX2S1I&amp;list=PLk6CEY9XxSIA-xo3HRYC3M0Aitzdut7AA&amp;index=23</a:t>
+            </a:r>
+            <a:endParaRPr kumimoji="0" lang="zh-TW" altLang="en-US" sz="1600" b="0" i="0" u="none" strike="noStrike" kern="1200" cap="none" spc="0" normalizeH="0" baseline="0" noProof="0" dirty="0">
+              <a:ln>
+                <a:noFill/>
+              </a:ln>
+              <a:solidFill>
+                <a:schemeClr val="tx1"/>
+              </a:solidFill>
+              <a:effectLst/>
+              <a:uLnTx/>
+              <a:uFillTx/>
+              <a:latin typeface="+mj-lt"/>
+              <a:ea typeface="+mj-ea"/>
+              <a:cs typeface="+mj-cs"/>
+            </a:endParaRPr>
+          </a:p>
+        </p:txBody>
+      </p:sp>
+      <p:sp>
+        <p:nvSpPr>
+          <p:cNvPr id="5" name="日期版面配置區 4"/>
+          <p:cNvSpPr>
+            <a:spLocks noGrp="1"/>
+          </p:cNvSpPr>
+          <p:nvPr>
+            <p:ph type="dt" sz="half" idx="10"/>
+          </p:nvPr>
+        </p:nvSpPr>
+        <p:spPr/>
+        <p:txBody>
+          <a:bodyPr/>
+          <a:lstStyle/>
+          <a:p>
+            <a:fld id="{A4F910E6-8D00-4BAF-8C48-9688E0B449D3}" type="datetime1">
+              <a:rPr lang="zh-TW" altLang="en-US" smtClean="0"/>
+              <a:pPr/>
+              <a:t>2022/9/30</a:t>
+            </a:fld>
+            <a:endParaRPr lang="zh-TW" altLang="en-US"/>
+          </a:p>
+        </p:txBody>
+      </p:sp>
+      <p:sp>
+        <p:nvSpPr>
+          <p:cNvPr id="6" name="投影片編號版面配置區 5"/>
+          <p:cNvSpPr>
+            <a:spLocks noGrp="1"/>
+          </p:cNvSpPr>
+          <p:nvPr>
+            <p:ph type="sldNum" sz="quarter" idx="12"/>
+          </p:nvPr>
+        </p:nvSpPr>
+        <p:spPr/>
+        <p:txBody>
+          <a:bodyPr/>
+          <a:lstStyle/>
+          <a:p>
+            <a:fld id="{E4D7E63D-91F2-4366-A2C4-1B00C9E2590E}" type="slidenum">
+              <a:rPr lang="zh-TW" altLang="en-US" smtClean="0"/>
+              <a:pPr/>
+              <a:t>17</a:t>
+            </a:fld>
+            <a:endParaRPr lang="zh-TW" altLang="en-US"/>
+          </a:p>
+        </p:txBody>
+      </p:sp>
+      <p:sp>
+        <p:nvSpPr>
+          <p:cNvPr id="10" name="Rectangle 9">
+            <a:extLst>
+              <a:ext uri="{FF2B5EF4-FFF2-40B4-BE49-F238E27FC236}">
+                <a16:creationId xmlns:a16="http://schemas.microsoft.com/office/drawing/2014/main" id="{381403C9-847C-3FD2-7EC8-09E19D2176DF}"/>
+              </a:ext>
+            </a:extLst>
+          </p:cNvPr>
+          <p:cNvSpPr/>
+          <p:nvPr/>
+        </p:nvSpPr>
+        <p:spPr>
+          <a:xfrm>
+            <a:off x="3923928" y="2996952"/>
+            <a:ext cx="3240360" cy="820247"/>
+          </a:xfrm>
+          <a:prstGeom prst="rect">
+            <a:avLst/>
+          </a:prstGeom>
+          <a:noFill/>
+          <a:ln>
+            <a:solidFill>
+              <a:srgbClr val="C00000"/>
+            </a:solidFill>
+          </a:ln>
+        </p:spPr>
+        <p:style>
+          <a:lnRef idx="2">
+            <a:schemeClr val="accent1">
+              <a:shade val="50000"/>
+            </a:schemeClr>
+          </a:lnRef>
+          <a:fillRef idx="1">
+            <a:schemeClr val="accent1"/>
+          </a:fillRef>
+          <a:effectRef idx="0">
+            <a:schemeClr val="accent1"/>
+          </a:effectRef>
+          <a:fontRef idx="minor">
+            <a:schemeClr val="lt1"/>
+          </a:fontRef>
+        </p:style>
+        <p:txBody>
+          <a:bodyPr rtlCol="0" anchor="ctr"/>
+          <a:lstStyle/>
+          <a:p>
+            <a:pPr algn="ctr"/>
+            <a:endParaRPr lang="en-US"/>
+          </a:p>
+        </p:txBody>
+      </p:sp>
+      <p:sp>
+        <p:nvSpPr>
+          <p:cNvPr id="11" name="Rectangle 10">
+            <a:extLst>
+              <a:ext uri="{FF2B5EF4-FFF2-40B4-BE49-F238E27FC236}">
+                <a16:creationId xmlns:a16="http://schemas.microsoft.com/office/drawing/2014/main" id="{2A3EB549-B081-DA4E-35F4-CFD867BA6731}"/>
+              </a:ext>
+            </a:extLst>
+          </p:cNvPr>
+          <p:cNvSpPr/>
+          <p:nvPr/>
+        </p:nvSpPr>
+        <p:spPr>
+          <a:xfrm>
+            <a:off x="635261" y="3356992"/>
+            <a:ext cx="936104" cy="360040"/>
+          </a:xfrm>
+          <a:prstGeom prst="rect">
+            <a:avLst/>
+          </a:prstGeom>
+          <a:noFill/>
+          <a:ln>
+            <a:solidFill>
+              <a:srgbClr val="C00000"/>
+            </a:solidFill>
+          </a:ln>
+        </p:spPr>
+        <p:style>
+          <a:lnRef idx="2">
+            <a:schemeClr val="accent1">
+              <a:shade val="50000"/>
+            </a:schemeClr>
+          </a:lnRef>
+          <a:fillRef idx="1">
+            <a:schemeClr val="accent1"/>
+          </a:fillRef>
+          <a:effectRef idx="0">
+            <a:schemeClr val="accent1"/>
+          </a:effectRef>
+          <a:fontRef idx="minor">
+            <a:schemeClr val="lt1"/>
+          </a:fontRef>
+        </p:style>
+        <p:txBody>
+          <a:bodyPr rtlCol="0" anchor="ctr"/>
+          <a:lstStyle/>
+          <a:p>
+            <a:pPr algn="ctr"/>
+            <a:endParaRPr lang="en-US"/>
+          </a:p>
+        </p:txBody>
+      </p:sp>
+      <p:cxnSp>
+        <p:nvCxnSpPr>
+          <p:cNvPr id="15" name="Straight Arrow Connector 14">
+            <a:extLst>
+              <a:ext uri="{FF2B5EF4-FFF2-40B4-BE49-F238E27FC236}">
+                <a16:creationId xmlns:a16="http://schemas.microsoft.com/office/drawing/2014/main" id="{EB74A029-9278-7E82-D516-3462FA970B09}"/>
+              </a:ext>
+            </a:extLst>
+          </p:cNvPr>
+          <p:cNvCxnSpPr>
+            <a:cxnSpLocks/>
+            <a:stCxn id="10" idx="1"/>
+            <a:endCxn id="11" idx="3"/>
+          </p:cNvCxnSpPr>
+          <p:nvPr/>
+        </p:nvCxnSpPr>
+        <p:spPr>
+          <a:xfrm flipH="1">
+            <a:off x="1571365" y="3407076"/>
+            <a:ext cx="2352563" cy="129936"/>
+          </a:xfrm>
+          <a:prstGeom prst="straightConnector1">
+            <a:avLst/>
+          </a:prstGeom>
+          <a:ln>
+            <a:tailEnd type="triangle"/>
+          </a:ln>
+        </p:spPr>
+        <p:style>
+          <a:lnRef idx="1">
+            <a:schemeClr val="accent2"/>
+          </a:lnRef>
+          <a:fillRef idx="0">
+            <a:schemeClr val="accent2"/>
+          </a:fillRef>
+          <a:effectRef idx="0">
+            <a:schemeClr val="accent2"/>
+          </a:effectRef>
+          <a:fontRef idx="minor">
+            <a:schemeClr val="tx1"/>
+          </a:fontRef>
+        </p:style>
+      </p:cxnSp>
+      <p:sp>
+        <p:nvSpPr>
+          <p:cNvPr id="22" name="TextBox 21">
+            <a:extLst>
+              <a:ext uri="{FF2B5EF4-FFF2-40B4-BE49-F238E27FC236}">
+                <a16:creationId xmlns:a16="http://schemas.microsoft.com/office/drawing/2014/main" id="{CEFF3533-7800-1555-7F7B-0710C7FAC409}"/>
+              </a:ext>
+            </a:extLst>
+          </p:cNvPr>
+          <p:cNvSpPr txBox="1"/>
+          <p:nvPr/>
+        </p:nvSpPr>
+        <p:spPr>
+          <a:xfrm>
+            <a:off x="5076056" y="3861048"/>
+            <a:ext cx="2486560" cy="276999"/>
+          </a:xfrm>
+          <a:prstGeom prst="rect">
+            <a:avLst/>
+          </a:prstGeom>
+          <a:solidFill>
+            <a:srgbClr val="FFFF00"/>
+          </a:solidFill>
+          <a:ln>
+            <a:solidFill>
+              <a:srgbClr val="C00000"/>
+            </a:solidFill>
+          </a:ln>
+        </p:spPr>
+        <p:txBody>
+          <a:bodyPr wrap="square" rtlCol="0">
+            <a:spAutoFit/>
+          </a:bodyPr>
+          <a:lstStyle/>
+          <a:p>
+            <a:r>
+              <a:rPr lang="en-US" sz="1200" dirty="0"/>
+              <a:t>Descending order</a:t>
+            </a:r>
+          </a:p>
+        </p:txBody>
+      </p:sp>
+    </p:spTree>
+    <p:extLst>
+      <p:ext uri="{BB962C8B-B14F-4D97-AF65-F5344CB8AC3E}">
+        <p14:creationId xmlns:p14="http://schemas.microsoft.com/office/powerpoint/2010/main" val="1966330935"/>
+      </p:ext>
+    </p:extLst>
+  </p:cSld>
+  <p:clrMapOvr>
+    <a:masterClrMapping/>
+  </p:clrMapOvr>
+</p:sld>
+</file>
+
+<file path=ppt/slides/slide18.xml><?xml version="1.0" encoding="utf-8"?>
+<p:sld xmlns:a="http://schemas.openxmlformats.org/drawingml/2006/main" xmlns:r="http://schemas.openxmlformats.org/officeDocument/2006/relationships" xmlns:p="http://schemas.openxmlformats.org/presentationml/2006/main">
+  <p:cSld>
+    <p:spTree>
+      <p:nvGrpSpPr>
+        <p:cNvPr id="1" name=""/>
+        <p:cNvGrpSpPr/>
+        <p:nvPr/>
+      </p:nvGrpSpPr>
+      <p:grpSpPr>
+        <a:xfrm>
+          <a:off x="0" y="0"/>
+          <a:ext cx="0" cy="0"/>
+          <a:chOff x="0" y="0"/>
+          <a:chExt cx="0" cy="0"/>
+        </a:xfrm>
+      </p:grpSpPr>
+      <p:sp>
+        <p:nvSpPr>
+          <p:cNvPr id="2" name="標題 1"/>
+          <p:cNvSpPr>
+            <a:spLocks noGrp="1"/>
+          </p:cNvSpPr>
+          <p:nvPr>
+            <p:ph type="ctrTitle"/>
+          </p:nvPr>
+        </p:nvSpPr>
+        <p:spPr>
+          <a:xfrm>
+            <a:off x="0" y="2130425"/>
+            <a:ext cx="9144000" cy="1470025"/>
+          </a:xfrm>
+          <a:solidFill>
+            <a:srgbClr val="00B0F0"/>
+          </a:solidFill>
+        </p:spPr>
+        <p:txBody>
+          <a:bodyPr>
+            <a:normAutofit/>
+          </a:bodyPr>
+          <a:lstStyle/>
+          <a:p>
+            <a:r>
+              <a:rPr lang="en-US" altLang="zh-TW" sz="4000" b="1" dirty="0">
+                <a:solidFill>
+                  <a:srgbClr val="FFFF00"/>
+                </a:solidFill>
+              </a:rPr>
+              <a:t>23.6 Sort Using Ascending Order</a:t>
+            </a:r>
+            <a:endParaRPr lang="zh-TW" altLang="en-US" sz="4000" b="1" dirty="0">
+              <a:solidFill>
+                <a:srgbClr val="FFFF00"/>
+              </a:solidFill>
+            </a:endParaRPr>
+          </a:p>
+        </p:txBody>
+      </p:sp>
+      <p:sp>
+        <p:nvSpPr>
+          <p:cNvPr id="5" name="日期版面配置區 4"/>
+          <p:cNvSpPr>
+            <a:spLocks noGrp="1"/>
+          </p:cNvSpPr>
+          <p:nvPr>
+            <p:ph type="dt" sz="half" idx="10"/>
+          </p:nvPr>
+        </p:nvSpPr>
+        <p:spPr/>
+        <p:txBody>
+          <a:bodyPr/>
+          <a:lstStyle/>
+          <a:p>
+            <a:fld id="{C389EDC9-19E3-47AC-9C57-C6A24DEA81AD}" type="datetime1">
+              <a:rPr lang="zh-TW" altLang="en-US" smtClean="0"/>
+              <a:pPr/>
+              <a:t>2022/9/30</a:t>
+            </a:fld>
+            <a:endParaRPr lang="zh-TW" altLang="en-US"/>
+          </a:p>
+        </p:txBody>
+      </p:sp>
+      <p:sp>
+        <p:nvSpPr>
+          <p:cNvPr id="6" name="投影片編號版面配置區 5"/>
+          <p:cNvSpPr>
+            <a:spLocks noGrp="1"/>
+          </p:cNvSpPr>
+          <p:nvPr>
+            <p:ph type="sldNum" sz="quarter" idx="12"/>
+          </p:nvPr>
+        </p:nvSpPr>
+        <p:spPr/>
+        <p:txBody>
+          <a:bodyPr/>
+          <a:lstStyle/>
+          <a:p>
+            <a:fld id="{E4D7E63D-91F2-4366-A2C4-1B00C9E2590E}" type="slidenum">
+              <a:rPr lang="zh-TW" altLang="en-US" smtClean="0"/>
+              <a:pPr/>
+              <a:t>18</a:t>
+            </a:fld>
+            <a:endParaRPr lang="zh-TW" altLang="en-US"/>
+          </a:p>
+        </p:txBody>
+      </p:sp>
+      <p:pic>
+        <p:nvPicPr>
+          <p:cNvPr id="4" name="Picture 2" descr="C/C++ Development Company - ScienceSoft">
+            <a:extLst>
+              <a:ext uri="{FF2B5EF4-FFF2-40B4-BE49-F238E27FC236}">
+                <a16:creationId xmlns:a16="http://schemas.microsoft.com/office/drawing/2014/main" id="{8E9DE243-CE6E-577A-2ABF-18A237D84C20}"/>
+              </a:ext>
+            </a:extLst>
+          </p:cNvPr>
+          <p:cNvPicPr>
+            <a:picLocks noChangeAspect="1" noChangeArrowheads="1"/>
+          </p:cNvPicPr>
+          <p:nvPr/>
+        </p:nvPicPr>
+        <p:blipFill>
+          <a:blip r:embed="rId2">
+            <a:extLst>
+              <a:ext uri="{28A0092B-C50C-407E-A947-70E740481C1C}">
+                <a14:useLocalDpi xmlns:a14="http://schemas.microsoft.com/office/drawing/2010/main" val="0"/>
+              </a:ext>
+            </a:extLst>
+          </a:blip>
+          <a:srcRect/>
+          <a:stretch>
+            <a:fillRect/>
+          </a:stretch>
+        </p:blipFill>
+        <p:spPr bwMode="auto">
+          <a:xfrm>
+            <a:off x="3563888" y="3861048"/>
+            <a:ext cx="1656184" cy="690077"/>
+          </a:xfrm>
+          <a:prstGeom prst="rect">
+            <a:avLst/>
+          </a:prstGeom>
+          <a:noFill/>
+          <a:extLst>
+            <a:ext uri="{909E8E84-426E-40DD-AFC4-6F175D3DCCD1}">
+              <a14:hiddenFill xmlns:a14="http://schemas.microsoft.com/office/drawing/2010/main">
+                <a:solidFill>
+                  <a:srgbClr val="FFFFFF"/>
+                </a:solidFill>
+              </a14:hiddenFill>
+            </a:ext>
+          </a:extLst>
+        </p:spPr>
+      </p:pic>
+    </p:spTree>
+    <p:extLst>
+      <p:ext uri="{BB962C8B-B14F-4D97-AF65-F5344CB8AC3E}">
+        <p14:creationId xmlns:p14="http://schemas.microsoft.com/office/powerpoint/2010/main" val="2374493094"/>
+      </p:ext>
+    </p:extLst>
+  </p:cSld>
+  <p:clrMapOvr>
+    <a:masterClrMapping/>
+  </p:clrMapOvr>
+</p:sld>
+</file>
+
+<file path=ppt/slides/slide19.xml><?xml version="1.0" encoding="utf-8"?>
+<p:sld xmlns:a="http://schemas.openxmlformats.org/drawingml/2006/main" xmlns:r="http://schemas.openxmlformats.org/officeDocument/2006/relationships" xmlns:p="http://schemas.openxmlformats.org/presentationml/2006/main">
+  <p:cSld>
+    <p:spTree>
+      <p:nvGrpSpPr>
+        <p:cNvPr id="1" name=""/>
+        <p:cNvGrpSpPr/>
+        <p:nvPr/>
+      </p:nvGrpSpPr>
+      <p:grpSpPr>
+        <a:xfrm>
+          <a:off x="0" y="0"/>
+          <a:ext cx="0" cy="0"/>
+          <a:chOff x="0" y="0"/>
+          <a:chExt cx="0" cy="0"/>
+        </a:xfrm>
+      </p:grpSpPr>
+      <p:graphicFrame>
+        <p:nvGraphicFramePr>
+          <p:cNvPr id="7" name="Object 6">
+            <a:extLst>
+              <a:ext uri="{FF2B5EF4-FFF2-40B4-BE49-F238E27FC236}">
+                <a16:creationId xmlns:a16="http://schemas.microsoft.com/office/drawing/2014/main" id="{B458489B-4D3C-A0D8-6D67-87F22694AE8A}"/>
+              </a:ext>
+            </a:extLst>
+          </p:cNvPr>
+          <p:cNvGraphicFramePr>
+            <a:graphicFrameLocks noChangeAspect="1"/>
+          </p:cNvGraphicFramePr>
+          <p:nvPr>
+            <p:extLst>
+              <p:ext uri="{D42A27DB-BD31-4B8C-83A1-F6EECF244321}">
+                <p14:modId xmlns:p14="http://schemas.microsoft.com/office/powerpoint/2010/main" val="2583699617"/>
+              </p:ext>
+            </p:extLst>
+          </p:nvPr>
+        </p:nvGraphicFramePr>
+        <p:xfrm>
+          <a:off x="376399" y="1772816"/>
+          <a:ext cx="8801100" cy="3257550"/>
+        </p:xfrm>
+        <a:graphic>
+          <a:graphicData uri="http://schemas.openxmlformats.org/presentationml/2006/ole">
+            <mc:AlternateContent xmlns:mc="http://schemas.openxmlformats.org/markup-compatibility/2006">
+              <mc:Choice xmlns:v="urn:schemas-microsoft-com:vml" Requires="v">
+                <p:oleObj name="Bitmap Image" r:id="rId2" imgW="8801280" imgH="3257640" progId="PBrush">
+                  <p:embed/>
+                </p:oleObj>
+              </mc:Choice>
+              <mc:Fallback>
+                <p:oleObj name="Bitmap Image" r:id="rId2" imgW="8801280" imgH="3257640" progId="PBrush">
+                  <p:embed/>
+                  <p:pic>
+                    <p:nvPicPr>
+                      <p:cNvPr id="0" name=""/>
+                      <p:cNvPicPr/>
+                      <p:nvPr/>
+                    </p:nvPicPr>
+                    <p:blipFill>
+                      <a:blip r:embed="rId3"/>
+                      <a:stretch>
+                        <a:fillRect/>
+                      </a:stretch>
+                    </p:blipFill>
+                    <p:spPr>
+                      <a:xfrm>
+                        <a:off x="376399" y="1772816"/>
+                        <a:ext cx="8801100" cy="3257550"/>
+                      </a:xfrm>
+                      <a:prstGeom prst="rect">
+                        <a:avLst/>
+                      </a:prstGeom>
+                    </p:spPr>
+                  </p:pic>
+                </p:oleObj>
+              </mc:Fallback>
+            </mc:AlternateContent>
+          </a:graphicData>
+        </a:graphic>
+      </p:graphicFrame>
+      <p:sp>
+        <p:nvSpPr>
+          <p:cNvPr id="2" name="標題 1"/>
+          <p:cNvSpPr>
+            <a:spLocks noGrp="1"/>
+          </p:cNvSpPr>
+          <p:nvPr>
+            <p:ph type="ctrTitle"/>
+          </p:nvPr>
+        </p:nvSpPr>
+        <p:spPr>
+          <a:xfrm>
+            <a:off x="0" y="1"/>
+            <a:ext cx="9144000" cy="764704"/>
+          </a:xfrm>
+          <a:gradFill flip="none" rotWithShape="1">
+            <a:gsLst>
+              <a:gs pos="0">
+                <a:srgbClr val="C00000">
+                  <a:shade val="30000"/>
+                  <a:satMod val="115000"/>
+                </a:srgbClr>
+              </a:gs>
+              <a:gs pos="50000">
+                <a:srgbClr val="C00000">
+                  <a:shade val="67500"/>
+                  <a:satMod val="115000"/>
+                </a:srgbClr>
+              </a:gs>
+              <a:gs pos="100000">
+                <a:srgbClr val="C00000">
+                  <a:shade val="100000"/>
+                  <a:satMod val="115000"/>
+                </a:srgbClr>
+              </a:gs>
+            </a:gsLst>
+            <a:path path="circle">
+              <a:fillToRect t="100000" r="100000"/>
+            </a:path>
+            <a:tileRect l="-100000" b="-100000"/>
+          </a:gradFill>
+        </p:spPr>
+        <p:txBody>
+          <a:bodyPr>
+            <a:normAutofit/>
+          </a:bodyPr>
+          <a:lstStyle/>
+          <a:p>
+            <a:pPr algn="l"/>
+            <a:r>
+              <a:rPr lang="en-US" altLang="zh-TW" sz="4000" b="1" dirty="0">
+                <a:solidFill>
+                  <a:srgbClr val="FFFF00"/>
+                </a:solidFill>
+              </a:rPr>
+              <a:t>23.6 Sort Using Ascending Order</a:t>
+            </a:r>
+            <a:endParaRPr lang="zh-TW" altLang="en-US" sz="4000" b="1" dirty="0">
+              <a:solidFill>
+                <a:srgbClr val="FFFF00"/>
+              </a:solidFill>
+            </a:endParaRPr>
+          </a:p>
+        </p:txBody>
+      </p:sp>
+      <p:sp>
+        <p:nvSpPr>
+          <p:cNvPr id="3" name="副標題 2"/>
+          <p:cNvSpPr>
+            <a:spLocks noGrp="1"/>
+          </p:cNvSpPr>
+          <p:nvPr>
+            <p:ph type="subTitle" idx="1"/>
+          </p:nvPr>
+        </p:nvSpPr>
+        <p:spPr>
+          <a:xfrm>
+            <a:off x="467543" y="1268758"/>
+            <a:ext cx="8241831" cy="360042"/>
+          </a:xfrm>
+          <a:ln>
+            <a:solidFill>
+              <a:srgbClr val="C00000"/>
+            </a:solidFill>
+          </a:ln>
+        </p:spPr>
+        <p:txBody>
+          <a:bodyPr>
+            <a:noAutofit/>
+          </a:bodyPr>
+          <a:lstStyle/>
+          <a:p>
+            <a:pPr marL="342900" indent="-342900" algn="l">
+              <a:buClr>
+                <a:srgbClr val="0070C0"/>
+              </a:buClr>
+              <a:buSzPct val="80000"/>
+              <a:buFont typeface="Wingdings" pitchFamily="2" charset="2"/>
+              <a:buChar char="u"/>
+            </a:pPr>
+            <a:r>
+              <a:rPr lang="en-US" sz="1800" b="1" dirty="0">
+                <a:solidFill>
+                  <a:schemeClr val="tx1"/>
+                </a:solidFill>
+              </a:rPr>
+              <a:t>Sort Using Ascending Order</a:t>
+            </a:r>
+            <a:endParaRPr lang="en-US" sz="1800" dirty="0">
+              <a:solidFill>
+                <a:schemeClr val="tx1"/>
+              </a:solidFill>
+            </a:endParaRPr>
+          </a:p>
+        </p:txBody>
+      </p:sp>
+      <p:sp>
+        <p:nvSpPr>
+          <p:cNvPr id="4" name="標題 1"/>
+          <p:cNvSpPr txBox="1">
+            <a:spLocks/>
+          </p:cNvSpPr>
+          <p:nvPr/>
+        </p:nvSpPr>
+        <p:spPr>
+          <a:xfrm>
+            <a:off x="0" y="764704"/>
+            <a:ext cx="9144000" cy="360040"/>
+          </a:xfrm>
+          <a:prstGeom prst="rect">
+            <a:avLst/>
+          </a:prstGeom>
+          <a:gradFill flip="none" rotWithShape="1">
+            <a:gsLst>
+              <a:gs pos="0">
+                <a:srgbClr val="00B0F0">
+                  <a:shade val="30000"/>
+                  <a:satMod val="115000"/>
+                </a:srgbClr>
+              </a:gs>
+              <a:gs pos="50000">
+                <a:srgbClr val="00B0F0">
+                  <a:shade val="67500"/>
+                  <a:satMod val="115000"/>
+                </a:srgbClr>
+              </a:gs>
+              <a:gs pos="100000">
+                <a:srgbClr val="00B0F0">
+                  <a:shade val="100000"/>
+                  <a:satMod val="115000"/>
+                </a:srgbClr>
+              </a:gs>
+            </a:gsLst>
+            <a:path path="circle">
+              <a:fillToRect t="100000" r="100000"/>
+            </a:path>
+            <a:tileRect l="-100000" b="-100000"/>
+          </a:gradFill>
+        </p:spPr>
+        <p:txBody>
+          <a:bodyPr vert="horz" lIns="91440" tIns="45720" rIns="91440" bIns="45720" rtlCol="0" anchor="ctr">
+            <a:normAutofit/>
+          </a:bodyPr>
+          <a:lstStyle/>
+          <a:p>
+            <a:pPr lvl="0">
+              <a:spcBef>
+                <a:spcPct val="0"/>
+              </a:spcBef>
+            </a:pPr>
+            <a:r>
+              <a:rPr lang="en-US" sz="1600" dirty="0"/>
+              <a:t>https://www.youtube.com/watch?v=1j0GqsX2S1I&amp;list=PLk6CEY9XxSIA-xo3HRYC3M0Aitzdut7AA&amp;index=23</a:t>
+            </a:r>
+            <a:endParaRPr kumimoji="0" lang="zh-TW" altLang="en-US" sz="1600" b="0" i="0" u="none" strike="noStrike" kern="1200" cap="none" spc="0" normalizeH="0" baseline="0" noProof="0" dirty="0">
+              <a:ln>
+                <a:noFill/>
+              </a:ln>
+              <a:solidFill>
+                <a:schemeClr val="tx1"/>
+              </a:solidFill>
+              <a:effectLst/>
+              <a:uLnTx/>
+              <a:uFillTx/>
+              <a:latin typeface="+mj-lt"/>
+              <a:ea typeface="+mj-ea"/>
+              <a:cs typeface="+mj-cs"/>
+            </a:endParaRPr>
+          </a:p>
+        </p:txBody>
+      </p:sp>
+      <p:sp>
+        <p:nvSpPr>
+          <p:cNvPr id="5" name="日期版面配置區 4"/>
+          <p:cNvSpPr>
+            <a:spLocks noGrp="1"/>
+          </p:cNvSpPr>
+          <p:nvPr>
+            <p:ph type="dt" sz="half" idx="10"/>
+          </p:nvPr>
+        </p:nvSpPr>
+        <p:spPr/>
+        <p:txBody>
+          <a:bodyPr/>
+          <a:lstStyle/>
+          <a:p>
+            <a:fld id="{A4F910E6-8D00-4BAF-8C48-9688E0B449D3}" type="datetime1">
+              <a:rPr lang="zh-TW" altLang="en-US" smtClean="0"/>
+              <a:pPr/>
+              <a:t>2022/9/30</a:t>
+            </a:fld>
+            <a:endParaRPr lang="zh-TW" altLang="en-US"/>
+          </a:p>
+        </p:txBody>
+      </p:sp>
+      <p:sp>
+        <p:nvSpPr>
+          <p:cNvPr id="6" name="投影片編號版面配置區 5"/>
+          <p:cNvSpPr>
+            <a:spLocks noGrp="1"/>
+          </p:cNvSpPr>
+          <p:nvPr>
+            <p:ph type="sldNum" sz="quarter" idx="12"/>
+          </p:nvPr>
+        </p:nvSpPr>
+        <p:spPr/>
+        <p:txBody>
+          <a:bodyPr/>
+          <a:lstStyle/>
+          <a:p>
+            <a:fld id="{E4D7E63D-91F2-4366-A2C4-1B00C9E2590E}" type="slidenum">
+              <a:rPr lang="zh-TW" altLang="en-US" smtClean="0"/>
+              <a:pPr/>
+              <a:t>19</a:t>
+            </a:fld>
+            <a:endParaRPr lang="zh-TW" altLang="en-US"/>
+          </a:p>
+        </p:txBody>
+      </p:sp>
+      <p:sp>
+        <p:nvSpPr>
+          <p:cNvPr id="17" name="TextBox 16">
+            <a:extLst>
+              <a:ext uri="{FF2B5EF4-FFF2-40B4-BE49-F238E27FC236}">
+                <a16:creationId xmlns:a16="http://schemas.microsoft.com/office/drawing/2014/main" id="{35768E4A-7362-9ED7-00A9-A5F00377166F}"/>
+              </a:ext>
+            </a:extLst>
+          </p:cNvPr>
+          <p:cNvSpPr txBox="1"/>
+          <p:nvPr/>
+        </p:nvSpPr>
+        <p:spPr>
+          <a:xfrm>
+            <a:off x="3851920" y="2924944"/>
+            <a:ext cx="1944216" cy="276999"/>
+          </a:xfrm>
+          <a:prstGeom prst="rect">
+            <a:avLst/>
+          </a:prstGeom>
+          <a:solidFill>
+            <a:srgbClr val="FFFF00"/>
+          </a:solidFill>
+          <a:ln>
+            <a:solidFill>
+              <a:srgbClr val="C00000"/>
+            </a:solidFill>
+          </a:ln>
+        </p:spPr>
+        <p:txBody>
+          <a:bodyPr wrap="square" rtlCol="0">
+            <a:spAutoFit/>
+          </a:bodyPr>
+          <a:lstStyle/>
+          <a:p>
+            <a:r>
+              <a:rPr lang="en-US" sz="1200" dirty="0"/>
+              <a:t>Pass less &lt;int&gt;</a:t>
+            </a:r>
+          </a:p>
+        </p:txBody>
+      </p:sp>
+      <p:sp>
+        <p:nvSpPr>
+          <p:cNvPr id="10" name="Rectangle 9">
+            <a:extLst>
+              <a:ext uri="{FF2B5EF4-FFF2-40B4-BE49-F238E27FC236}">
+                <a16:creationId xmlns:a16="http://schemas.microsoft.com/office/drawing/2014/main" id="{D65CAFA3-B2AB-9DE6-272B-60706B8AA74A}"/>
+              </a:ext>
+            </a:extLst>
+          </p:cNvPr>
+          <p:cNvSpPr/>
+          <p:nvPr/>
+        </p:nvSpPr>
+        <p:spPr>
+          <a:xfrm>
+            <a:off x="3491880" y="2420888"/>
+            <a:ext cx="2257847" cy="303835"/>
+          </a:xfrm>
+          <a:prstGeom prst="rect">
+            <a:avLst/>
+          </a:prstGeom>
+          <a:noFill/>
+          <a:ln>
+            <a:solidFill>
+              <a:srgbClr val="C00000"/>
+            </a:solidFill>
+          </a:ln>
+        </p:spPr>
+        <p:style>
+          <a:lnRef idx="2">
+            <a:schemeClr val="accent1">
+              <a:shade val="50000"/>
+            </a:schemeClr>
+          </a:lnRef>
+          <a:fillRef idx="1">
+            <a:schemeClr val="accent1"/>
+          </a:fillRef>
+          <a:effectRef idx="0">
+            <a:schemeClr val="accent1"/>
+          </a:effectRef>
+          <a:fontRef idx="minor">
+            <a:schemeClr val="lt1"/>
+          </a:fontRef>
+        </p:style>
+        <p:txBody>
+          <a:bodyPr rtlCol="0" anchor="ctr"/>
+          <a:lstStyle/>
+          <a:p>
+            <a:pPr algn="ctr"/>
+            <a:endParaRPr lang="en-US"/>
+          </a:p>
+        </p:txBody>
+      </p:sp>
+    </p:spTree>
+    <p:extLst>
+      <p:ext uri="{BB962C8B-B14F-4D97-AF65-F5344CB8AC3E}">
+        <p14:creationId xmlns:p14="http://schemas.microsoft.com/office/powerpoint/2010/main" val="2826058702"/>
+      </p:ext>
+    </p:extLst>
+  </p:cSld>
+  <p:clrMapOvr>
+    <a:masterClrMapping/>
+  </p:clrMapOvr>
+</p:sld>
+</file>
+
+<file path=ppt/slides/slide2.xml><?xml version="1.0" encoding="utf-8"?>
+<p:sld xmlns:a="http://schemas.openxmlformats.org/drawingml/2006/main" xmlns:r="http://schemas.openxmlformats.org/officeDocument/2006/relationships" xmlns:p="http://schemas.openxmlformats.org/presentationml/2006/main">
+  <p:cSld>
+    <p:spTree>
+      <p:nvGrpSpPr>
+        <p:cNvPr id="1" name=""/>
+        <p:cNvGrpSpPr/>
+        <p:nvPr/>
+      </p:nvGrpSpPr>
+      <p:grpSpPr>
+        <a:xfrm>
+          <a:off x="0" y="0"/>
+          <a:ext cx="0" cy="0"/>
+          <a:chOff x="0" y="0"/>
+          <a:chExt cx="0" cy="0"/>
+        </a:xfrm>
+      </p:grpSpPr>
+      <p:graphicFrame>
+        <p:nvGraphicFramePr>
+          <p:cNvPr id="7" name="Object 6">
+            <a:extLst>
+              <a:ext uri="{FF2B5EF4-FFF2-40B4-BE49-F238E27FC236}">
+                <a16:creationId xmlns:a16="http://schemas.microsoft.com/office/drawing/2014/main" id="{32C89AA6-DEA6-CC8D-5245-448CBED5B920}"/>
+              </a:ext>
+            </a:extLst>
+          </p:cNvPr>
+          <p:cNvGraphicFramePr>
+            <a:graphicFrameLocks noChangeAspect="1"/>
+          </p:cNvGraphicFramePr>
+          <p:nvPr>
+            <p:extLst>
+              <p:ext uri="{D42A27DB-BD31-4B8C-83A1-F6EECF244321}">
+                <p14:modId xmlns:p14="http://schemas.microsoft.com/office/powerpoint/2010/main" val="1097781011"/>
+              </p:ext>
+            </p:extLst>
+          </p:nvPr>
+        </p:nvGraphicFramePr>
+        <p:xfrm>
+          <a:off x="611560" y="1772816"/>
+          <a:ext cx="7258050" cy="4562475"/>
+        </p:xfrm>
+        <a:graphic>
+          <a:graphicData uri="http://schemas.openxmlformats.org/presentationml/2006/ole">
+            <mc:AlternateContent xmlns:mc="http://schemas.openxmlformats.org/markup-compatibility/2006">
+              <mc:Choice xmlns:v="urn:schemas-microsoft-com:vml" Requires="v">
+                <p:oleObj name="Bitmap Image" r:id="rId2" imgW="7257960" imgH="4562640" progId="PBrush">
+                  <p:embed/>
+                </p:oleObj>
+              </mc:Choice>
+              <mc:Fallback>
+                <p:oleObj name="Bitmap Image" r:id="rId2" imgW="7257960" imgH="4562640" progId="PBrush">
+                  <p:embed/>
+                  <p:pic>
+                    <p:nvPicPr>
+                      <p:cNvPr id="0" name=""/>
+                      <p:cNvPicPr/>
+                      <p:nvPr/>
+                    </p:nvPicPr>
+                    <p:blipFill>
+                      <a:blip r:embed="rId3"/>
+                      <a:stretch>
+                        <a:fillRect/>
+                      </a:stretch>
+                    </p:blipFill>
+                    <p:spPr>
+                      <a:xfrm>
+                        <a:off x="611560" y="1772816"/>
+                        <a:ext cx="7258050" cy="4562475"/>
+                      </a:xfrm>
+                      <a:prstGeom prst="rect">
+                        <a:avLst/>
+                      </a:prstGeom>
+                      <a:ln>
+                        <a:solidFill>
+                          <a:srgbClr val="C00000"/>
+                        </a:solidFill>
+                      </a:ln>
+                    </p:spPr>
+                  </p:pic>
+                </p:oleObj>
+              </mc:Fallback>
+            </mc:AlternateContent>
+          </a:graphicData>
+        </a:graphic>
+      </p:graphicFrame>
+      <p:sp>
+        <p:nvSpPr>
+          <p:cNvPr id="2" name="標題 1"/>
+          <p:cNvSpPr>
+            <a:spLocks noGrp="1"/>
+          </p:cNvSpPr>
+          <p:nvPr>
+            <p:ph type="ctrTitle"/>
+          </p:nvPr>
+        </p:nvSpPr>
+        <p:spPr>
+          <a:xfrm>
+            <a:off x="0" y="1"/>
+            <a:ext cx="9144000" cy="764704"/>
+          </a:xfrm>
+          <a:gradFill flip="none" rotWithShape="1">
+            <a:gsLst>
+              <a:gs pos="0">
+                <a:srgbClr val="C00000">
+                  <a:shade val="30000"/>
+                  <a:satMod val="115000"/>
+                </a:srgbClr>
+              </a:gs>
+              <a:gs pos="50000">
+                <a:srgbClr val="C00000">
+                  <a:shade val="67500"/>
+                  <a:satMod val="115000"/>
+                </a:srgbClr>
+              </a:gs>
+              <a:gs pos="100000">
+                <a:srgbClr val="C00000">
+                  <a:shade val="100000"/>
+                  <a:satMod val="115000"/>
+                </a:srgbClr>
+              </a:gs>
+            </a:gsLst>
+            <a:path path="circle">
+              <a:fillToRect t="100000" r="100000"/>
+            </a:path>
+            <a:tileRect l="-100000" b="-100000"/>
+          </a:gradFill>
+        </p:spPr>
+        <p:txBody>
+          <a:bodyPr>
+            <a:normAutofit/>
+          </a:bodyPr>
+          <a:lstStyle/>
+          <a:p>
+            <a:pPr algn="l"/>
+            <a:r>
+              <a:rPr lang="en-US" altLang="zh-TW" sz="4000" b="1" dirty="0">
+                <a:solidFill>
+                  <a:srgbClr val="FFFF00"/>
+                </a:solidFill>
+              </a:rPr>
+              <a:t>23 STL: Sort</a:t>
+            </a:r>
+            <a:endParaRPr lang="zh-TW" altLang="en-US" sz="4000" b="1" dirty="0">
+              <a:solidFill>
+                <a:srgbClr val="FFFF00"/>
+              </a:solidFill>
+            </a:endParaRPr>
+          </a:p>
+        </p:txBody>
+      </p:sp>
+      <p:sp>
+        <p:nvSpPr>
+          <p:cNvPr id="3" name="副標題 2"/>
+          <p:cNvSpPr>
+            <a:spLocks noGrp="1"/>
+          </p:cNvSpPr>
+          <p:nvPr>
+            <p:ph type="subTitle" idx="1"/>
+          </p:nvPr>
+        </p:nvSpPr>
+        <p:spPr>
+          <a:xfrm>
+            <a:off x="467543" y="1268758"/>
+            <a:ext cx="8241831" cy="360042"/>
+          </a:xfrm>
+          <a:ln>
+            <a:solidFill>
+              <a:srgbClr val="C00000"/>
+            </a:solidFill>
+          </a:ln>
+        </p:spPr>
+        <p:txBody>
+          <a:bodyPr>
+            <a:noAutofit/>
+          </a:bodyPr>
+          <a:lstStyle/>
+          <a:p>
+            <a:pPr marL="342900" indent="-342900" algn="l">
+              <a:buClr>
+                <a:srgbClr val="0070C0"/>
+              </a:buClr>
+              <a:buSzPct val="80000"/>
+              <a:buFont typeface="Wingdings" pitchFamily="2" charset="2"/>
+              <a:buChar char="u"/>
+            </a:pPr>
+            <a:r>
+              <a:rPr lang="en-US" sz="1800" b="1" dirty="0">
+                <a:solidFill>
+                  <a:schemeClr val="tx1"/>
+                </a:solidFill>
+              </a:rPr>
+              <a:t>STL: Sort</a:t>
+            </a:r>
+            <a:endParaRPr lang="en-US" sz="1800" dirty="0">
+              <a:solidFill>
+                <a:schemeClr val="tx1"/>
+              </a:solidFill>
+            </a:endParaRPr>
+          </a:p>
+        </p:txBody>
+      </p:sp>
+      <p:sp>
+        <p:nvSpPr>
+          <p:cNvPr id="4" name="標題 1"/>
+          <p:cNvSpPr txBox="1">
+            <a:spLocks/>
+          </p:cNvSpPr>
+          <p:nvPr/>
+        </p:nvSpPr>
+        <p:spPr>
+          <a:xfrm>
+            <a:off x="0" y="764704"/>
+            <a:ext cx="9144000" cy="360040"/>
+          </a:xfrm>
+          <a:prstGeom prst="rect">
+            <a:avLst/>
+          </a:prstGeom>
+          <a:gradFill flip="none" rotWithShape="1">
+            <a:gsLst>
+              <a:gs pos="0">
+                <a:srgbClr val="00B0F0">
+                  <a:shade val="30000"/>
+                  <a:satMod val="115000"/>
+                </a:srgbClr>
+              </a:gs>
+              <a:gs pos="50000">
+                <a:srgbClr val="00B0F0">
+                  <a:shade val="67500"/>
+                  <a:satMod val="115000"/>
+                </a:srgbClr>
+              </a:gs>
+              <a:gs pos="100000">
+                <a:srgbClr val="00B0F0">
+                  <a:shade val="100000"/>
+                  <a:satMod val="115000"/>
+                </a:srgbClr>
+              </a:gs>
+            </a:gsLst>
+            <a:path path="circle">
+              <a:fillToRect t="100000" r="100000"/>
+            </a:path>
+            <a:tileRect l="-100000" b="-100000"/>
+          </a:gradFill>
+        </p:spPr>
+        <p:txBody>
+          <a:bodyPr vert="horz" lIns="91440" tIns="45720" rIns="91440" bIns="45720" rtlCol="0" anchor="ctr">
+            <a:normAutofit/>
+          </a:bodyPr>
+          <a:lstStyle/>
+          <a:p>
+            <a:pPr lvl="0">
+              <a:spcBef>
+                <a:spcPct val="0"/>
+              </a:spcBef>
+            </a:pPr>
+            <a:r>
+              <a:rPr lang="en-US" sz="1600" dirty="0"/>
+              <a:t>https://www.youtube.com/watch?v=1j0GqsX2S1I&amp;list=PLk6CEY9XxSIA-xo3HRYC3M0Aitzdut7AA&amp;index=23</a:t>
+            </a:r>
+            <a:endParaRPr kumimoji="0" lang="zh-TW" altLang="en-US" sz="1600" b="0" i="0" u="none" strike="noStrike" kern="1200" cap="none" spc="0" normalizeH="0" baseline="0" noProof="0" dirty="0">
+              <a:ln>
+                <a:noFill/>
+              </a:ln>
+              <a:solidFill>
+                <a:schemeClr val="tx1"/>
+              </a:solidFill>
+              <a:effectLst/>
+              <a:uLnTx/>
+              <a:uFillTx/>
+              <a:latin typeface="+mj-lt"/>
+              <a:ea typeface="+mj-ea"/>
+              <a:cs typeface="+mj-cs"/>
+            </a:endParaRPr>
+          </a:p>
+        </p:txBody>
+      </p:sp>
+      <p:sp>
+        <p:nvSpPr>
+          <p:cNvPr id="5" name="日期版面配置區 4"/>
+          <p:cNvSpPr>
+            <a:spLocks noGrp="1"/>
+          </p:cNvSpPr>
+          <p:nvPr>
+            <p:ph type="dt" sz="half" idx="10"/>
+          </p:nvPr>
+        </p:nvSpPr>
+        <p:spPr/>
+        <p:txBody>
+          <a:bodyPr/>
+          <a:lstStyle/>
+          <a:p>
+            <a:fld id="{A4F910E6-8D00-4BAF-8C48-9688E0B449D3}" type="datetime1">
+              <a:rPr lang="zh-TW" altLang="en-US" smtClean="0"/>
+              <a:pPr/>
+              <a:t>2022/9/30</a:t>
+            </a:fld>
+            <a:endParaRPr lang="zh-TW" altLang="en-US"/>
+          </a:p>
+        </p:txBody>
+      </p:sp>
+      <p:sp>
+        <p:nvSpPr>
+          <p:cNvPr id="6" name="投影片編號版面配置區 5"/>
+          <p:cNvSpPr>
+            <a:spLocks noGrp="1"/>
+          </p:cNvSpPr>
+          <p:nvPr>
+            <p:ph type="sldNum" sz="quarter" idx="12"/>
+          </p:nvPr>
+        </p:nvSpPr>
+        <p:spPr/>
+        <p:txBody>
+          <a:bodyPr/>
+          <a:lstStyle/>
+          <a:p>
+            <a:fld id="{E4D7E63D-91F2-4366-A2C4-1B00C9E2590E}" type="slidenum">
+              <a:rPr lang="zh-TW" altLang="en-US" smtClean="0"/>
+              <a:pPr/>
+              <a:t>2</a:t>
+            </a:fld>
+            <a:endParaRPr lang="zh-TW" altLang="en-US"/>
+          </a:p>
+        </p:txBody>
+      </p:sp>
+    </p:spTree>
+    <p:extLst>
+      <p:ext uri="{BB962C8B-B14F-4D97-AF65-F5344CB8AC3E}">
+        <p14:creationId xmlns:p14="http://schemas.microsoft.com/office/powerpoint/2010/main" val="3382712547"/>
+      </p:ext>
+    </p:extLst>
+  </p:cSld>
+  <p:clrMapOvr>
+    <a:masterClrMapping/>
+  </p:clrMapOvr>
+</p:sld>
+</file>
+
+<file path=ppt/slides/slide20.xml><?xml version="1.0" encoding="utf-8"?>
+<p:sld xmlns:a="http://schemas.openxmlformats.org/drawingml/2006/main" xmlns:r="http://schemas.openxmlformats.org/officeDocument/2006/relationships" xmlns:p="http://schemas.openxmlformats.org/presentationml/2006/main">
+  <p:cSld>
+    <p:spTree>
+      <p:nvGrpSpPr>
+        <p:cNvPr id="1" name=""/>
+        <p:cNvGrpSpPr/>
+        <p:nvPr/>
+      </p:nvGrpSpPr>
+      <p:grpSpPr>
+        <a:xfrm>
+          <a:off x="0" y="0"/>
+          <a:ext cx="0" cy="0"/>
+          <a:chOff x="0" y="0"/>
+          <a:chExt cx="0" cy="0"/>
+        </a:xfrm>
+      </p:grpSpPr>
+      <p:graphicFrame>
+        <p:nvGraphicFramePr>
+          <p:cNvPr id="7" name="Object 6">
+            <a:extLst>
+              <a:ext uri="{FF2B5EF4-FFF2-40B4-BE49-F238E27FC236}">
+                <a16:creationId xmlns:a16="http://schemas.microsoft.com/office/drawing/2014/main" id="{953A2314-C6C6-15BC-44F0-7900E7FEA074}"/>
+              </a:ext>
+            </a:extLst>
+          </p:cNvPr>
+          <p:cNvGraphicFramePr>
+            <a:graphicFrameLocks noChangeAspect="1"/>
+          </p:cNvGraphicFramePr>
+          <p:nvPr>
+            <p:extLst>
+              <p:ext uri="{D42A27DB-BD31-4B8C-83A1-F6EECF244321}">
+                <p14:modId xmlns:p14="http://schemas.microsoft.com/office/powerpoint/2010/main" val="3569005830"/>
+              </p:ext>
+            </p:extLst>
+          </p:nvPr>
+        </p:nvGraphicFramePr>
+        <p:xfrm>
+          <a:off x="103125" y="2420888"/>
+          <a:ext cx="9020175" cy="1504950"/>
+        </p:xfrm>
+        <a:graphic>
+          <a:graphicData uri="http://schemas.openxmlformats.org/presentationml/2006/ole">
+            <mc:AlternateContent xmlns:mc="http://schemas.openxmlformats.org/markup-compatibility/2006">
+              <mc:Choice xmlns:v="urn:schemas-microsoft-com:vml" Requires="v">
+                <p:oleObj name="Bitmap Image" r:id="rId2" imgW="9020160" imgH="1504800" progId="PBrush">
+                  <p:embed/>
+                </p:oleObj>
+              </mc:Choice>
+              <mc:Fallback>
+                <p:oleObj name="Bitmap Image" r:id="rId2" imgW="9020160" imgH="1504800" progId="PBrush">
+                  <p:embed/>
+                  <p:pic>
+                    <p:nvPicPr>
+                      <p:cNvPr id="0" name=""/>
+                      <p:cNvPicPr/>
+                      <p:nvPr/>
+                    </p:nvPicPr>
+                    <p:blipFill>
+                      <a:blip r:embed="rId3"/>
+                      <a:stretch>
+                        <a:fillRect/>
+                      </a:stretch>
+                    </p:blipFill>
+                    <p:spPr>
+                      <a:xfrm>
+                        <a:off x="103125" y="2420888"/>
+                        <a:ext cx="9020175" cy="1504950"/>
+                      </a:xfrm>
+                      <a:prstGeom prst="rect">
+                        <a:avLst/>
+                      </a:prstGeom>
+                      <a:ln>
+                        <a:solidFill>
+                          <a:srgbClr val="C00000"/>
+                        </a:solidFill>
+                      </a:ln>
+                    </p:spPr>
+                  </p:pic>
+                </p:oleObj>
+              </mc:Fallback>
+            </mc:AlternateContent>
+          </a:graphicData>
+        </a:graphic>
+      </p:graphicFrame>
+      <p:sp>
+        <p:nvSpPr>
+          <p:cNvPr id="2" name="標題 1"/>
+          <p:cNvSpPr>
+            <a:spLocks noGrp="1"/>
+          </p:cNvSpPr>
+          <p:nvPr>
+            <p:ph type="ctrTitle"/>
+          </p:nvPr>
+        </p:nvSpPr>
+        <p:spPr>
+          <a:xfrm>
+            <a:off x="0" y="1"/>
+            <a:ext cx="9144000" cy="764704"/>
+          </a:xfrm>
+          <a:gradFill flip="none" rotWithShape="1">
+            <a:gsLst>
+              <a:gs pos="0">
+                <a:srgbClr val="C00000">
+                  <a:shade val="30000"/>
+                  <a:satMod val="115000"/>
+                </a:srgbClr>
+              </a:gs>
+              <a:gs pos="50000">
+                <a:srgbClr val="C00000">
+                  <a:shade val="67500"/>
+                  <a:satMod val="115000"/>
+                </a:srgbClr>
+              </a:gs>
+              <a:gs pos="100000">
+                <a:srgbClr val="C00000">
+                  <a:shade val="100000"/>
+                  <a:satMod val="115000"/>
+                </a:srgbClr>
+              </a:gs>
+            </a:gsLst>
+            <a:path path="circle">
+              <a:fillToRect t="100000" r="100000"/>
+            </a:path>
+            <a:tileRect l="-100000" b="-100000"/>
+          </a:gradFill>
+        </p:spPr>
+        <p:txBody>
+          <a:bodyPr>
+            <a:normAutofit/>
+          </a:bodyPr>
+          <a:lstStyle/>
+          <a:p>
+            <a:pPr algn="l"/>
+            <a:r>
+              <a:rPr lang="en-US" altLang="zh-TW" sz="4000" b="1" dirty="0">
+                <a:solidFill>
+                  <a:srgbClr val="FFFF00"/>
+                </a:solidFill>
+              </a:rPr>
+              <a:t>23.6 Sort Using Ascending Order</a:t>
+            </a:r>
+            <a:endParaRPr lang="zh-TW" altLang="en-US" sz="4000" b="1" dirty="0">
+              <a:solidFill>
+                <a:srgbClr val="FFFF00"/>
+              </a:solidFill>
+            </a:endParaRPr>
+          </a:p>
+        </p:txBody>
+      </p:sp>
+      <p:sp>
+        <p:nvSpPr>
+          <p:cNvPr id="3" name="副標題 2"/>
+          <p:cNvSpPr>
+            <a:spLocks noGrp="1"/>
+          </p:cNvSpPr>
+          <p:nvPr>
+            <p:ph type="subTitle" idx="1"/>
+          </p:nvPr>
+        </p:nvSpPr>
+        <p:spPr>
+          <a:xfrm>
+            <a:off x="467543" y="1268758"/>
+            <a:ext cx="8241831" cy="360042"/>
+          </a:xfrm>
+          <a:ln>
+            <a:solidFill>
+              <a:srgbClr val="C00000"/>
+            </a:solidFill>
+          </a:ln>
+        </p:spPr>
+        <p:txBody>
+          <a:bodyPr>
+            <a:noAutofit/>
+          </a:bodyPr>
+          <a:lstStyle/>
+          <a:p>
+            <a:pPr marL="342900" indent="-342900" algn="l">
+              <a:buClr>
+                <a:srgbClr val="0070C0"/>
+              </a:buClr>
+              <a:buSzPct val="80000"/>
+              <a:buFont typeface="Wingdings" pitchFamily="2" charset="2"/>
+              <a:buChar char="u"/>
+            </a:pPr>
+            <a:r>
+              <a:rPr lang="en-US" sz="1800" b="1" dirty="0">
+                <a:solidFill>
+                  <a:schemeClr val="tx1"/>
+                </a:solidFill>
+              </a:rPr>
+              <a:t>Sort Using Ascending Order</a:t>
+            </a:r>
+            <a:endParaRPr lang="en-US" sz="1800" dirty="0">
+              <a:solidFill>
+                <a:schemeClr val="tx1"/>
+              </a:solidFill>
+            </a:endParaRPr>
+          </a:p>
+        </p:txBody>
+      </p:sp>
+      <p:sp>
+        <p:nvSpPr>
+          <p:cNvPr id="4" name="標題 1"/>
+          <p:cNvSpPr txBox="1">
+            <a:spLocks/>
+          </p:cNvSpPr>
+          <p:nvPr/>
+        </p:nvSpPr>
+        <p:spPr>
+          <a:xfrm>
+            <a:off x="0" y="764704"/>
+            <a:ext cx="9144000" cy="360040"/>
+          </a:xfrm>
+          <a:prstGeom prst="rect">
+            <a:avLst/>
+          </a:prstGeom>
+          <a:gradFill flip="none" rotWithShape="1">
+            <a:gsLst>
+              <a:gs pos="0">
+                <a:srgbClr val="00B0F0">
+                  <a:shade val="30000"/>
+                  <a:satMod val="115000"/>
+                </a:srgbClr>
+              </a:gs>
+              <a:gs pos="50000">
+                <a:srgbClr val="00B0F0">
+                  <a:shade val="67500"/>
+                  <a:satMod val="115000"/>
+                </a:srgbClr>
+              </a:gs>
+              <a:gs pos="100000">
+                <a:srgbClr val="00B0F0">
+                  <a:shade val="100000"/>
+                  <a:satMod val="115000"/>
+                </a:srgbClr>
+              </a:gs>
+            </a:gsLst>
+            <a:path path="circle">
+              <a:fillToRect t="100000" r="100000"/>
+            </a:path>
+            <a:tileRect l="-100000" b="-100000"/>
+          </a:gradFill>
+        </p:spPr>
+        <p:txBody>
+          <a:bodyPr vert="horz" lIns="91440" tIns="45720" rIns="91440" bIns="45720" rtlCol="0" anchor="ctr">
+            <a:normAutofit/>
+          </a:bodyPr>
+          <a:lstStyle/>
+          <a:p>
+            <a:pPr lvl="0">
+              <a:spcBef>
+                <a:spcPct val="0"/>
+              </a:spcBef>
+            </a:pPr>
+            <a:r>
+              <a:rPr lang="en-US" sz="1600" dirty="0"/>
+              <a:t>https://www.youtube.com/watch?v=1j0GqsX2S1I&amp;list=PLk6CEY9XxSIA-xo3HRYC3M0Aitzdut7AA&amp;index=23</a:t>
+            </a:r>
+            <a:endParaRPr kumimoji="0" lang="zh-TW" altLang="en-US" sz="1600" b="0" i="0" u="none" strike="noStrike" kern="1200" cap="none" spc="0" normalizeH="0" baseline="0" noProof="0" dirty="0">
+              <a:ln>
+                <a:noFill/>
+              </a:ln>
+              <a:solidFill>
+                <a:schemeClr val="tx1"/>
+              </a:solidFill>
+              <a:effectLst/>
+              <a:uLnTx/>
+              <a:uFillTx/>
+              <a:latin typeface="+mj-lt"/>
+              <a:ea typeface="+mj-ea"/>
+              <a:cs typeface="+mj-cs"/>
+            </a:endParaRPr>
+          </a:p>
+        </p:txBody>
+      </p:sp>
+      <p:sp>
+        <p:nvSpPr>
+          <p:cNvPr id="5" name="日期版面配置區 4"/>
+          <p:cNvSpPr>
+            <a:spLocks noGrp="1"/>
+          </p:cNvSpPr>
+          <p:nvPr>
+            <p:ph type="dt" sz="half" idx="10"/>
+          </p:nvPr>
+        </p:nvSpPr>
+        <p:spPr/>
+        <p:txBody>
+          <a:bodyPr/>
+          <a:lstStyle/>
+          <a:p>
+            <a:fld id="{A4F910E6-8D00-4BAF-8C48-9688E0B449D3}" type="datetime1">
+              <a:rPr lang="zh-TW" altLang="en-US" smtClean="0"/>
+              <a:pPr/>
+              <a:t>2022/9/30</a:t>
+            </a:fld>
+            <a:endParaRPr lang="zh-TW" altLang="en-US"/>
+          </a:p>
+        </p:txBody>
+      </p:sp>
+      <p:sp>
+        <p:nvSpPr>
+          <p:cNvPr id="6" name="投影片編號版面配置區 5"/>
+          <p:cNvSpPr>
+            <a:spLocks noGrp="1"/>
+          </p:cNvSpPr>
+          <p:nvPr>
+            <p:ph type="sldNum" sz="quarter" idx="12"/>
+          </p:nvPr>
+        </p:nvSpPr>
+        <p:spPr/>
+        <p:txBody>
+          <a:bodyPr/>
+          <a:lstStyle/>
+          <a:p>
+            <a:fld id="{E4D7E63D-91F2-4366-A2C4-1B00C9E2590E}" type="slidenum">
+              <a:rPr lang="zh-TW" altLang="en-US" smtClean="0"/>
+              <a:pPr/>
+              <a:t>20</a:t>
+            </a:fld>
+            <a:endParaRPr lang="zh-TW" altLang="en-US"/>
+          </a:p>
+        </p:txBody>
+      </p:sp>
+      <p:sp>
+        <p:nvSpPr>
+          <p:cNvPr id="10" name="Rectangle 9">
+            <a:extLst>
+              <a:ext uri="{FF2B5EF4-FFF2-40B4-BE49-F238E27FC236}">
+                <a16:creationId xmlns:a16="http://schemas.microsoft.com/office/drawing/2014/main" id="{381403C9-847C-3FD2-7EC8-09E19D2176DF}"/>
+              </a:ext>
+            </a:extLst>
+          </p:cNvPr>
+          <p:cNvSpPr/>
+          <p:nvPr/>
+        </p:nvSpPr>
+        <p:spPr>
+          <a:xfrm>
+            <a:off x="5054530" y="2636912"/>
+            <a:ext cx="3672408" cy="1008112"/>
+          </a:xfrm>
+          <a:prstGeom prst="rect">
+            <a:avLst/>
+          </a:prstGeom>
+          <a:noFill/>
+          <a:ln>
+            <a:solidFill>
+              <a:srgbClr val="C00000"/>
+            </a:solidFill>
+          </a:ln>
+        </p:spPr>
+        <p:style>
+          <a:lnRef idx="2">
+            <a:schemeClr val="accent1">
+              <a:shade val="50000"/>
+            </a:schemeClr>
+          </a:lnRef>
+          <a:fillRef idx="1">
+            <a:schemeClr val="accent1"/>
+          </a:fillRef>
+          <a:effectRef idx="0">
+            <a:schemeClr val="accent1"/>
+          </a:effectRef>
+          <a:fontRef idx="minor">
+            <a:schemeClr val="lt1"/>
+          </a:fontRef>
+        </p:style>
+        <p:txBody>
+          <a:bodyPr rtlCol="0" anchor="ctr"/>
+          <a:lstStyle/>
+          <a:p>
+            <a:pPr algn="ctr"/>
+            <a:endParaRPr lang="en-US"/>
+          </a:p>
+        </p:txBody>
+      </p:sp>
+      <p:sp>
+        <p:nvSpPr>
+          <p:cNvPr id="11" name="Rectangle 10">
+            <a:extLst>
+              <a:ext uri="{FF2B5EF4-FFF2-40B4-BE49-F238E27FC236}">
+                <a16:creationId xmlns:a16="http://schemas.microsoft.com/office/drawing/2014/main" id="{2A3EB549-B081-DA4E-35F4-CFD867BA6731}"/>
+              </a:ext>
+            </a:extLst>
+          </p:cNvPr>
+          <p:cNvSpPr/>
+          <p:nvPr/>
+        </p:nvSpPr>
+        <p:spPr>
+          <a:xfrm>
+            <a:off x="107504" y="2924944"/>
+            <a:ext cx="1586351" cy="648072"/>
+          </a:xfrm>
+          <a:prstGeom prst="rect">
+            <a:avLst/>
+          </a:prstGeom>
+          <a:noFill/>
+          <a:ln>
+            <a:solidFill>
+              <a:srgbClr val="C00000"/>
+            </a:solidFill>
+          </a:ln>
+        </p:spPr>
+        <p:style>
+          <a:lnRef idx="2">
+            <a:schemeClr val="accent1">
+              <a:shade val="50000"/>
+            </a:schemeClr>
+          </a:lnRef>
+          <a:fillRef idx="1">
+            <a:schemeClr val="accent1"/>
+          </a:fillRef>
+          <a:effectRef idx="0">
+            <a:schemeClr val="accent1"/>
+          </a:effectRef>
+          <a:fontRef idx="minor">
+            <a:schemeClr val="lt1"/>
+          </a:fontRef>
+        </p:style>
+        <p:txBody>
+          <a:bodyPr rtlCol="0" anchor="ctr"/>
+          <a:lstStyle/>
+          <a:p>
+            <a:pPr algn="ctr"/>
+            <a:endParaRPr lang="en-US"/>
+          </a:p>
+        </p:txBody>
+      </p:sp>
+      <p:cxnSp>
+        <p:nvCxnSpPr>
+          <p:cNvPr id="15" name="Straight Arrow Connector 14">
+            <a:extLst>
+              <a:ext uri="{FF2B5EF4-FFF2-40B4-BE49-F238E27FC236}">
+                <a16:creationId xmlns:a16="http://schemas.microsoft.com/office/drawing/2014/main" id="{EB74A029-9278-7E82-D516-3462FA970B09}"/>
+              </a:ext>
+            </a:extLst>
+          </p:cNvPr>
+          <p:cNvCxnSpPr>
+            <a:cxnSpLocks/>
+            <a:stCxn id="10" idx="1"/>
+            <a:endCxn id="11" idx="3"/>
+          </p:cNvCxnSpPr>
+          <p:nvPr/>
+        </p:nvCxnSpPr>
+        <p:spPr>
+          <a:xfrm flipH="1">
+            <a:off x="1693855" y="3140968"/>
+            <a:ext cx="3360675" cy="108012"/>
+          </a:xfrm>
+          <a:prstGeom prst="straightConnector1">
+            <a:avLst/>
+          </a:prstGeom>
+          <a:ln>
+            <a:tailEnd type="triangle"/>
+          </a:ln>
+        </p:spPr>
+        <p:style>
+          <a:lnRef idx="1">
+            <a:schemeClr val="accent2"/>
+          </a:lnRef>
+          <a:fillRef idx="0">
+            <a:schemeClr val="accent2"/>
+          </a:fillRef>
+          <a:effectRef idx="0">
+            <a:schemeClr val="accent2"/>
+          </a:effectRef>
+          <a:fontRef idx="minor">
+            <a:schemeClr val="tx1"/>
+          </a:fontRef>
+        </p:style>
+      </p:cxnSp>
+      <p:sp>
+        <p:nvSpPr>
+          <p:cNvPr id="22" name="TextBox 21">
+            <a:extLst>
+              <a:ext uri="{FF2B5EF4-FFF2-40B4-BE49-F238E27FC236}">
+                <a16:creationId xmlns:a16="http://schemas.microsoft.com/office/drawing/2014/main" id="{CEFF3533-7800-1555-7F7B-0710C7FAC409}"/>
+              </a:ext>
+            </a:extLst>
+          </p:cNvPr>
+          <p:cNvSpPr txBox="1"/>
+          <p:nvPr/>
+        </p:nvSpPr>
+        <p:spPr>
+          <a:xfrm>
+            <a:off x="5846618" y="3717032"/>
+            <a:ext cx="2486560" cy="276999"/>
+          </a:xfrm>
+          <a:prstGeom prst="rect">
+            <a:avLst/>
+          </a:prstGeom>
+          <a:solidFill>
+            <a:srgbClr val="FFFF00"/>
+          </a:solidFill>
+          <a:ln>
+            <a:solidFill>
+              <a:srgbClr val="C00000"/>
+            </a:solidFill>
+          </a:ln>
+        </p:spPr>
+        <p:txBody>
+          <a:bodyPr wrap="square" rtlCol="0">
+            <a:spAutoFit/>
+          </a:bodyPr>
+          <a:lstStyle/>
+          <a:p>
+            <a:r>
+              <a:rPr lang="en-US" sz="1200" dirty="0"/>
+              <a:t>Ascending order</a:t>
+            </a:r>
+          </a:p>
+        </p:txBody>
+      </p:sp>
+    </p:spTree>
+    <p:extLst>
+      <p:ext uri="{BB962C8B-B14F-4D97-AF65-F5344CB8AC3E}">
+        <p14:creationId xmlns:p14="http://schemas.microsoft.com/office/powerpoint/2010/main" val="982187939"/>
+      </p:ext>
+    </p:extLst>
+  </p:cSld>
+  <p:clrMapOvr>
+    <a:masterClrMapping/>
+  </p:clrMapOvr>
+</p:sld>
+</file>
+
+<file path=ppt/slides/slide21.xml><?xml version="1.0" encoding="utf-8"?>
+<p:sld xmlns:a="http://schemas.openxmlformats.org/drawingml/2006/main" xmlns:r="http://schemas.openxmlformats.org/officeDocument/2006/relationships" xmlns:p="http://schemas.openxmlformats.org/presentationml/2006/main">
+  <p:cSld>
+    <p:spTree>
+      <p:nvGrpSpPr>
+        <p:cNvPr id="1" name=""/>
+        <p:cNvGrpSpPr/>
+        <p:nvPr/>
+      </p:nvGrpSpPr>
+      <p:grpSpPr>
+        <a:xfrm>
+          <a:off x="0" y="0"/>
+          <a:ext cx="0" cy="0"/>
+          <a:chOff x="0" y="0"/>
+          <a:chExt cx="0" cy="0"/>
+        </a:xfrm>
+      </p:grpSpPr>
+      <p:sp>
+        <p:nvSpPr>
+          <p:cNvPr id="2" name="標題 1"/>
+          <p:cNvSpPr>
+            <a:spLocks noGrp="1"/>
+          </p:cNvSpPr>
+          <p:nvPr>
+            <p:ph type="ctrTitle"/>
+          </p:nvPr>
+        </p:nvSpPr>
+        <p:spPr>
+          <a:xfrm>
+            <a:off x="0" y="2130425"/>
+            <a:ext cx="9144000" cy="1470025"/>
+          </a:xfrm>
+          <a:gradFill flip="none" rotWithShape="1">
+            <a:gsLst>
+              <a:gs pos="0">
+                <a:srgbClr val="00B0F0">
+                  <a:shade val="30000"/>
+                  <a:satMod val="115000"/>
+                </a:srgbClr>
+              </a:gs>
+              <a:gs pos="50000">
+                <a:srgbClr val="00B0F0">
+                  <a:shade val="67500"/>
+                  <a:satMod val="115000"/>
+                </a:srgbClr>
+              </a:gs>
+              <a:gs pos="100000">
+                <a:srgbClr val="00B0F0">
+                  <a:shade val="100000"/>
+                  <a:satMod val="115000"/>
+                </a:srgbClr>
+              </a:gs>
+            </a:gsLst>
+            <a:path path="circle">
+              <a:fillToRect t="100000" r="100000"/>
+            </a:path>
+            <a:tileRect l="-100000" b="-100000"/>
+          </a:gradFill>
+        </p:spPr>
+        <p:txBody>
           <a:bodyPr>
             <a:normAutofit/>
           </a:bodyPr>
@@ -4032,7 +8469,121 @@
             <a:fld id="{4E46BE27-E923-4EC2-B046-3272AE2A3E5C}" type="datetime1">
               <a:rPr lang="zh-TW" altLang="en-US" smtClean="0"/>
               <a:pPr/>
-              <a:t>2022/9/29</a:t>
+              <a:t>2022/9/30</a:t>
+            </a:fld>
+            <a:endParaRPr lang="zh-TW" altLang="en-US"/>
+          </a:p>
+        </p:txBody>
+      </p:sp>
+      <p:sp>
+        <p:nvSpPr>
+          <p:cNvPr id="6" name="投影片編號版面配置區 5"/>
+          <p:cNvSpPr>
+            <a:spLocks noGrp="1"/>
+          </p:cNvSpPr>
+          <p:nvPr>
+            <p:ph type="sldNum" sz="quarter" idx="12"/>
+          </p:nvPr>
+        </p:nvSpPr>
+        <p:spPr/>
+        <p:txBody>
+          <a:bodyPr/>
+          <a:lstStyle/>
+          <a:p>
+            <a:fld id="{E4D7E63D-91F2-4366-A2C4-1B00C9E2590E}" type="slidenum">
+              <a:rPr lang="zh-TW" altLang="en-US" smtClean="0"/>
+              <a:pPr/>
+              <a:t>21</a:t>
+            </a:fld>
+            <a:endParaRPr lang="zh-TW" altLang="en-US"/>
+          </a:p>
+        </p:txBody>
+      </p:sp>
+    </p:spTree>
+  </p:cSld>
+  <p:clrMapOvr>
+    <a:masterClrMapping/>
+  </p:clrMapOvr>
+</p:sld>
+</file>
+
+<file path=ppt/slides/slide3.xml><?xml version="1.0" encoding="utf-8"?>
+<p:sld xmlns:a="http://schemas.openxmlformats.org/drawingml/2006/main" xmlns:r="http://schemas.openxmlformats.org/officeDocument/2006/relationships" xmlns:p="http://schemas.openxmlformats.org/presentationml/2006/main">
+  <p:cSld>
+    <p:spTree>
+      <p:nvGrpSpPr>
+        <p:cNvPr id="1" name=""/>
+        <p:cNvGrpSpPr/>
+        <p:nvPr/>
+      </p:nvGrpSpPr>
+      <p:grpSpPr>
+        <a:xfrm>
+          <a:off x="0" y="0"/>
+          <a:ext cx="0" cy="0"/>
+          <a:chOff x="0" y="0"/>
+          <a:chExt cx="0" cy="0"/>
+        </a:xfrm>
+      </p:grpSpPr>
+      <p:sp>
+        <p:nvSpPr>
+          <p:cNvPr id="2" name="標題 1"/>
+          <p:cNvSpPr>
+            <a:spLocks noGrp="1"/>
+          </p:cNvSpPr>
+          <p:nvPr>
+            <p:ph type="ctrTitle"/>
+          </p:nvPr>
+        </p:nvSpPr>
+        <p:spPr>
+          <a:xfrm>
+            <a:off x="0" y="2130425"/>
+            <a:ext cx="9144000" cy="1470025"/>
+          </a:xfrm>
+          <a:solidFill>
+            <a:srgbClr val="00B0F0"/>
+          </a:solidFill>
+        </p:spPr>
+        <p:txBody>
+          <a:bodyPr>
+            <a:normAutofit/>
+          </a:bodyPr>
+          <a:lstStyle/>
+          <a:p>
+            <a:r>
+              <a:rPr lang="en-US" altLang="zh-TW" sz="4000" b="1" dirty="0">
+                <a:solidFill>
+                  <a:srgbClr val="FFFF00"/>
+                </a:solidFill>
+              </a:rPr>
+              <a:t>23.1 Sort Integral Data</a:t>
+            </a:r>
+            <a:endParaRPr lang="zh-TW" altLang="en-US" sz="4000" b="1" dirty="0">
+              <a:solidFill>
+                <a:srgbClr val="FFFF00"/>
+              </a:solidFill>
+            </a:endParaRPr>
+          </a:p>
+        </p:txBody>
+      </p:sp>
+      <p:sp>
+        <p:nvSpPr>
+          <p:cNvPr id="5" name="日期版面配置區 4"/>
+          <p:cNvSpPr>
+            <a:spLocks noGrp="1"/>
+          </p:cNvSpPr>
+          <p:nvPr>
+            <p:ph type="dt" sz="half" idx="10"/>
+          </p:nvPr>
+        </p:nvSpPr>
+        <p:spPr/>
+        <p:txBody>
+          <a:bodyPr/>
+          <a:lstStyle/>
+          <a:p>
+            <a:fld id="{C389EDC9-19E3-47AC-9C57-C6A24DEA81AD}" type="datetime1">
+              <a:rPr lang="zh-TW" altLang="en-US" smtClean="0"/>
+              <a:pPr/>
+              <a:t>2022/9/30</a:t>
             </a:fld>
             <a:endParaRPr lang="zh-TW" altLang="en-US"/>
           </a:p>
@@ -4062,7 +8613,2021 @@
           </a:p>
         </p:txBody>
       </p:sp>
+      <p:pic>
+        <p:nvPicPr>
+          <p:cNvPr id="4" name="Picture 2" descr="C/C++ Development Company - ScienceSoft">
+            <a:extLst>
+              <a:ext uri="{FF2B5EF4-FFF2-40B4-BE49-F238E27FC236}">
+                <a16:creationId xmlns:a16="http://schemas.microsoft.com/office/drawing/2014/main" id="{8E9DE243-CE6E-577A-2ABF-18A237D84C20}"/>
+              </a:ext>
+            </a:extLst>
+          </p:cNvPr>
+          <p:cNvPicPr>
+            <a:picLocks noChangeAspect="1" noChangeArrowheads="1"/>
+          </p:cNvPicPr>
+          <p:nvPr/>
+        </p:nvPicPr>
+        <p:blipFill>
+          <a:blip r:embed="rId2">
+            <a:extLst>
+              <a:ext uri="{28A0092B-C50C-407E-A947-70E740481C1C}">
+                <a14:useLocalDpi xmlns:a14="http://schemas.microsoft.com/office/drawing/2010/main" val="0"/>
+              </a:ext>
+            </a:extLst>
+          </a:blip>
+          <a:srcRect/>
+          <a:stretch>
+            <a:fillRect/>
+          </a:stretch>
+        </p:blipFill>
+        <p:spPr bwMode="auto">
+          <a:xfrm>
+            <a:off x="3563888" y="3861048"/>
+            <a:ext cx="1656184" cy="690077"/>
+          </a:xfrm>
+          <a:prstGeom prst="rect">
+            <a:avLst/>
+          </a:prstGeom>
+          <a:noFill/>
+          <a:extLst>
+            <a:ext uri="{909E8E84-426E-40DD-AFC4-6F175D3DCCD1}">
+              <a14:hiddenFill xmlns:a14="http://schemas.microsoft.com/office/drawing/2010/main">
+                <a:solidFill>
+                  <a:srgbClr val="FFFFFF"/>
+                </a:solidFill>
+              </a14:hiddenFill>
+            </a:ext>
+          </a:extLst>
+        </p:spPr>
+      </p:pic>
     </p:spTree>
+    <p:extLst>
+      <p:ext uri="{BB962C8B-B14F-4D97-AF65-F5344CB8AC3E}">
+        <p14:creationId xmlns:p14="http://schemas.microsoft.com/office/powerpoint/2010/main" val="801070239"/>
+      </p:ext>
+    </p:extLst>
+  </p:cSld>
+  <p:clrMapOvr>
+    <a:masterClrMapping/>
+  </p:clrMapOvr>
+</p:sld>
+</file>
+
+<file path=ppt/slides/slide4.xml><?xml version="1.0" encoding="utf-8"?>
+<p:sld xmlns:a="http://schemas.openxmlformats.org/drawingml/2006/main" xmlns:r="http://schemas.openxmlformats.org/officeDocument/2006/relationships" xmlns:p="http://schemas.openxmlformats.org/presentationml/2006/main">
+  <p:cSld>
+    <p:spTree>
+      <p:nvGrpSpPr>
+        <p:cNvPr id="1" name=""/>
+        <p:cNvGrpSpPr/>
+        <p:nvPr/>
+      </p:nvGrpSpPr>
+      <p:grpSpPr>
+        <a:xfrm>
+          <a:off x="0" y="0"/>
+          <a:ext cx="0" cy="0"/>
+          <a:chOff x="0" y="0"/>
+          <a:chExt cx="0" cy="0"/>
+        </a:xfrm>
+      </p:grpSpPr>
+      <p:sp>
+        <p:nvSpPr>
+          <p:cNvPr id="2" name="標題 1"/>
+          <p:cNvSpPr>
+            <a:spLocks noGrp="1"/>
+          </p:cNvSpPr>
+          <p:nvPr>
+            <p:ph type="ctrTitle"/>
+          </p:nvPr>
+        </p:nvSpPr>
+        <p:spPr>
+          <a:xfrm>
+            <a:off x="0" y="1"/>
+            <a:ext cx="9144000" cy="764704"/>
+          </a:xfrm>
+          <a:gradFill flip="none" rotWithShape="1">
+            <a:gsLst>
+              <a:gs pos="0">
+                <a:srgbClr val="C00000">
+                  <a:shade val="30000"/>
+                  <a:satMod val="115000"/>
+                </a:srgbClr>
+              </a:gs>
+              <a:gs pos="50000">
+                <a:srgbClr val="C00000">
+                  <a:shade val="67500"/>
+                  <a:satMod val="115000"/>
+                </a:srgbClr>
+              </a:gs>
+              <a:gs pos="100000">
+                <a:srgbClr val="C00000">
+                  <a:shade val="100000"/>
+                  <a:satMod val="115000"/>
+                </a:srgbClr>
+              </a:gs>
+            </a:gsLst>
+            <a:path path="circle">
+              <a:fillToRect t="100000" r="100000"/>
+            </a:path>
+            <a:tileRect l="-100000" b="-100000"/>
+          </a:gradFill>
+        </p:spPr>
+        <p:txBody>
+          <a:bodyPr>
+            <a:normAutofit/>
+          </a:bodyPr>
+          <a:lstStyle/>
+          <a:p>
+            <a:pPr algn="l"/>
+            <a:r>
+              <a:rPr lang="en-US" altLang="zh-TW" sz="4000" b="1" dirty="0">
+                <a:solidFill>
+                  <a:srgbClr val="FFFF00"/>
+                </a:solidFill>
+              </a:rPr>
+              <a:t>23.1 Sort Integral Data</a:t>
+            </a:r>
+            <a:endParaRPr lang="zh-TW" altLang="en-US" sz="4000" b="1" dirty="0">
+              <a:solidFill>
+                <a:srgbClr val="FFFF00"/>
+              </a:solidFill>
+            </a:endParaRPr>
+          </a:p>
+        </p:txBody>
+      </p:sp>
+      <p:sp>
+        <p:nvSpPr>
+          <p:cNvPr id="3" name="副標題 2"/>
+          <p:cNvSpPr>
+            <a:spLocks noGrp="1"/>
+          </p:cNvSpPr>
+          <p:nvPr>
+            <p:ph type="subTitle" idx="1"/>
+          </p:nvPr>
+        </p:nvSpPr>
+        <p:spPr>
+          <a:xfrm>
+            <a:off x="467543" y="1268758"/>
+            <a:ext cx="8241831" cy="360042"/>
+          </a:xfrm>
+          <a:ln>
+            <a:solidFill>
+              <a:srgbClr val="C00000"/>
+            </a:solidFill>
+          </a:ln>
+        </p:spPr>
+        <p:txBody>
+          <a:bodyPr>
+            <a:noAutofit/>
+          </a:bodyPr>
+          <a:lstStyle/>
+          <a:p>
+            <a:pPr marL="342900" indent="-342900" algn="l">
+              <a:buClr>
+                <a:srgbClr val="0070C0"/>
+              </a:buClr>
+              <a:buSzPct val="80000"/>
+              <a:buFont typeface="Wingdings" pitchFamily="2" charset="2"/>
+              <a:buChar char="u"/>
+            </a:pPr>
+            <a:r>
+              <a:rPr lang="en-US" sz="1800" b="1" dirty="0">
+                <a:solidFill>
+                  <a:schemeClr val="tx1"/>
+                </a:solidFill>
+              </a:rPr>
+              <a:t>STL: Sort Integral Data</a:t>
+            </a:r>
+            <a:endParaRPr lang="en-US" sz="1800" dirty="0">
+              <a:solidFill>
+                <a:schemeClr val="tx1"/>
+              </a:solidFill>
+            </a:endParaRPr>
+          </a:p>
+        </p:txBody>
+      </p:sp>
+      <p:sp>
+        <p:nvSpPr>
+          <p:cNvPr id="4" name="標題 1"/>
+          <p:cNvSpPr txBox="1">
+            <a:spLocks/>
+          </p:cNvSpPr>
+          <p:nvPr/>
+        </p:nvSpPr>
+        <p:spPr>
+          <a:xfrm>
+            <a:off x="0" y="764704"/>
+            <a:ext cx="9144000" cy="360040"/>
+          </a:xfrm>
+          <a:prstGeom prst="rect">
+            <a:avLst/>
+          </a:prstGeom>
+          <a:gradFill flip="none" rotWithShape="1">
+            <a:gsLst>
+              <a:gs pos="0">
+                <a:srgbClr val="00B0F0">
+                  <a:shade val="30000"/>
+                  <a:satMod val="115000"/>
+                </a:srgbClr>
+              </a:gs>
+              <a:gs pos="50000">
+                <a:srgbClr val="00B0F0">
+                  <a:shade val="67500"/>
+                  <a:satMod val="115000"/>
+                </a:srgbClr>
+              </a:gs>
+              <a:gs pos="100000">
+                <a:srgbClr val="00B0F0">
+                  <a:shade val="100000"/>
+                  <a:satMod val="115000"/>
+                </a:srgbClr>
+              </a:gs>
+            </a:gsLst>
+            <a:path path="circle">
+              <a:fillToRect t="100000" r="100000"/>
+            </a:path>
+            <a:tileRect l="-100000" b="-100000"/>
+          </a:gradFill>
+        </p:spPr>
+        <p:txBody>
+          <a:bodyPr vert="horz" lIns="91440" tIns="45720" rIns="91440" bIns="45720" rtlCol="0" anchor="ctr">
+            <a:normAutofit/>
+          </a:bodyPr>
+          <a:lstStyle/>
+          <a:p>
+            <a:pPr lvl="0">
+              <a:spcBef>
+                <a:spcPct val="0"/>
+              </a:spcBef>
+            </a:pPr>
+            <a:r>
+              <a:rPr lang="en-US" sz="1600" dirty="0"/>
+              <a:t>https://www.youtube.com/watch?v=1j0GqsX2S1I&amp;list=PLk6CEY9XxSIA-xo3HRYC3M0Aitzdut7AA&amp;index=23</a:t>
+            </a:r>
+            <a:endParaRPr kumimoji="0" lang="zh-TW" altLang="en-US" sz="1600" b="0" i="0" u="none" strike="noStrike" kern="1200" cap="none" spc="0" normalizeH="0" baseline="0" noProof="0" dirty="0">
+              <a:ln>
+                <a:noFill/>
+              </a:ln>
+              <a:solidFill>
+                <a:schemeClr val="tx1"/>
+              </a:solidFill>
+              <a:effectLst/>
+              <a:uLnTx/>
+              <a:uFillTx/>
+              <a:latin typeface="+mj-lt"/>
+              <a:ea typeface="+mj-ea"/>
+              <a:cs typeface="+mj-cs"/>
+            </a:endParaRPr>
+          </a:p>
+        </p:txBody>
+      </p:sp>
+      <p:sp>
+        <p:nvSpPr>
+          <p:cNvPr id="5" name="日期版面配置區 4"/>
+          <p:cNvSpPr>
+            <a:spLocks noGrp="1"/>
+          </p:cNvSpPr>
+          <p:nvPr>
+            <p:ph type="dt" sz="half" idx="10"/>
+          </p:nvPr>
+        </p:nvSpPr>
+        <p:spPr/>
+        <p:txBody>
+          <a:bodyPr/>
+          <a:lstStyle/>
+          <a:p>
+            <a:fld id="{A4F910E6-8D00-4BAF-8C48-9688E0B449D3}" type="datetime1">
+              <a:rPr lang="zh-TW" altLang="en-US" smtClean="0"/>
+              <a:pPr/>
+              <a:t>2022/9/30</a:t>
+            </a:fld>
+            <a:endParaRPr lang="zh-TW" altLang="en-US"/>
+          </a:p>
+        </p:txBody>
+      </p:sp>
+      <p:sp>
+        <p:nvSpPr>
+          <p:cNvPr id="6" name="投影片編號版面配置區 5"/>
+          <p:cNvSpPr>
+            <a:spLocks noGrp="1"/>
+          </p:cNvSpPr>
+          <p:nvPr>
+            <p:ph type="sldNum" sz="quarter" idx="12"/>
+          </p:nvPr>
+        </p:nvSpPr>
+        <p:spPr/>
+        <p:txBody>
+          <a:bodyPr/>
+          <a:lstStyle/>
+          <a:p>
+            <a:fld id="{E4D7E63D-91F2-4366-A2C4-1B00C9E2590E}" type="slidenum">
+              <a:rPr lang="zh-TW" altLang="en-US" smtClean="0"/>
+              <a:pPr/>
+              <a:t>4</a:t>
+            </a:fld>
+            <a:endParaRPr lang="zh-TW" altLang="en-US"/>
+          </a:p>
+        </p:txBody>
+      </p:sp>
+      <p:graphicFrame>
+        <p:nvGraphicFramePr>
+          <p:cNvPr id="10" name="Object 9">
+            <a:extLst>
+              <a:ext uri="{FF2B5EF4-FFF2-40B4-BE49-F238E27FC236}">
+                <a16:creationId xmlns:a16="http://schemas.microsoft.com/office/drawing/2014/main" id="{FA115998-BDB2-4B79-DB52-461AA486B195}"/>
+              </a:ext>
+            </a:extLst>
+          </p:cNvPr>
+          <p:cNvGraphicFramePr>
+            <a:graphicFrameLocks noChangeAspect="1"/>
+          </p:cNvGraphicFramePr>
+          <p:nvPr>
+            <p:extLst>
+              <p:ext uri="{D42A27DB-BD31-4B8C-83A1-F6EECF244321}">
+                <p14:modId xmlns:p14="http://schemas.microsoft.com/office/powerpoint/2010/main" val="1965688674"/>
+              </p:ext>
+            </p:extLst>
+          </p:nvPr>
+        </p:nvGraphicFramePr>
+        <p:xfrm>
+          <a:off x="539552" y="1772816"/>
+          <a:ext cx="8096250" cy="4124325"/>
+        </p:xfrm>
+        <a:graphic>
+          <a:graphicData uri="http://schemas.openxmlformats.org/presentationml/2006/ole">
+            <mc:AlternateContent xmlns:mc="http://schemas.openxmlformats.org/markup-compatibility/2006">
+              <mc:Choice xmlns:v="urn:schemas-microsoft-com:vml" Requires="v">
+                <p:oleObj name="Bitmap Image" r:id="rId2" imgW="8096400" imgH="4124160" progId="PBrush">
+                  <p:embed/>
+                </p:oleObj>
+              </mc:Choice>
+              <mc:Fallback>
+                <p:oleObj name="Bitmap Image" r:id="rId2" imgW="8096400" imgH="4124160" progId="PBrush">
+                  <p:embed/>
+                  <p:pic>
+                    <p:nvPicPr>
+                      <p:cNvPr id="0" name=""/>
+                      <p:cNvPicPr/>
+                      <p:nvPr/>
+                    </p:nvPicPr>
+                    <p:blipFill>
+                      <a:blip r:embed="rId3"/>
+                      <a:stretch>
+                        <a:fillRect/>
+                      </a:stretch>
+                    </p:blipFill>
+                    <p:spPr>
+                      <a:xfrm>
+                        <a:off x="539552" y="1772816"/>
+                        <a:ext cx="8096250" cy="4124325"/>
+                      </a:xfrm>
+                      <a:prstGeom prst="rect">
+                        <a:avLst/>
+                      </a:prstGeom>
+                      <a:ln>
+                        <a:solidFill>
+                          <a:srgbClr val="C00000"/>
+                        </a:solidFill>
+                      </a:ln>
+                    </p:spPr>
+                  </p:pic>
+                </p:oleObj>
+              </mc:Fallback>
+            </mc:AlternateContent>
+          </a:graphicData>
+        </a:graphic>
+      </p:graphicFrame>
+    </p:spTree>
+    <p:extLst>
+      <p:ext uri="{BB962C8B-B14F-4D97-AF65-F5344CB8AC3E}">
+        <p14:creationId xmlns:p14="http://schemas.microsoft.com/office/powerpoint/2010/main" val="102314575"/>
+      </p:ext>
+    </p:extLst>
+  </p:cSld>
+  <p:clrMapOvr>
+    <a:masterClrMapping/>
+  </p:clrMapOvr>
+</p:sld>
+</file>
+
+<file path=ppt/slides/slide5.xml><?xml version="1.0" encoding="utf-8"?>
+<p:sld xmlns:a="http://schemas.openxmlformats.org/drawingml/2006/main" xmlns:r="http://schemas.openxmlformats.org/officeDocument/2006/relationships" xmlns:p="http://schemas.openxmlformats.org/presentationml/2006/main">
+  <p:cSld>
+    <p:spTree>
+      <p:nvGrpSpPr>
+        <p:cNvPr id="1" name=""/>
+        <p:cNvGrpSpPr/>
+        <p:nvPr/>
+      </p:nvGrpSpPr>
+      <p:grpSpPr>
+        <a:xfrm>
+          <a:off x="0" y="0"/>
+          <a:ext cx="0" cy="0"/>
+          <a:chOff x="0" y="0"/>
+          <a:chExt cx="0" cy="0"/>
+        </a:xfrm>
+      </p:grpSpPr>
+      <p:sp>
+        <p:nvSpPr>
+          <p:cNvPr id="2" name="標題 1"/>
+          <p:cNvSpPr>
+            <a:spLocks noGrp="1"/>
+          </p:cNvSpPr>
+          <p:nvPr>
+            <p:ph type="ctrTitle"/>
+          </p:nvPr>
+        </p:nvSpPr>
+        <p:spPr>
+          <a:xfrm>
+            <a:off x="0" y="1"/>
+            <a:ext cx="9144000" cy="764704"/>
+          </a:xfrm>
+          <a:gradFill flip="none" rotWithShape="1">
+            <a:gsLst>
+              <a:gs pos="0">
+                <a:srgbClr val="C00000">
+                  <a:shade val="30000"/>
+                  <a:satMod val="115000"/>
+                </a:srgbClr>
+              </a:gs>
+              <a:gs pos="50000">
+                <a:srgbClr val="C00000">
+                  <a:shade val="67500"/>
+                  <a:satMod val="115000"/>
+                </a:srgbClr>
+              </a:gs>
+              <a:gs pos="100000">
+                <a:srgbClr val="C00000">
+                  <a:shade val="100000"/>
+                  <a:satMod val="115000"/>
+                </a:srgbClr>
+              </a:gs>
+            </a:gsLst>
+            <a:path path="circle">
+              <a:fillToRect t="100000" r="100000"/>
+            </a:path>
+            <a:tileRect l="-100000" b="-100000"/>
+          </a:gradFill>
+        </p:spPr>
+        <p:txBody>
+          <a:bodyPr>
+            <a:normAutofit/>
+          </a:bodyPr>
+          <a:lstStyle/>
+          <a:p>
+            <a:pPr algn="l"/>
+            <a:r>
+              <a:rPr lang="en-US" altLang="zh-TW" sz="4000" b="1" dirty="0">
+                <a:solidFill>
+                  <a:srgbClr val="FFFF00"/>
+                </a:solidFill>
+              </a:rPr>
+              <a:t>23.1 Sort Integral Data</a:t>
+            </a:r>
+            <a:endParaRPr lang="zh-TW" altLang="en-US" sz="4000" b="1" dirty="0">
+              <a:solidFill>
+                <a:srgbClr val="FFFF00"/>
+              </a:solidFill>
+            </a:endParaRPr>
+          </a:p>
+        </p:txBody>
+      </p:sp>
+      <p:sp>
+        <p:nvSpPr>
+          <p:cNvPr id="3" name="副標題 2"/>
+          <p:cNvSpPr>
+            <a:spLocks noGrp="1"/>
+          </p:cNvSpPr>
+          <p:nvPr>
+            <p:ph type="subTitle" idx="1"/>
+          </p:nvPr>
+        </p:nvSpPr>
+        <p:spPr>
+          <a:xfrm>
+            <a:off x="467543" y="1268758"/>
+            <a:ext cx="8241831" cy="360042"/>
+          </a:xfrm>
+          <a:ln>
+            <a:solidFill>
+              <a:srgbClr val="C00000"/>
+            </a:solidFill>
+          </a:ln>
+        </p:spPr>
+        <p:txBody>
+          <a:bodyPr>
+            <a:noAutofit/>
+          </a:bodyPr>
+          <a:lstStyle/>
+          <a:p>
+            <a:pPr marL="342900" indent="-342900" algn="l">
+              <a:buClr>
+                <a:srgbClr val="0070C0"/>
+              </a:buClr>
+              <a:buSzPct val="80000"/>
+              <a:buFont typeface="Wingdings" pitchFamily="2" charset="2"/>
+              <a:buChar char="u"/>
+            </a:pPr>
+            <a:r>
+              <a:rPr lang="en-US" sz="1800" b="1" dirty="0">
+                <a:solidFill>
+                  <a:schemeClr val="tx1"/>
+                </a:solidFill>
+              </a:rPr>
+              <a:t>Sort Integral Data</a:t>
+            </a:r>
+            <a:endParaRPr lang="en-US" sz="1800" dirty="0">
+              <a:solidFill>
+                <a:schemeClr val="tx1"/>
+              </a:solidFill>
+            </a:endParaRPr>
+          </a:p>
+        </p:txBody>
+      </p:sp>
+      <p:sp>
+        <p:nvSpPr>
+          <p:cNvPr id="4" name="標題 1"/>
+          <p:cNvSpPr txBox="1">
+            <a:spLocks/>
+          </p:cNvSpPr>
+          <p:nvPr/>
+        </p:nvSpPr>
+        <p:spPr>
+          <a:xfrm>
+            <a:off x="0" y="764704"/>
+            <a:ext cx="9144000" cy="360040"/>
+          </a:xfrm>
+          <a:prstGeom prst="rect">
+            <a:avLst/>
+          </a:prstGeom>
+          <a:gradFill flip="none" rotWithShape="1">
+            <a:gsLst>
+              <a:gs pos="0">
+                <a:srgbClr val="00B0F0">
+                  <a:shade val="30000"/>
+                  <a:satMod val="115000"/>
+                </a:srgbClr>
+              </a:gs>
+              <a:gs pos="50000">
+                <a:srgbClr val="00B0F0">
+                  <a:shade val="67500"/>
+                  <a:satMod val="115000"/>
+                </a:srgbClr>
+              </a:gs>
+              <a:gs pos="100000">
+                <a:srgbClr val="00B0F0">
+                  <a:shade val="100000"/>
+                  <a:satMod val="115000"/>
+                </a:srgbClr>
+              </a:gs>
+            </a:gsLst>
+            <a:path path="circle">
+              <a:fillToRect t="100000" r="100000"/>
+            </a:path>
+            <a:tileRect l="-100000" b="-100000"/>
+          </a:gradFill>
+        </p:spPr>
+        <p:txBody>
+          <a:bodyPr vert="horz" lIns="91440" tIns="45720" rIns="91440" bIns="45720" rtlCol="0" anchor="ctr">
+            <a:normAutofit/>
+          </a:bodyPr>
+          <a:lstStyle/>
+          <a:p>
+            <a:pPr lvl="0">
+              <a:spcBef>
+                <a:spcPct val="0"/>
+              </a:spcBef>
+            </a:pPr>
+            <a:r>
+              <a:rPr lang="en-US" sz="1600" dirty="0"/>
+              <a:t>https://www.youtube.com/watch?v=1j0GqsX2S1I&amp;list=PLk6CEY9XxSIA-xo3HRYC3M0Aitzdut7AA&amp;index=23</a:t>
+            </a:r>
+            <a:endParaRPr kumimoji="0" lang="zh-TW" altLang="en-US" sz="1600" b="0" i="0" u="none" strike="noStrike" kern="1200" cap="none" spc="0" normalizeH="0" baseline="0" noProof="0" dirty="0">
+              <a:ln>
+                <a:noFill/>
+              </a:ln>
+              <a:solidFill>
+                <a:schemeClr val="tx1"/>
+              </a:solidFill>
+              <a:effectLst/>
+              <a:uLnTx/>
+              <a:uFillTx/>
+              <a:latin typeface="+mj-lt"/>
+              <a:ea typeface="+mj-ea"/>
+              <a:cs typeface="+mj-cs"/>
+            </a:endParaRPr>
+          </a:p>
+        </p:txBody>
+      </p:sp>
+      <p:sp>
+        <p:nvSpPr>
+          <p:cNvPr id="5" name="日期版面配置區 4"/>
+          <p:cNvSpPr>
+            <a:spLocks noGrp="1"/>
+          </p:cNvSpPr>
+          <p:nvPr>
+            <p:ph type="dt" sz="half" idx="10"/>
+          </p:nvPr>
+        </p:nvSpPr>
+        <p:spPr/>
+        <p:txBody>
+          <a:bodyPr/>
+          <a:lstStyle/>
+          <a:p>
+            <a:fld id="{A4F910E6-8D00-4BAF-8C48-9688E0B449D3}" type="datetime1">
+              <a:rPr lang="zh-TW" altLang="en-US" smtClean="0"/>
+              <a:pPr/>
+              <a:t>2022/9/30</a:t>
+            </a:fld>
+            <a:endParaRPr lang="zh-TW" altLang="en-US"/>
+          </a:p>
+        </p:txBody>
+      </p:sp>
+      <p:sp>
+        <p:nvSpPr>
+          <p:cNvPr id="6" name="投影片編號版面配置區 5"/>
+          <p:cNvSpPr>
+            <a:spLocks noGrp="1"/>
+          </p:cNvSpPr>
+          <p:nvPr>
+            <p:ph type="sldNum" sz="quarter" idx="12"/>
+          </p:nvPr>
+        </p:nvSpPr>
+        <p:spPr/>
+        <p:txBody>
+          <a:bodyPr/>
+          <a:lstStyle/>
+          <a:p>
+            <a:fld id="{E4D7E63D-91F2-4366-A2C4-1B00C9E2590E}" type="slidenum">
+              <a:rPr lang="zh-TW" altLang="en-US" smtClean="0"/>
+              <a:pPr/>
+              <a:t>5</a:t>
+            </a:fld>
+            <a:endParaRPr lang="zh-TW" altLang="en-US"/>
+          </a:p>
+        </p:txBody>
+      </p:sp>
+      <p:graphicFrame>
+        <p:nvGraphicFramePr>
+          <p:cNvPr id="8" name="Object 7">
+            <a:extLst>
+              <a:ext uri="{FF2B5EF4-FFF2-40B4-BE49-F238E27FC236}">
+                <a16:creationId xmlns:a16="http://schemas.microsoft.com/office/drawing/2014/main" id="{75F0572D-2B76-8762-45F8-B38F605821C8}"/>
+              </a:ext>
+            </a:extLst>
+          </p:cNvPr>
+          <p:cNvGraphicFramePr>
+            <a:graphicFrameLocks noChangeAspect="1"/>
+          </p:cNvGraphicFramePr>
+          <p:nvPr>
+            <p:extLst>
+              <p:ext uri="{D42A27DB-BD31-4B8C-83A1-F6EECF244321}">
+                <p14:modId xmlns:p14="http://schemas.microsoft.com/office/powerpoint/2010/main" val="2646463466"/>
+              </p:ext>
+            </p:extLst>
+          </p:nvPr>
+        </p:nvGraphicFramePr>
+        <p:xfrm>
+          <a:off x="467544" y="1772816"/>
+          <a:ext cx="8384298" cy="3528392"/>
+        </p:xfrm>
+        <a:graphic>
+          <a:graphicData uri="http://schemas.openxmlformats.org/presentationml/2006/ole">
+            <mc:AlternateContent xmlns:mc="http://schemas.openxmlformats.org/markup-compatibility/2006">
+              <mc:Choice xmlns:v="urn:schemas-microsoft-com:vml" Requires="v">
+                <p:oleObj name="Bitmap Image" r:id="rId2" imgW="11925360" imgH="5019840" progId="PBrush">
+                  <p:embed/>
+                </p:oleObj>
+              </mc:Choice>
+              <mc:Fallback>
+                <p:oleObj name="Bitmap Image" r:id="rId2" imgW="11925360" imgH="5019840" progId="PBrush">
+                  <p:embed/>
+                  <p:pic>
+                    <p:nvPicPr>
+                      <p:cNvPr id="0" name=""/>
+                      <p:cNvPicPr/>
+                      <p:nvPr/>
+                    </p:nvPicPr>
+                    <p:blipFill>
+                      <a:blip r:embed="rId3"/>
+                      <a:stretch>
+                        <a:fillRect/>
+                      </a:stretch>
+                    </p:blipFill>
+                    <p:spPr>
+                      <a:xfrm>
+                        <a:off x="467544" y="1772816"/>
+                        <a:ext cx="8384298" cy="3528392"/>
+                      </a:xfrm>
+                      <a:prstGeom prst="rect">
+                        <a:avLst/>
+                      </a:prstGeom>
+                      <a:ln>
+                        <a:solidFill>
+                          <a:srgbClr val="C00000"/>
+                        </a:solidFill>
+                      </a:ln>
+                    </p:spPr>
+                  </p:pic>
+                </p:oleObj>
+              </mc:Fallback>
+            </mc:AlternateContent>
+          </a:graphicData>
+        </a:graphic>
+      </p:graphicFrame>
+    </p:spTree>
+    <p:extLst>
+      <p:ext uri="{BB962C8B-B14F-4D97-AF65-F5344CB8AC3E}">
+        <p14:creationId xmlns:p14="http://schemas.microsoft.com/office/powerpoint/2010/main" val="2137595990"/>
+      </p:ext>
+    </p:extLst>
+  </p:cSld>
+  <p:clrMapOvr>
+    <a:masterClrMapping/>
+  </p:clrMapOvr>
+</p:sld>
+</file>
+
+<file path=ppt/slides/slide6.xml><?xml version="1.0" encoding="utf-8"?>
+<p:sld xmlns:a="http://schemas.openxmlformats.org/drawingml/2006/main" xmlns:r="http://schemas.openxmlformats.org/officeDocument/2006/relationships" xmlns:p="http://schemas.openxmlformats.org/presentationml/2006/main">
+  <p:cSld>
+    <p:spTree>
+      <p:nvGrpSpPr>
+        <p:cNvPr id="1" name=""/>
+        <p:cNvGrpSpPr/>
+        <p:nvPr/>
+      </p:nvGrpSpPr>
+      <p:grpSpPr>
+        <a:xfrm>
+          <a:off x="0" y="0"/>
+          <a:ext cx="0" cy="0"/>
+          <a:chOff x="0" y="0"/>
+          <a:chExt cx="0" cy="0"/>
+        </a:xfrm>
+      </p:grpSpPr>
+      <p:sp>
+        <p:nvSpPr>
+          <p:cNvPr id="2" name="標題 1"/>
+          <p:cNvSpPr>
+            <a:spLocks noGrp="1"/>
+          </p:cNvSpPr>
+          <p:nvPr>
+            <p:ph type="ctrTitle"/>
+          </p:nvPr>
+        </p:nvSpPr>
+        <p:spPr>
+          <a:xfrm>
+            <a:off x="0" y="2130425"/>
+            <a:ext cx="9144000" cy="1470025"/>
+          </a:xfrm>
+          <a:solidFill>
+            <a:srgbClr val="00B0F0"/>
+          </a:solidFill>
+        </p:spPr>
+        <p:txBody>
+          <a:bodyPr>
+            <a:normAutofit/>
+          </a:bodyPr>
+          <a:lstStyle/>
+          <a:p>
+            <a:r>
+              <a:rPr lang="en-US" altLang="zh-TW" sz="4000" b="1" dirty="0">
+                <a:solidFill>
+                  <a:srgbClr val="FFFF00"/>
+                </a:solidFill>
+              </a:rPr>
+              <a:t>23.2 Sort User Defined Data</a:t>
+            </a:r>
+            <a:endParaRPr lang="zh-TW" altLang="en-US" sz="4000" b="1" dirty="0">
+              <a:solidFill>
+                <a:srgbClr val="FFFF00"/>
+              </a:solidFill>
+            </a:endParaRPr>
+          </a:p>
+        </p:txBody>
+      </p:sp>
+      <p:sp>
+        <p:nvSpPr>
+          <p:cNvPr id="5" name="日期版面配置區 4"/>
+          <p:cNvSpPr>
+            <a:spLocks noGrp="1"/>
+          </p:cNvSpPr>
+          <p:nvPr>
+            <p:ph type="dt" sz="half" idx="10"/>
+          </p:nvPr>
+        </p:nvSpPr>
+        <p:spPr/>
+        <p:txBody>
+          <a:bodyPr/>
+          <a:lstStyle/>
+          <a:p>
+            <a:fld id="{C389EDC9-19E3-47AC-9C57-C6A24DEA81AD}" type="datetime1">
+              <a:rPr lang="zh-TW" altLang="en-US" smtClean="0"/>
+              <a:pPr/>
+              <a:t>2022/9/30</a:t>
+            </a:fld>
+            <a:endParaRPr lang="zh-TW" altLang="en-US"/>
+          </a:p>
+        </p:txBody>
+      </p:sp>
+      <p:sp>
+        <p:nvSpPr>
+          <p:cNvPr id="6" name="投影片編號版面配置區 5"/>
+          <p:cNvSpPr>
+            <a:spLocks noGrp="1"/>
+          </p:cNvSpPr>
+          <p:nvPr>
+            <p:ph type="sldNum" sz="quarter" idx="12"/>
+          </p:nvPr>
+        </p:nvSpPr>
+        <p:spPr/>
+        <p:txBody>
+          <a:bodyPr/>
+          <a:lstStyle/>
+          <a:p>
+            <a:fld id="{E4D7E63D-91F2-4366-A2C4-1B00C9E2590E}" type="slidenum">
+              <a:rPr lang="zh-TW" altLang="en-US" smtClean="0"/>
+              <a:pPr/>
+              <a:t>6</a:t>
+            </a:fld>
+            <a:endParaRPr lang="zh-TW" altLang="en-US"/>
+          </a:p>
+        </p:txBody>
+      </p:sp>
+      <p:pic>
+        <p:nvPicPr>
+          <p:cNvPr id="4" name="Picture 2" descr="C/C++ Development Company - ScienceSoft">
+            <a:extLst>
+              <a:ext uri="{FF2B5EF4-FFF2-40B4-BE49-F238E27FC236}">
+                <a16:creationId xmlns:a16="http://schemas.microsoft.com/office/drawing/2014/main" id="{8E9DE243-CE6E-577A-2ABF-18A237D84C20}"/>
+              </a:ext>
+            </a:extLst>
+          </p:cNvPr>
+          <p:cNvPicPr>
+            <a:picLocks noChangeAspect="1" noChangeArrowheads="1"/>
+          </p:cNvPicPr>
+          <p:nvPr/>
+        </p:nvPicPr>
+        <p:blipFill>
+          <a:blip r:embed="rId2">
+            <a:extLst>
+              <a:ext uri="{28A0092B-C50C-407E-A947-70E740481C1C}">
+                <a14:useLocalDpi xmlns:a14="http://schemas.microsoft.com/office/drawing/2010/main" val="0"/>
+              </a:ext>
+            </a:extLst>
+          </a:blip>
+          <a:srcRect/>
+          <a:stretch>
+            <a:fillRect/>
+          </a:stretch>
+        </p:blipFill>
+        <p:spPr bwMode="auto">
+          <a:xfrm>
+            <a:off x="3563888" y="3861048"/>
+            <a:ext cx="1656184" cy="690077"/>
+          </a:xfrm>
+          <a:prstGeom prst="rect">
+            <a:avLst/>
+          </a:prstGeom>
+          <a:noFill/>
+          <a:extLst>
+            <a:ext uri="{909E8E84-426E-40DD-AFC4-6F175D3DCCD1}">
+              <a14:hiddenFill xmlns:a14="http://schemas.microsoft.com/office/drawing/2010/main">
+                <a:solidFill>
+                  <a:srgbClr val="FFFFFF"/>
+                </a:solidFill>
+              </a14:hiddenFill>
+            </a:ext>
+          </a:extLst>
+        </p:spPr>
+      </p:pic>
+    </p:spTree>
+    <p:extLst>
+      <p:ext uri="{BB962C8B-B14F-4D97-AF65-F5344CB8AC3E}">
+        <p14:creationId xmlns:p14="http://schemas.microsoft.com/office/powerpoint/2010/main" val="4160110545"/>
+      </p:ext>
+    </p:extLst>
+  </p:cSld>
+  <p:clrMapOvr>
+    <a:masterClrMapping/>
+  </p:clrMapOvr>
+</p:sld>
+</file>
+
+<file path=ppt/slides/slide7.xml><?xml version="1.0" encoding="utf-8"?>
+<p:sld xmlns:a="http://schemas.openxmlformats.org/drawingml/2006/main" xmlns:r="http://schemas.openxmlformats.org/officeDocument/2006/relationships" xmlns:p="http://schemas.openxmlformats.org/presentationml/2006/main">
+  <p:cSld>
+    <p:spTree>
+      <p:nvGrpSpPr>
+        <p:cNvPr id="1" name=""/>
+        <p:cNvGrpSpPr/>
+        <p:nvPr/>
+      </p:nvGrpSpPr>
+      <p:grpSpPr>
+        <a:xfrm>
+          <a:off x="0" y="0"/>
+          <a:ext cx="0" cy="0"/>
+          <a:chOff x="0" y="0"/>
+          <a:chExt cx="0" cy="0"/>
+        </a:xfrm>
+      </p:grpSpPr>
+      <p:sp>
+        <p:nvSpPr>
+          <p:cNvPr id="2" name="標題 1"/>
+          <p:cNvSpPr>
+            <a:spLocks noGrp="1"/>
+          </p:cNvSpPr>
+          <p:nvPr>
+            <p:ph type="ctrTitle"/>
+          </p:nvPr>
+        </p:nvSpPr>
+        <p:spPr>
+          <a:xfrm>
+            <a:off x="0" y="1"/>
+            <a:ext cx="9144000" cy="764704"/>
+          </a:xfrm>
+          <a:gradFill flip="none" rotWithShape="1">
+            <a:gsLst>
+              <a:gs pos="0">
+                <a:srgbClr val="C00000">
+                  <a:shade val="30000"/>
+                  <a:satMod val="115000"/>
+                </a:srgbClr>
+              </a:gs>
+              <a:gs pos="50000">
+                <a:srgbClr val="C00000">
+                  <a:shade val="67500"/>
+                  <a:satMod val="115000"/>
+                </a:srgbClr>
+              </a:gs>
+              <a:gs pos="100000">
+                <a:srgbClr val="C00000">
+                  <a:shade val="100000"/>
+                  <a:satMod val="115000"/>
+                </a:srgbClr>
+              </a:gs>
+            </a:gsLst>
+            <a:path path="circle">
+              <a:fillToRect t="100000" r="100000"/>
+            </a:path>
+            <a:tileRect l="-100000" b="-100000"/>
+          </a:gradFill>
+        </p:spPr>
+        <p:txBody>
+          <a:bodyPr>
+            <a:normAutofit/>
+          </a:bodyPr>
+          <a:lstStyle/>
+          <a:p>
+            <a:pPr algn="l"/>
+            <a:r>
+              <a:rPr lang="en-US" altLang="zh-TW" sz="4000" b="1" dirty="0">
+                <a:solidFill>
+                  <a:srgbClr val="FFFF00"/>
+                </a:solidFill>
+              </a:rPr>
+              <a:t>23.2 Sort User Defined Data</a:t>
+            </a:r>
+            <a:endParaRPr lang="zh-TW" altLang="en-US" sz="4000" b="1" dirty="0">
+              <a:solidFill>
+                <a:srgbClr val="FFFF00"/>
+              </a:solidFill>
+            </a:endParaRPr>
+          </a:p>
+        </p:txBody>
+      </p:sp>
+      <p:sp>
+        <p:nvSpPr>
+          <p:cNvPr id="3" name="副標題 2"/>
+          <p:cNvSpPr>
+            <a:spLocks noGrp="1"/>
+          </p:cNvSpPr>
+          <p:nvPr>
+            <p:ph type="subTitle" idx="1"/>
+          </p:nvPr>
+        </p:nvSpPr>
+        <p:spPr>
+          <a:xfrm>
+            <a:off x="467543" y="1268758"/>
+            <a:ext cx="8241831" cy="360042"/>
+          </a:xfrm>
+          <a:ln>
+            <a:solidFill>
+              <a:srgbClr val="C00000"/>
+            </a:solidFill>
+          </a:ln>
+        </p:spPr>
+        <p:txBody>
+          <a:bodyPr>
+            <a:noAutofit/>
+          </a:bodyPr>
+          <a:lstStyle/>
+          <a:p>
+            <a:pPr marL="342900" indent="-342900" algn="l">
+              <a:buClr>
+                <a:srgbClr val="0070C0"/>
+              </a:buClr>
+              <a:buSzPct val="80000"/>
+              <a:buFont typeface="Wingdings" pitchFamily="2" charset="2"/>
+              <a:buChar char="u"/>
+            </a:pPr>
+            <a:r>
+              <a:rPr lang="en-US" sz="1800" b="1" dirty="0">
+                <a:solidFill>
+                  <a:schemeClr val="tx1"/>
+                </a:solidFill>
+              </a:rPr>
+              <a:t>Sort User Defined Data</a:t>
+            </a:r>
+            <a:endParaRPr lang="en-US" sz="1800" dirty="0">
+              <a:solidFill>
+                <a:schemeClr val="tx1"/>
+              </a:solidFill>
+            </a:endParaRPr>
+          </a:p>
+        </p:txBody>
+      </p:sp>
+      <p:sp>
+        <p:nvSpPr>
+          <p:cNvPr id="4" name="標題 1"/>
+          <p:cNvSpPr txBox="1">
+            <a:spLocks/>
+          </p:cNvSpPr>
+          <p:nvPr/>
+        </p:nvSpPr>
+        <p:spPr>
+          <a:xfrm>
+            <a:off x="0" y="764704"/>
+            <a:ext cx="9144000" cy="360040"/>
+          </a:xfrm>
+          <a:prstGeom prst="rect">
+            <a:avLst/>
+          </a:prstGeom>
+          <a:gradFill flip="none" rotWithShape="1">
+            <a:gsLst>
+              <a:gs pos="0">
+                <a:srgbClr val="00B0F0">
+                  <a:shade val="30000"/>
+                  <a:satMod val="115000"/>
+                </a:srgbClr>
+              </a:gs>
+              <a:gs pos="50000">
+                <a:srgbClr val="00B0F0">
+                  <a:shade val="67500"/>
+                  <a:satMod val="115000"/>
+                </a:srgbClr>
+              </a:gs>
+              <a:gs pos="100000">
+                <a:srgbClr val="00B0F0">
+                  <a:shade val="100000"/>
+                  <a:satMod val="115000"/>
+                </a:srgbClr>
+              </a:gs>
+            </a:gsLst>
+            <a:path path="circle">
+              <a:fillToRect t="100000" r="100000"/>
+            </a:path>
+            <a:tileRect l="-100000" b="-100000"/>
+          </a:gradFill>
+        </p:spPr>
+        <p:txBody>
+          <a:bodyPr vert="horz" lIns="91440" tIns="45720" rIns="91440" bIns="45720" rtlCol="0" anchor="ctr">
+            <a:normAutofit/>
+          </a:bodyPr>
+          <a:lstStyle/>
+          <a:p>
+            <a:pPr lvl="0">
+              <a:spcBef>
+                <a:spcPct val="0"/>
+              </a:spcBef>
+            </a:pPr>
+            <a:r>
+              <a:rPr lang="en-US" sz="1600" dirty="0"/>
+              <a:t>https://www.youtube.com/watch?v=1j0GqsX2S1I&amp;list=PLk6CEY9XxSIA-xo3HRYC3M0Aitzdut7AA&amp;index=23</a:t>
+            </a:r>
+            <a:endParaRPr kumimoji="0" lang="zh-TW" altLang="en-US" sz="1600" b="0" i="0" u="none" strike="noStrike" kern="1200" cap="none" spc="0" normalizeH="0" baseline="0" noProof="0" dirty="0">
+              <a:ln>
+                <a:noFill/>
+              </a:ln>
+              <a:solidFill>
+                <a:schemeClr val="tx1"/>
+              </a:solidFill>
+              <a:effectLst/>
+              <a:uLnTx/>
+              <a:uFillTx/>
+              <a:latin typeface="+mj-lt"/>
+              <a:ea typeface="+mj-ea"/>
+              <a:cs typeface="+mj-cs"/>
+            </a:endParaRPr>
+          </a:p>
+        </p:txBody>
+      </p:sp>
+      <p:sp>
+        <p:nvSpPr>
+          <p:cNvPr id="5" name="日期版面配置區 4"/>
+          <p:cNvSpPr>
+            <a:spLocks noGrp="1"/>
+          </p:cNvSpPr>
+          <p:nvPr>
+            <p:ph type="dt" sz="half" idx="10"/>
+          </p:nvPr>
+        </p:nvSpPr>
+        <p:spPr/>
+        <p:txBody>
+          <a:bodyPr/>
+          <a:lstStyle/>
+          <a:p>
+            <a:fld id="{A4F910E6-8D00-4BAF-8C48-9688E0B449D3}" type="datetime1">
+              <a:rPr lang="zh-TW" altLang="en-US" smtClean="0"/>
+              <a:pPr/>
+              <a:t>2022/9/30</a:t>
+            </a:fld>
+            <a:endParaRPr lang="zh-TW" altLang="en-US"/>
+          </a:p>
+        </p:txBody>
+      </p:sp>
+      <p:sp>
+        <p:nvSpPr>
+          <p:cNvPr id="6" name="投影片編號版面配置區 5"/>
+          <p:cNvSpPr>
+            <a:spLocks noGrp="1"/>
+          </p:cNvSpPr>
+          <p:nvPr>
+            <p:ph type="sldNum" sz="quarter" idx="12"/>
+          </p:nvPr>
+        </p:nvSpPr>
+        <p:spPr/>
+        <p:txBody>
+          <a:bodyPr/>
+          <a:lstStyle/>
+          <a:p>
+            <a:fld id="{E4D7E63D-91F2-4366-A2C4-1B00C9E2590E}" type="slidenum">
+              <a:rPr lang="zh-TW" altLang="en-US" smtClean="0"/>
+              <a:pPr/>
+              <a:t>7</a:t>
+            </a:fld>
+            <a:endParaRPr lang="zh-TW" altLang="en-US"/>
+          </a:p>
+        </p:txBody>
+      </p:sp>
+      <p:graphicFrame>
+        <p:nvGraphicFramePr>
+          <p:cNvPr id="16" name="Object 15">
+            <a:extLst>
+              <a:ext uri="{FF2B5EF4-FFF2-40B4-BE49-F238E27FC236}">
+                <a16:creationId xmlns:a16="http://schemas.microsoft.com/office/drawing/2014/main" id="{566AB515-E020-6B98-89AD-87B4A23BAA1C}"/>
+              </a:ext>
+            </a:extLst>
+          </p:cNvPr>
+          <p:cNvGraphicFramePr>
+            <a:graphicFrameLocks noChangeAspect="1"/>
+          </p:cNvGraphicFramePr>
+          <p:nvPr>
+            <p:extLst>
+              <p:ext uri="{D42A27DB-BD31-4B8C-83A1-F6EECF244321}">
+                <p14:modId xmlns:p14="http://schemas.microsoft.com/office/powerpoint/2010/main" val="704465743"/>
+              </p:ext>
+            </p:extLst>
+          </p:nvPr>
+        </p:nvGraphicFramePr>
+        <p:xfrm>
+          <a:off x="2123728" y="1916832"/>
+          <a:ext cx="3686175" cy="3190875"/>
+        </p:xfrm>
+        <a:graphic>
+          <a:graphicData uri="http://schemas.openxmlformats.org/presentationml/2006/ole">
+            <mc:AlternateContent xmlns:mc="http://schemas.openxmlformats.org/markup-compatibility/2006">
+              <mc:Choice xmlns:v="urn:schemas-microsoft-com:vml" Requires="v">
+                <p:oleObj name="Bitmap Image" r:id="rId2" imgW="3686040" imgH="3191040" progId="PBrush">
+                  <p:embed/>
+                </p:oleObj>
+              </mc:Choice>
+              <mc:Fallback>
+                <p:oleObj name="Bitmap Image" r:id="rId2" imgW="3686040" imgH="3191040" progId="PBrush">
+                  <p:embed/>
+                  <p:pic>
+                    <p:nvPicPr>
+                      <p:cNvPr id="0" name=""/>
+                      <p:cNvPicPr/>
+                      <p:nvPr/>
+                    </p:nvPicPr>
+                    <p:blipFill>
+                      <a:blip r:embed="rId3"/>
+                      <a:stretch>
+                        <a:fillRect/>
+                      </a:stretch>
+                    </p:blipFill>
+                    <p:spPr>
+                      <a:xfrm>
+                        <a:off x="2123728" y="1916832"/>
+                        <a:ext cx="3686175" cy="3190875"/>
+                      </a:xfrm>
+                      <a:prstGeom prst="rect">
+                        <a:avLst/>
+                      </a:prstGeom>
+                      <a:ln>
+                        <a:solidFill>
+                          <a:srgbClr val="C00000"/>
+                        </a:solidFill>
+                      </a:ln>
+                    </p:spPr>
+                  </p:pic>
+                </p:oleObj>
+              </mc:Fallback>
+            </mc:AlternateContent>
+          </a:graphicData>
+        </a:graphic>
+      </p:graphicFrame>
+      <p:sp>
+        <p:nvSpPr>
+          <p:cNvPr id="17" name="TextBox 16">
+            <a:extLst>
+              <a:ext uri="{FF2B5EF4-FFF2-40B4-BE49-F238E27FC236}">
+                <a16:creationId xmlns:a16="http://schemas.microsoft.com/office/drawing/2014/main" id="{35768E4A-7362-9ED7-00A9-A5F00377166F}"/>
+              </a:ext>
+            </a:extLst>
+          </p:cNvPr>
+          <p:cNvSpPr txBox="1"/>
+          <p:nvPr/>
+        </p:nvSpPr>
+        <p:spPr>
+          <a:xfrm>
+            <a:off x="5364088" y="3356992"/>
+            <a:ext cx="1872208" cy="288032"/>
+          </a:xfrm>
+          <a:prstGeom prst="rect">
+            <a:avLst/>
+          </a:prstGeom>
+          <a:solidFill>
+            <a:srgbClr val="FFFF00"/>
+          </a:solidFill>
+          <a:ln>
+            <a:solidFill>
+              <a:srgbClr val="C00000"/>
+            </a:solidFill>
+          </a:ln>
+        </p:spPr>
+        <p:txBody>
+          <a:bodyPr wrap="square" rtlCol="0">
+            <a:spAutoFit/>
+          </a:bodyPr>
+          <a:lstStyle/>
+          <a:p>
+            <a:r>
+              <a:rPr lang="en-US" sz="1200" dirty="0"/>
+              <a:t>“sort” needs “operator &lt;“</a:t>
+            </a:r>
+          </a:p>
+        </p:txBody>
+      </p:sp>
+    </p:spTree>
+    <p:extLst>
+      <p:ext uri="{BB962C8B-B14F-4D97-AF65-F5344CB8AC3E}">
+        <p14:creationId xmlns:p14="http://schemas.microsoft.com/office/powerpoint/2010/main" val="3846876698"/>
+      </p:ext>
+    </p:extLst>
+  </p:cSld>
+  <p:clrMapOvr>
+    <a:masterClrMapping/>
+  </p:clrMapOvr>
+</p:sld>
+</file>
+
+<file path=ppt/slides/slide8.xml><?xml version="1.0" encoding="utf-8"?>
+<p:sld xmlns:a="http://schemas.openxmlformats.org/drawingml/2006/main" xmlns:r="http://schemas.openxmlformats.org/officeDocument/2006/relationships" xmlns:p="http://schemas.openxmlformats.org/presentationml/2006/main">
+  <p:cSld>
+    <p:spTree>
+      <p:nvGrpSpPr>
+        <p:cNvPr id="1" name=""/>
+        <p:cNvGrpSpPr/>
+        <p:nvPr/>
+      </p:nvGrpSpPr>
+      <p:grpSpPr>
+        <a:xfrm>
+          <a:off x="0" y="0"/>
+          <a:ext cx="0" cy="0"/>
+          <a:chOff x="0" y="0"/>
+          <a:chExt cx="0" cy="0"/>
+        </a:xfrm>
+      </p:grpSpPr>
+      <p:sp>
+        <p:nvSpPr>
+          <p:cNvPr id="2" name="標題 1"/>
+          <p:cNvSpPr>
+            <a:spLocks noGrp="1"/>
+          </p:cNvSpPr>
+          <p:nvPr>
+            <p:ph type="ctrTitle"/>
+          </p:nvPr>
+        </p:nvSpPr>
+        <p:spPr>
+          <a:xfrm>
+            <a:off x="0" y="1"/>
+            <a:ext cx="9144000" cy="764704"/>
+          </a:xfrm>
+          <a:gradFill flip="none" rotWithShape="1">
+            <a:gsLst>
+              <a:gs pos="0">
+                <a:srgbClr val="C00000">
+                  <a:shade val="30000"/>
+                  <a:satMod val="115000"/>
+                </a:srgbClr>
+              </a:gs>
+              <a:gs pos="50000">
+                <a:srgbClr val="C00000">
+                  <a:shade val="67500"/>
+                  <a:satMod val="115000"/>
+                </a:srgbClr>
+              </a:gs>
+              <a:gs pos="100000">
+                <a:srgbClr val="C00000">
+                  <a:shade val="100000"/>
+                  <a:satMod val="115000"/>
+                </a:srgbClr>
+              </a:gs>
+            </a:gsLst>
+            <a:path path="circle">
+              <a:fillToRect t="100000" r="100000"/>
+            </a:path>
+            <a:tileRect l="-100000" b="-100000"/>
+          </a:gradFill>
+        </p:spPr>
+        <p:txBody>
+          <a:bodyPr>
+            <a:normAutofit/>
+          </a:bodyPr>
+          <a:lstStyle/>
+          <a:p>
+            <a:pPr algn="l"/>
+            <a:r>
+              <a:rPr lang="en-US" altLang="zh-TW" sz="4000" b="1" dirty="0">
+                <a:solidFill>
+                  <a:srgbClr val="FFFF00"/>
+                </a:solidFill>
+              </a:rPr>
+              <a:t>23.2 Sort User Defined Data</a:t>
+            </a:r>
+            <a:endParaRPr lang="zh-TW" altLang="en-US" sz="4000" b="1" dirty="0">
+              <a:solidFill>
+                <a:srgbClr val="FFFF00"/>
+              </a:solidFill>
+            </a:endParaRPr>
+          </a:p>
+        </p:txBody>
+      </p:sp>
+      <p:sp>
+        <p:nvSpPr>
+          <p:cNvPr id="3" name="副標題 2"/>
+          <p:cNvSpPr>
+            <a:spLocks noGrp="1"/>
+          </p:cNvSpPr>
+          <p:nvPr>
+            <p:ph type="subTitle" idx="1"/>
+          </p:nvPr>
+        </p:nvSpPr>
+        <p:spPr>
+          <a:xfrm>
+            <a:off x="467543" y="1268758"/>
+            <a:ext cx="8241831" cy="360042"/>
+          </a:xfrm>
+          <a:ln>
+            <a:solidFill>
+              <a:srgbClr val="C00000"/>
+            </a:solidFill>
+          </a:ln>
+        </p:spPr>
+        <p:txBody>
+          <a:bodyPr>
+            <a:noAutofit/>
+          </a:bodyPr>
+          <a:lstStyle/>
+          <a:p>
+            <a:pPr marL="342900" indent="-342900" algn="l">
+              <a:buClr>
+                <a:srgbClr val="0070C0"/>
+              </a:buClr>
+              <a:buSzPct val="80000"/>
+              <a:buFont typeface="Wingdings" pitchFamily="2" charset="2"/>
+              <a:buChar char="u"/>
+            </a:pPr>
+            <a:r>
+              <a:rPr lang="en-US" sz="1800" b="1" dirty="0">
+                <a:solidFill>
+                  <a:schemeClr val="tx1"/>
+                </a:solidFill>
+              </a:rPr>
+              <a:t>Sort User Defined Data</a:t>
+            </a:r>
+            <a:endParaRPr lang="en-US" sz="1800" dirty="0">
+              <a:solidFill>
+                <a:schemeClr val="tx1"/>
+              </a:solidFill>
+            </a:endParaRPr>
+          </a:p>
+        </p:txBody>
+      </p:sp>
+      <p:sp>
+        <p:nvSpPr>
+          <p:cNvPr id="4" name="標題 1"/>
+          <p:cNvSpPr txBox="1">
+            <a:spLocks/>
+          </p:cNvSpPr>
+          <p:nvPr/>
+        </p:nvSpPr>
+        <p:spPr>
+          <a:xfrm>
+            <a:off x="0" y="764704"/>
+            <a:ext cx="9144000" cy="360040"/>
+          </a:xfrm>
+          <a:prstGeom prst="rect">
+            <a:avLst/>
+          </a:prstGeom>
+          <a:gradFill flip="none" rotWithShape="1">
+            <a:gsLst>
+              <a:gs pos="0">
+                <a:srgbClr val="00B0F0">
+                  <a:shade val="30000"/>
+                  <a:satMod val="115000"/>
+                </a:srgbClr>
+              </a:gs>
+              <a:gs pos="50000">
+                <a:srgbClr val="00B0F0">
+                  <a:shade val="67500"/>
+                  <a:satMod val="115000"/>
+                </a:srgbClr>
+              </a:gs>
+              <a:gs pos="100000">
+                <a:srgbClr val="00B0F0">
+                  <a:shade val="100000"/>
+                  <a:satMod val="115000"/>
+                </a:srgbClr>
+              </a:gs>
+            </a:gsLst>
+            <a:path path="circle">
+              <a:fillToRect t="100000" r="100000"/>
+            </a:path>
+            <a:tileRect l="-100000" b="-100000"/>
+          </a:gradFill>
+        </p:spPr>
+        <p:txBody>
+          <a:bodyPr vert="horz" lIns="91440" tIns="45720" rIns="91440" bIns="45720" rtlCol="0" anchor="ctr">
+            <a:normAutofit/>
+          </a:bodyPr>
+          <a:lstStyle/>
+          <a:p>
+            <a:pPr lvl="0">
+              <a:spcBef>
+                <a:spcPct val="0"/>
+              </a:spcBef>
+            </a:pPr>
+            <a:r>
+              <a:rPr lang="en-US" sz="1600" dirty="0"/>
+              <a:t>https://www.youtube.com/watch?v=1j0GqsX2S1I&amp;list=PLk6CEY9XxSIA-xo3HRYC3M0Aitzdut7AA&amp;index=23</a:t>
+            </a:r>
+            <a:endParaRPr kumimoji="0" lang="zh-TW" altLang="en-US" sz="1600" b="0" i="0" u="none" strike="noStrike" kern="1200" cap="none" spc="0" normalizeH="0" baseline="0" noProof="0" dirty="0">
+              <a:ln>
+                <a:noFill/>
+              </a:ln>
+              <a:solidFill>
+                <a:schemeClr val="tx1"/>
+              </a:solidFill>
+              <a:effectLst/>
+              <a:uLnTx/>
+              <a:uFillTx/>
+              <a:latin typeface="+mj-lt"/>
+              <a:ea typeface="+mj-ea"/>
+              <a:cs typeface="+mj-cs"/>
+            </a:endParaRPr>
+          </a:p>
+        </p:txBody>
+      </p:sp>
+      <p:sp>
+        <p:nvSpPr>
+          <p:cNvPr id="5" name="日期版面配置區 4"/>
+          <p:cNvSpPr>
+            <a:spLocks noGrp="1"/>
+          </p:cNvSpPr>
+          <p:nvPr>
+            <p:ph type="dt" sz="half" idx="10"/>
+          </p:nvPr>
+        </p:nvSpPr>
+        <p:spPr/>
+        <p:txBody>
+          <a:bodyPr/>
+          <a:lstStyle/>
+          <a:p>
+            <a:fld id="{A4F910E6-8D00-4BAF-8C48-9688E0B449D3}" type="datetime1">
+              <a:rPr lang="zh-TW" altLang="en-US" smtClean="0"/>
+              <a:pPr/>
+              <a:t>2022/9/30</a:t>
+            </a:fld>
+            <a:endParaRPr lang="zh-TW" altLang="en-US"/>
+          </a:p>
+        </p:txBody>
+      </p:sp>
+      <p:sp>
+        <p:nvSpPr>
+          <p:cNvPr id="6" name="投影片編號版面配置區 5"/>
+          <p:cNvSpPr>
+            <a:spLocks noGrp="1"/>
+          </p:cNvSpPr>
+          <p:nvPr>
+            <p:ph type="sldNum" sz="quarter" idx="12"/>
+          </p:nvPr>
+        </p:nvSpPr>
+        <p:spPr/>
+        <p:txBody>
+          <a:bodyPr/>
+          <a:lstStyle/>
+          <a:p>
+            <a:fld id="{E4D7E63D-91F2-4366-A2C4-1B00C9E2590E}" type="slidenum">
+              <a:rPr lang="zh-TW" altLang="en-US" smtClean="0"/>
+              <a:pPr/>
+              <a:t>8</a:t>
+            </a:fld>
+            <a:endParaRPr lang="zh-TW" altLang="en-US"/>
+          </a:p>
+        </p:txBody>
+      </p:sp>
+      <p:graphicFrame>
+        <p:nvGraphicFramePr>
+          <p:cNvPr id="7" name="Object 6">
+            <a:extLst>
+              <a:ext uri="{FF2B5EF4-FFF2-40B4-BE49-F238E27FC236}">
+                <a16:creationId xmlns:a16="http://schemas.microsoft.com/office/drawing/2014/main" id="{AE66D3E3-417C-3F40-3202-23A5B510521C}"/>
+              </a:ext>
+            </a:extLst>
+          </p:cNvPr>
+          <p:cNvGraphicFramePr>
+            <a:graphicFrameLocks noChangeAspect="1"/>
+          </p:cNvGraphicFramePr>
+          <p:nvPr/>
+        </p:nvGraphicFramePr>
+        <p:xfrm>
+          <a:off x="755576" y="1916832"/>
+          <a:ext cx="7344816" cy="4552256"/>
+        </p:xfrm>
+        <a:graphic>
+          <a:graphicData uri="http://schemas.openxmlformats.org/presentationml/2006/ole">
+            <mc:AlternateContent xmlns:mc="http://schemas.openxmlformats.org/markup-compatibility/2006">
+              <mc:Choice xmlns:v="urn:schemas-microsoft-com:vml" Requires="v">
+                <p:oleObj name="Bitmap Image" r:id="rId2" imgW="9744120" imgH="6039000" progId="PBrush">
+                  <p:embed/>
+                </p:oleObj>
+              </mc:Choice>
+              <mc:Fallback>
+                <p:oleObj name="Bitmap Image" r:id="rId2" imgW="9744120" imgH="6039000" progId="PBrush">
+                  <p:embed/>
+                  <p:pic>
+                    <p:nvPicPr>
+                      <p:cNvPr id="7" name="Object 6">
+                        <a:extLst>
+                          <a:ext uri="{FF2B5EF4-FFF2-40B4-BE49-F238E27FC236}">
+                            <a16:creationId xmlns:a16="http://schemas.microsoft.com/office/drawing/2014/main" id="{AE66D3E3-417C-3F40-3202-23A5B510521C}"/>
+                          </a:ext>
+                        </a:extLst>
+                      </p:cNvPr>
+                      <p:cNvPicPr/>
+                      <p:nvPr/>
+                    </p:nvPicPr>
+                    <p:blipFill>
+                      <a:blip r:embed="rId3"/>
+                      <a:stretch>
+                        <a:fillRect/>
+                      </a:stretch>
+                    </p:blipFill>
+                    <p:spPr>
+                      <a:xfrm>
+                        <a:off x="755576" y="1916832"/>
+                        <a:ext cx="7344816" cy="4552256"/>
+                      </a:xfrm>
+                      <a:prstGeom prst="rect">
+                        <a:avLst/>
+                      </a:prstGeom>
+                      <a:ln>
+                        <a:solidFill>
+                          <a:srgbClr val="C00000"/>
+                        </a:solidFill>
+                      </a:ln>
+                    </p:spPr>
+                  </p:pic>
+                </p:oleObj>
+              </mc:Fallback>
+            </mc:AlternateContent>
+          </a:graphicData>
+        </a:graphic>
+      </p:graphicFrame>
+      <p:sp>
+        <p:nvSpPr>
+          <p:cNvPr id="9" name="Rectangle 8">
+            <a:extLst>
+              <a:ext uri="{FF2B5EF4-FFF2-40B4-BE49-F238E27FC236}">
+                <a16:creationId xmlns:a16="http://schemas.microsoft.com/office/drawing/2014/main" id="{24671C29-9B2D-54BA-636B-173916AA9365}"/>
+              </a:ext>
+            </a:extLst>
+          </p:cNvPr>
+          <p:cNvSpPr/>
+          <p:nvPr/>
+        </p:nvSpPr>
+        <p:spPr>
+          <a:xfrm>
+            <a:off x="4355976" y="2780928"/>
+            <a:ext cx="2880320" cy="1224136"/>
+          </a:xfrm>
+          <a:prstGeom prst="rect">
+            <a:avLst/>
+          </a:prstGeom>
+          <a:noFill/>
+          <a:ln>
+            <a:solidFill>
+              <a:srgbClr val="C00000"/>
+            </a:solidFill>
+          </a:ln>
+        </p:spPr>
+        <p:style>
+          <a:lnRef idx="2">
+            <a:schemeClr val="accent1">
+              <a:shade val="50000"/>
+            </a:schemeClr>
+          </a:lnRef>
+          <a:fillRef idx="1">
+            <a:schemeClr val="accent1"/>
+          </a:fillRef>
+          <a:effectRef idx="0">
+            <a:schemeClr val="accent1"/>
+          </a:effectRef>
+          <a:fontRef idx="minor">
+            <a:schemeClr val="lt1"/>
+          </a:fontRef>
+        </p:style>
+        <p:txBody>
+          <a:bodyPr rtlCol="0" anchor="ctr"/>
+          <a:lstStyle/>
+          <a:p>
+            <a:pPr algn="ctr"/>
+            <a:endParaRPr lang="en-US"/>
+          </a:p>
+        </p:txBody>
+      </p:sp>
+      <p:sp>
+        <p:nvSpPr>
+          <p:cNvPr id="10" name="Rectangle 9">
+            <a:extLst>
+              <a:ext uri="{FF2B5EF4-FFF2-40B4-BE49-F238E27FC236}">
+                <a16:creationId xmlns:a16="http://schemas.microsoft.com/office/drawing/2014/main" id="{381403C9-847C-3FD2-7EC8-09E19D2176DF}"/>
+              </a:ext>
+            </a:extLst>
+          </p:cNvPr>
+          <p:cNvSpPr/>
+          <p:nvPr/>
+        </p:nvSpPr>
+        <p:spPr>
+          <a:xfrm>
+            <a:off x="4572000" y="5229200"/>
+            <a:ext cx="2736304" cy="1080120"/>
+          </a:xfrm>
+          <a:prstGeom prst="rect">
+            <a:avLst/>
+          </a:prstGeom>
+          <a:noFill/>
+          <a:ln>
+            <a:solidFill>
+              <a:srgbClr val="C00000"/>
+            </a:solidFill>
+          </a:ln>
+        </p:spPr>
+        <p:style>
+          <a:lnRef idx="2">
+            <a:schemeClr val="accent1">
+              <a:shade val="50000"/>
+            </a:schemeClr>
+          </a:lnRef>
+          <a:fillRef idx="1">
+            <a:schemeClr val="accent1"/>
+          </a:fillRef>
+          <a:effectRef idx="0">
+            <a:schemeClr val="accent1"/>
+          </a:effectRef>
+          <a:fontRef idx="minor">
+            <a:schemeClr val="lt1"/>
+          </a:fontRef>
+        </p:style>
+        <p:txBody>
+          <a:bodyPr rtlCol="0" anchor="ctr"/>
+          <a:lstStyle/>
+          <a:p>
+            <a:pPr algn="ctr"/>
+            <a:endParaRPr lang="en-US"/>
+          </a:p>
+        </p:txBody>
+      </p:sp>
+      <p:sp>
+        <p:nvSpPr>
+          <p:cNvPr id="11" name="Rectangle 10">
+            <a:extLst>
+              <a:ext uri="{FF2B5EF4-FFF2-40B4-BE49-F238E27FC236}">
+                <a16:creationId xmlns:a16="http://schemas.microsoft.com/office/drawing/2014/main" id="{2A3EB549-B081-DA4E-35F4-CFD867BA6731}"/>
+              </a:ext>
+            </a:extLst>
+          </p:cNvPr>
+          <p:cNvSpPr/>
+          <p:nvPr/>
+        </p:nvSpPr>
+        <p:spPr>
+          <a:xfrm>
+            <a:off x="683568" y="3356992"/>
+            <a:ext cx="936104" cy="648072"/>
+          </a:xfrm>
+          <a:prstGeom prst="rect">
+            <a:avLst/>
+          </a:prstGeom>
+          <a:noFill/>
+          <a:ln>
+            <a:solidFill>
+              <a:srgbClr val="C00000"/>
+            </a:solidFill>
+          </a:ln>
+        </p:spPr>
+        <p:style>
+          <a:lnRef idx="2">
+            <a:schemeClr val="accent1">
+              <a:shade val="50000"/>
+            </a:schemeClr>
+          </a:lnRef>
+          <a:fillRef idx="1">
+            <a:schemeClr val="accent1"/>
+          </a:fillRef>
+          <a:effectRef idx="0">
+            <a:schemeClr val="accent1"/>
+          </a:effectRef>
+          <a:fontRef idx="minor">
+            <a:schemeClr val="lt1"/>
+          </a:fontRef>
+        </p:style>
+        <p:txBody>
+          <a:bodyPr rtlCol="0" anchor="ctr"/>
+          <a:lstStyle/>
+          <a:p>
+            <a:pPr algn="ctr"/>
+            <a:endParaRPr lang="en-US"/>
+          </a:p>
+        </p:txBody>
+      </p:sp>
+      <p:cxnSp>
+        <p:nvCxnSpPr>
+          <p:cNvPr id="13" name="Straight Arrow Connector 12">
+            <a:extLst>
+              <a:ext uri="{FF2B5EF4-FFF2-40B4-BE49-F238E27FC236}">
+                <a16:creationId xmlns:a16="http://schemas.microsoft.com/office/drawing/2014/main" id="{8F7FFC19-448B-D8FB-7F82-B1A37E25BCB4}"/>
+              </a:ext>
+            </a:extLst>
+          </p:cNvPr>
+          <p:cNvCxnSpPr>
+            <a:stCxn id="9" idx="1"/>
+            <a:endCxn id="11" idx="3"/>
+          </p:cNvCxnSpPr>
+          <p:nvPr/>
+        </p:nvCxnSpPr>
+        <p:spPr>
+          <a:xfrm flipH="1">
+            <a:off x="1619672" y="3392996"/>
+            <a:ext cx="2736304" cy="288032"/>
+          </a:xfrm>
+          <a:prstGeom prst="straightConnector1">
+            <a:avLst/>
+          </a:prstGeom>
+          <a:ln>
+            <a:tailEnd type="triangle"/>
+          </a:ln>
+        </p:spPr>
+        <p:style>
+          <a:lnRef idx="1">
+            <a:schemeClr val="accent2"/>
+          </a:lnRef>
+          <a:fillRef idx="0">
+            <a:schemeClr val="accent2"/>
+          </a:fillRef>
+          <a:effectRef idx="0">
+            <a:schemeClr val="accent2"/>
+          </a:effectRef>
+          <a:fontRef idx="minor">
+            <a:schemeClr val="tx1"/>
+          </a:fontRef>
+        </p:style>
+      </p:cxnSp>
+      <p:cxnSp>
+        <p:nvCxnSpPr>
+          <p:cNvPr id="15" name="Straight Arrow Connector 14">
+            <a:extLst>
+              <a:ext uri="{FF2B5EF4-FFF2-40B4-BE49-F238E27FC236}">
+                <a16:creationId xmlns:a16="http://schemas.microsoft.com/office/drawing/2014/main" id="{EB74A029-9278-7E82-D516-3462FA970B09}"/>
+              </a:ext>
+            </a:extLst>
+          </p:cNvPr>
+          <p:cNvCxnSpPr>
+            <a:stCxn id="10" idx="1"/>
+            <a:endCxn id="11" idx="3"/>
+          </p:cNvCxnSpPr>
+          <p:nvPr/>
+        </p:nvCxnSpPr>
+        <p:spPr>
+          <a:xfrm flipH="1" flipV="1">
+            <a:off x="1619672" y="3681028"/>
+            <a:ext cx="2952328" cy="2088232"/>
+          </a:xfrm>
+          <a:prstGeom prst="straightConnector1">
+            <a:avLst/>
+          </a:prstGeom>
+          <a:ln>
+            <a:tailEnd type="triangle"/>
+          </a:ln>
+        </p:spPr>
+        <p:style>
+          <a:lnRef idx="1">
+            <a:schemeClr val="accent2"/>
+          </a:lnRef>
+          <a:fillRef idx="0">
+            <a:schemeClr val="accent2"/>
+          </a:fillRef>
+          <a:effectRef idx="0">
+            <a:schemeClr val="accent2"/>
+          </a:effectRef>
+          <a:fontRef idx="minor">
+            <a:schemeClr val="tx1"/>
+          </a:fontRef>
+        </p:style>
+      </p:cxnSp>
+    </p:spTree>
+    <p:extLst>
+      <p:ext uri="{BB962C8B-B14F-4D97-AF65-F5344CB8AC3E}">
+        <p14:creationId xmlns:p14="http://schemas.microsoft.com/office/powerpoint/2010/main" val="284121006"/>
+      </p:ext>
+    </p:extLst>
+  </p:cSld>
+  <p:clrMapOvr>
+    <a:masterClrMapping/>
+  </p:clrMapOvr>
+</p:sld>
+</file>
+
+<file path=ppt/slides/slide9.xml><?xml version="1.0" encoding="utf-8"?>
+<p:sld xmlns:a="http://schemas.openxmlformats.org/drawingml/2006/main" xmlns:r="http://schemas.openxmlformats.org/officeDocument/2006/relationships" xmlns:p="http://schemas.openxmlformats.org/presentationml/2006/main">
+  <p:cSld>
+    <p:spTree>
+      <p:nvGrpSpPr>
+        <p:cNvPr id="1" name=""/>
+        <p:cNvGrpSpPr/>
+        <p:nvPr/>
+      </p:nvGrpSpPr>
+      <p:grpSpPr>
+        <a:xfrm>
+          <a:off x="0" y="0"/>
+          <a:ext cx="0" cy="0"/>
+          <a:chOff x="0" y="0"/>
+          <a:chExt cx="0" cy="0"/>
+        </a:xfrm>
+      </p:grpSpPr>
+      <p:sp>
+        <p:nvSpPr>
+          <p:cNvPr id="2" name="標題 1"/>
+          <p:cNvSpPr>
+            <a:spLocks noGrp="1"/>
+          </p:cNvSpPr>
+          <p:nvPr>
+            <p:ph type="ctrTitle"/>
+          </p:nvPr>
+        </p:nvSpPr>
+        <p:spPr>
+          <a:xfrm>
+            <a:off x="0" y="2130425"/>
+            <a:ext cx="9144000" cy="1470025"/>
+          </a:xfrm>
+          <a:solidFill>
+            <a:srgbClr val="00B0F0"/>
+          </a:solidFill>
+        </p:spPr>
+        <p:txBody>
+          <a:bodyPr>
+            <a:normAutofit/>
+          </a:bodyPr>
+          <a:lstStyle/>
+          <a:p>
+            <a:r>
+              <a:rPr lang="en-US" altLang="zh-TW" sz="4000" b="1" dirty="0">
+                <a:solidFill>
+                  <a:srgbClr val="FFFF00"/>
+                </a:solidFill>
+              </a:rPr>
+              <a:t>23.3 Sort Using Functional Object</a:t>
+            </a:r>
+            <a:endParaRPr lang="zh-TW" altLang="en-US" sz="4000" b="1" dirty="0">
+              <a:solidFill>
+                <a:srgbClr val="FFFF00"/>
+              </a:solidFill>
+            </a:endParaRPr>
+          </a:p>
+        </p:txBody>
+      </p:sp>
+      <p:sp>
+        <p:nvSpPr>
+          <p:cNvPr id="5" name="日期版面配置區 4"/>
+          <p:cNvSpPr>
+            <a:spLocks noGrp="1"/>
+          </p:cNvSpPr>
+          <p:nvPr>
+            <p:ph type="dt" sz="half" idx="10"/>
+          </p:nvPr>
+        </p:nvSpPr>
+        <p:spPr/>
+        <p:txBody>
+          <a:bodyPr/>
+          <a:lstStyle/>
+          <a:p>
+            <a:fld id="{C389EDC9-19E3-47AC-9C57-C6A24DEA81AD}" type="datetime1">
+              <a:rPr lang="zh-TW" altLang="en-US" smtClean="0"/>
+              <a:pPr/>
+              <a:t>2022/9/30</a:t>
+            </a:fld>
+            <a:endParaRPr lang="zh-TW" altLang="en-US"/>
+          </a:p>
+        </p:txBody>
+      </p:sp>
+      <p:sp>
+        <p:nvSpPr>
+          <p:cNvPr id="6" name="投影片編號版面配置區 5"/>
+          <p:cNvSpPr>
+            <a:spLocks noGrp="1"/>
+          </p:cNvSpPr>
+          <p:nvPr>
+            <p:ph type="sldNum" sz="quarter" idx="12"/>
+          </p:nvPr>
+        </p:nvSpPr>
+        <p:spPr/>
+        <p:txBody>
+          <a:bodyPr/>
+          <a:lstStyle/>
+          <a:p>
+            <a:fld id="{E4D7E63D-91F2-4366-A2C4-1B00C9E2590E}" type="slidenum">
+              <a:rPr lang="zh-TW" altLang="en-US" smtClean="0"/>
+              <a:pPr/>
+              <a:t>9</a:t>
+            </a:fld>
+            <a:endParaRPr lang="zh-TW" altLang="en-US"/>
+          </a:p>
+        </p:txBody>
+      </p:sp>
+      <p:pic>
+        <p:nvPicPr>
+          <p:cNvPr id="4" name="Picture 2" descr="C/C++ Development Company - ScienceSoft">
+            <a:extLst>
+              <a:ext uri="{FF2B5EF4-FFF2-40B4-BE49-F238E27FC236}">
+                <a16:creationId xmlns:a16="http://schemas.microsoft.com/office/drawing/2014/main" id="{8E9DE243-CE6E-577A-2ABF-18A237D84C20}"/>
+              </a:ext>
+            </a:extLst>
+          </p:cNvPr>
+          <p:cNvPicPr>
+            <a:picLocks noChangeAspect="1" noChangeArrowheads="1"/>
+          </p:cNvPicPr>
+          <p:nvPr/>
+        </p:nvPicPr>
+        <p:blipFill>
+          <a:blip r:embed="rId2">
+            <a:extLst>
+              <a:ext uri="{28A0092B-C50C-407E-A947-70E740481C1C}">
+                <a14:useLocalDpi xmlns:a14="http://schemas.microsoft.com/office/drawing/2010/main" val="0"/>
+              </a:ext>
+            </a:extLst>
+          </a:blip>
+          <a:srcRect/>
+          <a:stretch>
+            <a:fillRect/>
+          </a:stretch>
+        </p:blipFill>
+        <p:spPr bwMode="auto">
+          <a:xfrm>
+            <a:off x="3563888" y="3861048"/>
+            <a:ext cx="1656184" cy="690077"/>
+          </a:xfrm>
+          <a:prstGeom prst="rect">
+            <a:avLst/>
+          </a:prstGeom>
+          <a:noFill/>
+          <a:extLst>
+            <a:ext uri="{909E8E84-426E-40DD-AFC4-6F175D3DCCD1}">
+              <a14:hiddenFill xmlns:a14="http://schemas.microsoft.com/office/drawing/2010/main">
+                <a:solidFill>
+                  <a:srgbClr val="FFFFFF"/>
+                </a:solidFill>
+              </a14:hiddenFill>
+            </a:ext>
+          </a:extLst>
+        </p:spPr>
+      </p:pic>
+    </p:spTree>
+    <p:extLst>
+      <p:ext uri="{BB962C8B-B14F-4D97-AF65-F5344CB8AC3E}">
+        <p14:creationId xmlns:p14="http://schemas.microsoft.com/office/powerpoint/2010/main" val="3372455094"/>
+      </p:ext>
+    </p:extLst>
   </p:cSld>
   <p:clrMapOvr>
     <a:masterClrMapping/>
